--- a/Vendor_Boards/Microchip_PICDEM 2 plus_board_2010/tutorials/GCBASIC_Part4_RotateADCDelay.pptx
+++ b/Vendor_Boards/Microchip_PICDEM 2 plus_board_2010/tutorials/GCBASIC_Part4_RotateADCDelay.pptx
@@ -5,38 +5,39 @@
     <p:sldMasterId id="2147483660" r:id="rId1"/>
   </p:sldMasterIdLst>
   <p:notesMasterIdLst>
-    <p:notesMasterId r:id="rId28"/>
+    <p:notesMasterId r:id="rId29"/>
   </p:notesMasterIdLst>
   <p:handoutMasterIdLst>
-    <p:handoutMasterId r:id="rId29"/>
+    <p:handoutMasterId r:id="rId30"/>
   </p:handoutMasterIdLst>
   <p:sldIdLst>
-    <p:sldId id="294" r:id="rId2"/>
-    <p:sldId id="256" r:id="rId3"/>
-    <p:sldId id="295" r:id="rId4"/>
-    <p:sldId id="283" r:id="rId5"/>
-    <p:sldId id="296" r:id="rId6"/>
-    <p:sldId id="282" r:id="rId7"/>
+    <p:sldId id="320" r:id="rId2"/>
+    <p:sldId id="321" r:id="rId3"/>
+    <p:sldId id="322" r:id="rId4"/>
+    <p:sldId id="323" r:id="rId5"/>
+    <p:sldId id="324" r:id="rId6"/>
+    <p:sldId id="325" r:id="rId7"/>
     <p:sldId id="291" r:id="rId8"/>
-    <p:sldId id="301" r:id="rId9"/>
-    <p:sldId id="285" r:id="rId10"/>
-    <p:sldId id="306" r:id="rId11"/>
-    <p:sldId id="309" r:id="rId12"/>
-    <p:sldId id="308" r:id="rId13"/>
-    <p:sldId id="311" r:id="rId14"/>
-    <p:sldId id="312" r:id="rId15"/>
-    <p:sldId id="313" r:id="rId16"/>
-    <p:sldId id="314" r:id="rId17"/>
-    <p:sldId id="315" r:id="rId18"/>
-    <p:sldId id="316" r:id="rId19"/>
-    <p:sldId id="317" r:id="rId20"/>
-    <p:sldId id="318" r:id="rId21"/>
-    <p:sldId id="310" r:id="rId22"/>
-    <p:sldId id="287" r:id="rId23"/>
-    <p:sldId id="288" r:id="rId24"/>
-    <p:sldId id="305" r:id="rId25"/>
-    <p:sldId id="304" r:id="rId26"/>
-    <p:sldId id="319" r:id="rId27"/>
+    <p:sldId id="327" r:id="rId9"/>
+    <p:sldId id="332" r:id="rId10"/>
+    <p:sldId id="329" r:id="rId11"/>
+    <p:sldId id="306" r:id="rId12"/>
+    <p:sldId id="309" r:id="rId13"/>
+    <p:sldId id="308" r:id="rId14"/>
+    <p:sldId id="311" r:id="rId15"/>
+    <p:sldId id="312" r:id="rId16"/>
+    <p:sldId id="313" r:id="rId17"/>
+    <p:sldId id="314" r:id="rId18"/>
+    <p:sldId id="315" r:id="rId19"/>
+    <p:sldId id="316" r:id="rId20"/>
+    <p:sldId id="317" r:id="rId21"/>
+    <p:sldId id="318" r:id="rId22"/>
+    <p:sldId id="310" r:id="rId23"/>
+    <p:sldId id="287" r:id="rId24"/>
+    <p:sldId id="288" r:id="rId25"/>
+    <p:sldId id="331" r:id="rId26"/>
+    <p:sldId id="330" r:id="rId27"/>
+    <p:sldId id="319" r:id="rId28"/>
   </p:sldIdLst>
   <p:sldSz cx="9144000" cy="5143500" type="screen16x9"/>
   <p:notesSz cx="6858000" cy="9144000"/>
@@ -221,7 +222,7 @@
             <a:fld id="{742E545A-AB39-44F0-B5A6-04A90C6C9399}" type="datetimeFigureOut">
               <a:rPr lang="en-GB" smtClean="0"/>
               <a:pPr/>
-              <a:t>18/11/2024</a:t>
+              <a:t>25/01/2025</a:t>
             </a:fld>
             <a:endParaRPr lang="en-GB"/>
           </a:p>
@@ -577,7 +578,7 @@
             <a:fld id="{FF100B3C-2E11-428B-8555-A77018253716}" type="datetimeFigureOut">
               <a:rPr lang="en-GB" smtClean="0"/>
               <a:pPr/>
-              <a:t>18/11/2024</a:t>
+              <a:t>25/01/2025</a:t>
             </a:fld>
             <a:endParaRPr lang="en-GB"/>
           </a:p>
@@ -870,7 +871,7 @@
           <p:cNvPr id="7" name="Rectangle 6">
             <a:extLst>
               <a:ext uri="{FF2B5EF4-FFF2-40B4-BE49-F238E27FC236}">
-                <a16:creationId xmlns:a16="http://schemas.microsoft.com/office/drawing/2014/main" xmlns="" id="{9C757326-0232-4CDF-81FF-302CA676961B}"/>
+                <a16:creationId xmlns="" xmlns:a16="http://schemas.microsoft.com/office/drawing/2014/main" id="{9C757326-0232-4CDF-81FF-302CA676961B}"/>
               </a:ext>
             </a:extLst>
           </p:cNvPr>
@@ -922,7 +923,7 @@
           <p:cNvPr id="8" name="Picture 7">
             <a:extLst>
               <a:ext uri="{FF2B5EF4-FFF2-40B4-BE49-F238E27FC236}">
-                <a16:creationId xmlns:a16="http://schemas.microsoft.com/office/drawing/2014/main" xmlns="" id="{4987E008-68E6-4A43-85BC-1A6ACDF91DE1}"/>
+                <a16:creationId xmlns="" xmlns:a16="http://schemas.microsoft.com/office/drawing/2014/main" id="{4987E008-68E6-4A43-85BC-1A6ACDF91DE1}"/>
               </a:ext>
             </a:extLst>
           </p:cNvPr>
@@ -951,7 +952,7 @@
           <p:cNvPr id="11" name="Picture 10">
             <a:extLst>
               <a:ext uri="{FF2B5EF4-FFF2-40B4-BE49-F238E27FC236}">
-                <a16:creationId xmlns:a16="http://schemas.microsoft.com/office/drawing/2014/main" xmlns="" id="{A1F8C892-C868-4DF6-91AB-B18CE632B10F}"/>
+                <a16:creationId xmlns="" xmlns:a16="http://schemas.microsoft.com/office/drawing/2014/main" id="{A1F8C892-C868-4DF6-91AB-B18CE632B10F}"/>
               </a:ext>
             </a:extLst>
           </p:cNvPr>
@@ -1137,7 +1138,7 @@
           <p:cNvPr id="12" name="Text Placeholder 2">
             <a:extLst>
               <a:ext uri="{FF2B5EF4-FFF2-40B4-BE49-F238E27FC236}">
-                <a16:creationId xmlns:a16="http://schemas.microsoft.com/office/drawing/2014/main" xmlns="" id="{D547E580-E6D6-4D97-BB04-05795A830147}"/>
+                <a16:creationId xmlns="" xmlns:a16="http://schemas.microsoft.com/office/drawing/2014/main" id="{D547E580-E6D6-4D97-BB04-05795A830147}"/>
               </a:ext>
             </a:extLst>
           </p:cNvPr>
@@ -1290,7 +1291,7 @@
           <p:cNvPr id="9" name="Picture 8">
             <a:extLst>
               <a:ext uri="{FF2B5EF4-FFF2-40B4-BE49-F238E27FC236}">
-                <a16:creationId xmlns:a16="http://schemas.microsoft.com/office/drawing/2014/main" xmlns="" id="{7CE2C968-D10A-4226-8FDC-CBC4C7EDD0B7}"/>
+                <a16:creationId xmlns="" xmlns:a16="http://schemas.microsoft.com/office/drawing/2014/main" id="{7CE2C968-D10A-4226-8FDC-CBC4C7EDD0B7}"/>
               </a:ext>
             </a:extLst>
           </p:cNvPr>
@@ -1492,7 +1493,7 @@
             <a:fld id="{C473AACB-D821-4991-9D88-46EB8D29E619}" type="datetimeFigureOut">
               <a:rPr lang="en-GB" smtClean="0"/>
               <a:pPr/>
-              <a:t>18/11/2024</a:t>
+              <a:t>25/01/2025</a:t>
             </a:fld>
             <a:endParaRPr lang="en-GB" dirty="0"/>
           </a:p>
@@ -1576,7 +1577,7 @@
           <p:cNvPr id="9" name="Picture 8">
             <a:extLst>
               <a:ext uri="{FF2B5EF4-FFF2-40B4-BE49-F238E27FC236}">
-                <a16:creationId xmlns:a16="http://schemas.microsoft.com/office/drawing/2014/main" xmlns="" id="{6AB5D66D-00C1-40EA-BFC8-305566F10369}"/>
+                <a16:creationId xmlns="" xmlns:a16="http://schemas.microsoft.com/office/drawing/2014/main" id="{6AB5D66D-00C1-40EA-BFC8-305566F10369}"/>
               </a:ext>
             </a:extLst>
           </p:cNvPr>
@@ -1786,7 +1787,7 @@
             <a:fld id="{C473AACB-D821-4991-9D88-46EB8D29E619}" type="datetimeFigureOut">
               <a:rPr lang="en-GB" smtClean="0"/>
               <a:pPr/>
-              <a:t>18/11/2024</a:t>
+              <a:t>25/01/2025</a:t>
             </a:fld>
             <a:endParaRPr lang="en-GB" dirty="0"/>
           </a:p>
@@ -2039,7 +2040,7 @@
             <a:fld id="{C473AACB-D821-4991-9D88-46EB8D29E619}" type="datetimeFigureOut">
               <a:rPr lang="en-GB" smtClean="0"/>
               <a:pPr/>
-              <a:t>18/11/2024</a:t>
+              <a:t>25/01/2025</a:t>
             </a:fld>
             <a:endParaRPr lang="en-GB" dirty="0"/>
           </a:p>
@@ -2093,7 +2094,7 @@
           <p:cNvPr id="8" name="Picture 7">
             <a:extLst>
               <a:ext uri="{FF2B5EF4-FFF2-40B4-BE49-F238E27FC236}">
-                <a16:creationId xmlns:a16="http://schemas.microsoft.com/office/drawing/2014/main" xmlns="" id="{AD4D4CB4-D965-4BB6-B218-086244C13BAE}"/>
+                <a16:creationId xmlns="" xmlns:a16="http://schemas.microsoft.com/office/drawing/2014/main" id="{AD4D4CB4-D965-4BB6-B218-086244C13BAE}"/>
               </a:ext>
             </a:extLst>
           </p:cNvPr>
@@ -2384,7 +2385,7 @@
             <a:fld id="{C473AACB-D821-4991-9D88-46EB8D29E619}" type="datetimeFigureOut">
               <a:rPr lang="en-GB" smtClean="0"/>
               <a:pPr/>
-              <a:t>18/11/2024</a:t>
+              <a:t>25/01/2025</a:t>
             </a:fld>
             <a:endParaRPr lang="en-GB" dirty="0"/>
           </a:p>
@@ -2528,7 +2529,7 @@
           <p:cNvPr id="11" name="Picture 10">
             <a:extLst>
               <a:ext uri="{FF2B5EF4-FFF2-40B4-BE49-F238E27FC236}">
-                <a16:creationId xmlns:a16="http://schemas.microsoft.com/office/drawing/2014/main" xmlns="" id="{A3B58C4E-0EF0-466C-9740-EC9F485CBD03}"/>
+                <a16:creationId xmlns="" xmlns:a16="http://schemas.microsoft.com/office/drawing/2014/main" id="{A3B58C4E-0EF0-466C-9740-EC9F485CBD03}"/>
               </a:ext>
             </a:extLst>
           </p:cNvPr>
@@ -2756,7 +2757,7 @@
             <a:fld id="{C473AACB-D821-4991-9D88-46EB8D29E619}" type="datetimeFigureOut">
               <a:rPr lang="en-GB" smtClean="0"/>
               <a:pPr/>
-              <a:t>18/11/2024</a:t>
+              <a:t>25/01/2025</a:t>
             </a:fld>
             <a:endParaRPr lang="en-GB" dirty="0"/>
           </a:p>
@@ -2810,7 +2811,7 @@
           <p:cNvPr id="7" name="Picture 6">
             <a:extLst>
               <a:ext uri="{FF2B5EF4-FFF2-40B4-BE49-F238E27FC236}">
-                <a16:creationId xmlns:a16="http://schemas.microsoft.com/office/drawing/2014/main" xmlns="" id="{2D0B9223-1250-44AA-A6C3-F2013B85AEF3}"/>
+                <a16:creationId xmlns="" xmlns:a16="http://schemas.microsoft.com/office/drawing/2014/main" id="{2D0B9223-1250-44AA-A6C3-F2013B85AEF3}"/>
               </a:ext>
             </a:extLst>
           </p:cNvPr>
@@ -3102,7 +3103,7 @@
             <a:fld id="{C473AACB-D821-4991-9D88-46EB8D29E619}" type="datetimeFigureOut">
               <a:rPr lang="en-GB" smtClean="0"/>
               <a:pPr/>
-              <a:t>18/11/2024</a:t>
+              <a:t>25/01/2025</a:t>
             </a:fld>
             <a:endParaRPr lang="en-GB" dirty="0"/>
           </a:p>
@@ -3238,7 +3239,7 @@
           <p:cNvPr id="11" name="Picture 10">
             <a:extLst>
               <a:ext uri="{FF2B5EF4-FFF2-40B4-BE49-F238E27FC236}">
-                <a16:creationId xmlns:a16="http://schemas.microsoft.com/office/drawing/2014/main" xmlns="" id="{D49E1C7C-7E53-49A2-B2C9-52307876DB7E}"/>
+                <a16:creationId xmlns="" xmlns:a16="http://schemas.microsoft.com/office/drawing/2014/main" id="{D49E1C7C-7E53-49A2-B2C9-52307876DB7E}"/>
               </a:ext>
             </a:extLst>
           </p:cNvPr>
@@ -3526,7 +3527,7 @@
             <a:fld id="{C473AACB-D821-4991-9D88-46EB8D29E619}" type="datetimeFigureOut">
               <a:rPr lang="en-GB" smtClean="0"/>
               <a:pPr/>
-              <a:t>18/11/2024</a:t>
+              <a:t>25/01/2025</a:t>
             </a:fld>
             <a:endParaRPr lang="en-GB" dirty="0"/>
           </a:p>
@@ -3580,7 +3581,7 @@
           <p:cNvPr id="9" name="Picture 8">
             <a:extLst>
               <a:ext uri="{FF2B5EF4-FFF2-40B4-BE49-F238E27FC236}">
-                <a16:creationId xmlns:a16="http://schemas.microsoft.com/office/drawing/2014/main" xmlns="" id="{23082AB0-2BB5-46FE-9A17-15E1ACC06965}"/>
+                <a16:creationId xmlns="" xmlns:a16="http://schemas.microsoft.com/office/drawing/2014/main" id="{23082AB0-2BB5-46FE-9A17-15E1ACC06965}"/>
               </a:ext>
             </a:extLst>
           </p:cNvPr>
@@ -3639,7 +3640,7 @@
           <p:cNvPr id="8" name="Picture 7">
             <a:extLst>
               <a:ext uri="{FF2B5EF4-FFF2-40B4-BE49-F238E27FC236}">
-                <a16:creationId xmlns:a16="http://schemas.microsoft.com/office/drawing/2014/main" xmlns="" id="{1862E859-E5AF-4D76-9FC9-2355B24FF141}"/>
+                <a16:creationId xmlns="" xmlns:a16="http://schemas.microsoft.com/office/drawing/2014/main" id="{1862E859-E5AF-4D76-9FC9-2355B24FF141}"/>
               </a:ext>
             </a:extLst>
           </p:cNvPr>
@@ -3761,7 +3762,7 @@
             <a:fld id="{C473AACB-D821-4991-9D88-46EB8D29E619}" type="datetimeFigureOut">
               <a:rPr lang="en-GB" smtClean="0"/>
               <a:pPr/>
-              <a:t>18/11/2024</a:t>
+              <a:t>25/01/2025</a:t>
             </a:fld>
             <a:endParaRPr lang="en-GB" dirty="0"/>
           </a:p>
@@ -3845,7 +3846,7 @@
           <p:cNvPr id="8" name="Picture 7">
             <a:extLst>
               <a:ext uri="{FF2B5EF4-FFF2-40B4-BE49-F238E27FC236}">
-                <a16:creationId xmlns:a16="http://schemas.microsoft.com/office/drawing/2014/main" xmlns="" id="{91908D0E-7544-4687-965B-72EF64AA4C54}"/>
+                <a16:creationId xmlns="" xmlns:a16="http://schemas.microsoft.com/office/drawing/2014/main" id="{91908D0E-7544-4687-965B-72EF64AA4C54}"/>
               </a:ext>
             </a:extLst>
           </p:cNvPr>
@@ -3972,7 +3973,7 @@
             <a:fld id="{C473AACB-D821-4991-9D88-46EB8D29E619}" type="datetimeFigureOut">
               <a:rPr lang="en-GB" smtClean="0"/>
               <a:pPr/>
-              <a:t>18/11/2024</a:t>
+              <a:t>25/01/2025</a:t>
             </a:fld>
             <a:endParaRPr lang="en-GB" dirty="0"/>
           </a:p>
@@ -4056,7 +4057,7 @@
           <p:cNvPr id="8" name="Picture 7">
             <a:extLst>
               <a:ext uri="{FF2B5EF4-FFF2-40B4-BE49-F238E27FC236}">
-                <a16:creationId xmlns:a16="http://schemas.microsoft.com/office/drawing/2014/main" xmlns="" id="{5B5B8CA2-02D4-408C-B548-182D4F5F54B2}"/>
+                <a16:creationId xmlns="" xmlns:a16="http://schemas.microsoft.com/office/drawing/2014/main" id="{5B5B8CA2-02D4-408C-B548-182D4F5F54B2}"/>
               </a:ext>
             </a:extLst>
           </p:cNvPr>
@@ -4190,7 +4191,7 @@
             <a:fld id="{C473AACB-D821-4991-9D88-46EB8D29E619}" type="datetimeFigureOut">
               <a:rPr lang="en-GB" smtClean="0"/>
               <a:pPr/>
-              <a:t>18/11/2024</a:t>
+              <a:t>25/01/2025</a:t>
             </a:fld>
             <a:endParaRPr lang="en-GB" dirty="0"/>
           </a:p>
@@ -4274,7 +4275,7 @@
           <p:cNvPr id="11" name="Picture 10">
             <a:extLst>
               <a:ext uri="{FF2B5EF4-FFF2-40B4-BE49-F238E27FC236}">
-                <a16:creationId xmlns:a16="http://schemas.microsoft.com/office/drawing/2014/main" xmlns="" id="{EA8DB33B-8BF9-4C99-B31C-55246227EFDE}"/>
+                <a16:creationId xmlns="" xmlns:a16="http://schemas.microsoft.com/office/drawing/2014/main" id="{EA8DB33B-8BF9-4C99-B31C-55246227EFDE}"/>
               </a:ext>
             </a:extLst>
           </p:cNvPr>
@@ -5005,7 +5006,7 @@
             <a:fld id="{C473AACB-D821-4991-9D88-46EB8D29E619}" type="datetimeFigureOut">
               <a:rPr lang="en-GB" smtClean="0"/>
               <a:pPr/>
-              <a:t>18/11/2024</a:t>
+              <a:t>25/01/2025</a:t>
             </a:fld>
             <a:endParaRPr lang="en-GB" dirty="0"/>
           </a:p>
@@ -5089,7 +5090,7 @@
           <p:cNvPr id="11" name="Picture 10">
             <a:extLst>
               <a:ext uri="{FF2B5EF4-FFF2-40B4-BE49-F238E27FC236}">
-                <a16:creationId xmlns:a16="http://schemas.microsoft.com/office/drawing/2014/main" xmlns="" id="{EA8DB33B-8BF9-4C99-B31C-55246227EFDE}"/>
+                <a16:creationId xmlns="" xmlns:a16="http://schemas.microsoft.com/office/drawing/2014/main" id="{EA8DB33B-8BF9-4C99-B31C-55246227EFDE}"/>
               </a:ext>
             </a:extLst>
           </p:cNvPr>
@@ -5819,7 +5820,7 @@
             <a:fld id="{C473AACB-D821-4991-9D88-46EB8D29E619}" type="datetimeFigureOut">
               <a:rPr lang="en-GB" smtClean="0"/>
               <a:pPr/>
-              <a:t>18/11/2024</a:t>
+              <a:t>25/01/2025</a:t>
             </a:fld>
             <a:endParaRPr lang="en-GB" dirty="0"/>
           </a:p>
@@ -6068,7 +6069,7 @@
             <a:fld id="{C473AACB-D821-4991-9D88-46EB8D29E619}" type="datetimeFigureOut">
               <a:rPr lang="en-GB" smtClean="0"/>
               <a:pPr/>
-              <a:t>18/11/2024</a:t>
+              <a:t>25/01/2025</a:t>
             </a:fld>
             <a:endParaRPr lang="en-GB" dirty="0"/>
           </a:p>
@@ -6122,7 +6123,7 @@
           <p:cNvPr id="7" name="Picture 6">
             <a:extLst>
               <a:ext uri="{FF2B5EF4-FFF2-40B4-BE49-F238E27FC236}">
-                <a16:creationId xmlns:a16="http://schemas.microsoft.com/office/drawing/2014/main" xmlns="" id="{6331EFED-43C1-4CBA-8BE3-308E3AA13B9B}"/>
+                <a16:creationId xmlns="" xmlns:a16="http://schemas.microsoft.com/office/drawing/2014/main" id="{6331EFED-43C1-4CBA-8BE3-308E3AA13B9B}"/>
               </a:ext>
             </a:extLst>
           </p:cNvPr>
@@ -6332,7 +6333,7 @@
             <a:fld id="{C473AACB-D821-4991-9D88-46EB8D29E619}" type="datetimeFigureOut">
               <a:rPr lang="en-GB" smtClean="0"/>
               <a:pPr/>
-              <a:t>18/11/2024</a:t>
+              <a:t>25/01/2025</a:t>
             </a:fld>
             <a:endParaRPr lang="en-GB" dirty="0"/>
           </a:p>
@@ -6386,7 +6387,7 @@
           <p:cNvPr id="9" name="Picture 8">
             <a:extLst>
               <a:ext uri="{FF2B5EF4-FFF2-40B4-BE49-F238E27FC236}">
-                <a16:creationId xmlns:a16="http://schemas.microsoft.com/office/drawing/2014/main" xmlns="" id="{1034EA63-4BE3-4A73-A7E6-4A75BE4C1D48}"/>
+                <a16:creationId xmlns="" xmlns:a16="http://schemas.microsoft.com/office/drawing/2014/main" id="{1034EA63-4BE3-4A73-A7E6-4A75BE4C1D48}"/>
               </a:ext>
             </a:extLst>
           </p:cNvPr>
@@ -6445,7 +6446,7 @@
           <p:cNvPr id="10" name="Picture 9">
             <a:extLst>
               <a:ext uri="{FF2B5EF4-FFF2-40B4-BE49-F238E27FC236}">
-                <a16:creationId xmlns:a16="http://schemas.microsoft.com/office/drawing/2014/main" xmlns="" id="{204DC1E6-B5F4-4160-90F3-351FB3242E92}"/>
+                <a16:creationId xmlns="" xmlns:a16="http://schemas.microsoft.com/office/drawing/2014/main" id="{204DC1E6-B5F4-4160-90F3-351FB3242E92}"/>
               </a:ext>
             </a:extLst>
           </p:cNvPr>
@@ -6772,7 +6773,7 @@
             <a:fld id="{C473AACB-D821-4991-9D88-46EB8D29E619}" type="datetimeFigureOut">
               <a:rPr lang="en-GB" smtClean="0"/>
               <a:pPr/>
-              <a:t>18/11/2024</a:t>
+              <a:t>25/01/2025</a:t>
             </a:fld>
             <a:endParaRPr lang="en-GB" dirty="0"/>
           </a:p>
@@ -6856,7 +6857,7 @@
           <p:cNvPr id="6" name="Picture 5">
             <a:extLst>
               <a:ext uri="{FF2B5EF4-FFF2-40B4-BE49-F238E27FC236}">
-                <a16:creationId xmlns:a16="http://schemas.microsoft.com/office/drawing/2014/main" xmlns="" id="{E7897C67-3827-4595-8E3A-71E9F2EAB3AF}"/>
+                <a16:creationId xmlns="" xmlns:a16="http://schemas.microsoft.com/office/drawing/2014/main" id="{E7897C67-3827-4595-8E3A-71E9F2EAB3AF}"/>
               </a:ext>
             </a:extLst>
           </p:cNvPr>
@@ -6927,7 +6928,7 @@
             <a:fld id="{C473AACB-D821-4991-9D88-46EB8D29E619}" type="datetimeFigureOut">
               <a:rPr lang="en-GB" smtClean="0"/>
               <a:pPr/>
-              <a:t>18/11/2024</a:t>
+              <a:t>25/01/2025</a:t>
             </a:fld>
             <a:endParaRPr lang="en-GB" dirty="0"/>
           </a:p>
@@ -7024,7 +7025,7 @@
             <a:fld id="{C473AACB-D821-4991-9D88-46EB8D29E619}" type="datetimeFigureOut">
               <a:rPr lang="en-GB" smtClean="0"/>
               <a:pPr/>
-              <a:t>18/11/2024</a:t>
+              <a:t>25/01/2025</a:t>
             </a:fld>
             <a:endParaRPr lang="en-GB" dirty="0"/>
           </a:p>
@@ -7078,7 +7079,7 @@
           <p:cNvPr id="6" name="Picture 5">
             <a:extLst>
               <a:ext uri="{FF2B5EF4-FFF2-40B4-BE49-F238E27FC236}">
-                <a16:creationId xmlns:a16="http://schemas.microsoft.com/office/drawing/2014/main" xmlns="" id="{F1825398-026A-4668-BB48-C16AD1C9062B}"/>
+                <a16:creationId xmlns="" xmlns:a16="http://schemas.microsoft.com/office/drawing/2014/main" id="{F1825398-026A-4668-BB48-C16AD1C9062B}"/>
               </a:ext>
             </a:extLst>
           </p:cNvPr>
@@ -7801,7 +7802,7 @@
             <a:fld id="{C473AACB-D821-4991-9D88-46EB8D29E619}" type="datetimeFigureOut">
               <a:rPr lang="en-GB" smtClean="0"/>
               <a:pPr/>
-              <a:t>18/11/2024</a:t>
+              <a:t>25/01/2025</a:t>
             </a:fld>
             <a:endParaRPr lang="en-GB" dirty="0"/>
           </a:p>
@@ -8363,18 +8364,24 @@
         </p:nvSpPr>
         <p:spPr/>
         <p:txBody>
-          <a:bodyPr/>
+          <a:bodyPr>
+            <a:normAutofit/>
+          </a:bodyPr>
           <a:lstStyle/>
           <a:p>
             <a:r>
               <a:rPr lang="en-GB" dirty="0" smtClean="0"/>
-              <a:t>PIC18FxxQ24</a:t>
-            </a:r>
-          </a:p>
-          <a:p>
+              <a:t>PIC16Fxxxx chip Family ( Legacy )</a:t>
+            </a:r>
+          </a:p>
+          <a:p>
+            <a:r>
+              <a:rPr lang="en-GB" dirty="0"/>
+              <a:t>Part 4 – sequence the </a:t>
+            </a:r>
             <a:r>
               <a:rPr lang="en-GB" dirty="0" smtClean="0"/>
-              <a:t>Part 4 – sequence the LEDs</a:t>
+              <a:t>LEDs</a:t>
             </a:r>
             <a:endParaRPr lang="en-GB" dirty="0"/>
           </a:p>
@@ -8383,7 +8390,7 @@
     </p:spTree>
     <p:extLst>
       <p:ext uri="{BB962C8B-B14F-4D97-AF65-F5344CB8AC3E}">
-        <p14:creationId xmlns:p14="http://schemas.microsoft.com/office/powerpoint/2010/main" val="1934043723"/>
+        <p14:creationId xmlns:p14="http://schemas.microsoft.com/office/powerpoint/2010/main" val="3156257139"/>
       </p:ext>
     </p:extLst>
   </p:cSld>
@@ -8429,6 +8436,417 @@
         </p:nvSpPr>
         <p:spPr/>
         <p:txBody>
+          <a:bodyPr/>
+          <a:lstStyle/>
+          <a:p>
+            <a:pPr algn="l"/>
+            <a:r>
+              <a:rPr lang="en-GB" dirty="0" smtClean="0"/>
+              <a:t>Hardware</a:t>
+            </a:r>
+            <a:endParaRPr lang="en-GB" dirty="0"/>
+          </a:p>
+        </p:txBody>
+      </p:sp>
+      <p:sp>
+        <p:nvSpPr>
+          <p:cNvPr id="3" name="Content Placeholder 2"/>
+          <p:cNvSpPr>
+            <a:spLocks noGrp="1"/>
+          </p:cNvSpPr>
+          <p:nvPr>
+            <p:ph idx="1"/>
+          </p:nvPr>
+        </p:nvSpPr>
+        <p:spPr/>
+        <p:txBody>
+          <a:bodyPr/>
+          <a:lstStyle/>
+          <a:p>
+            <a:r>
+              <a:rPr lang="en-GB" dirty="0" smtClean="0"/>
+              <a:t>Prototype Board</a:t>
+            </a:r>
+            <a:endParaRPr lang="en-GB" dirty="0"/>
+          </a:p>
+          <a:p>
+            <a:r>
+              <a:rPr lang="en-GB" dirty="0" smtClean="0"/>
+              <a:t>Power 5v0</a:t>
+            </a:r>
+          </a:p>
+          <a:p>
+            <a:r>
+              <a:rPr lang="en-GB" dirty="0" smtClean="0"/>
+              <a:t>Programmer</a:t>
+            </a:r>
+          </a:p>
+          <a:p>
+            <a:r>
+              <a:rPr lang="en-GB" dirty="0" smtClean="0"/>
+              <a:t>LEDs &amp; resistors</a:t>
+            </a:r>
+          </a:p>
+          <a:p>
+            <a:endParaRPr lang="en-GB" dirty="0"/>
+          </a:p>
+        </p:txBody>
+      </p:sp>
+      <p:sp>
+        <p:nvSpPr>
+          <p:cNvPr id="5" name="TextBox 4"/>
+          <p:cNvSpPr txBox="1"/>
+          <p:nvPr/>
+        </p:nvSpPr>
+        <p:spPr>
+          <a:xfrm>
+            <a:off x="2206278" y="168176"/>
+            <a:ext cx="5328592" cy="4893647"/>
+          </a:xfrm>
+          <a:prstGeom prst="rect">
+            <a:avLst/>
+          </a:prstGeom>
+          <a:solidFill>
+            <a:schemeClr val="bg1"/>
+          </a:solidFill>
+        </p:spPr>
+        <p:txBody>
+          <a:bodyPr wrap="square" rtlCol="0">
+            <a:spAutoFit/>
+          </a:bodyPr>
+          <a:lstStyle/>
+          <a:p>
+            <a:r>
+              <a:rPr lang="en-GB" sz="1200" b="1" dirty="0">
+                <a:latin typeface="Courier New" panose="02070309020205020404" pitchFamily="49" charset="0"/>
+                <a:cs typeface="Courier New" panose="02070309020205020404" pitchFamily="49" charset="0"/>
+              </a:rPr>
+              <a:t>    Hardware</a:t>
+            </a:r>
+          </a:p>
+          <a:p>
+            <a:r>
+              <a:rPr lang="en-GB" sz="1200" b="1" dirty="0">
+                <a:latin typeface="Courier New" panose="02070309020205020404" pitchFamily="49" charset="0"/>
+                <a:cs typeface="Courier New" panose="02070309020205020404" pitchFamily="49" charset="0"/>
+              </a:rPr>
+              <a:t> </a:t>
+            </a:r>
+            <a:r>
+              <a:rPr lang="en-GB" sz="1200" b="1" dirty="0" smtClean="0">
+                <a:latin typeface="Courier New" panose="02070309020205020404" pitchFamily="49" charset="0"/>
+                <a:cs typeface="Courier New" panose="02070309020205020404" pitchFamily="49" charset="0"/>
+              </a:rPr>
+              <a:t>           ------------</a:t>
+            </a:r>
+            <a:r>
+              <a:rPr lang="en-GB" sz="1200" b="1" dirty="0">
+                <a:latin typeface="Courier New" panose="02070309020205020404" pitchFamily="49" charset="0"/>
+                <a:cs typeface="Courier New" panose="02070309020205020404" pitchFamily="49" charset="0"/>
+              </a:rPr>
+              <a:t>PORTA---------------</a:t>
+            </a:r>
+          </a:p>
+          <a:p>
+            <a:r>
+              <a:rPr lang="en-GB" sz="1200" b="1" dirty="0">
+                <a:latin typeface="Courier New" panose="02070309020205020404" pitchFamily="49" charset="0"/>
+                <a:cs typeface="Courier New" panose="02070309020205020404" pitchFamily="49" charset="0"/>
+              </a:rPr>
+              <a:t>    Bit#:  -7---6---5---4---3---2---1---0---</a:t>
+            </a:r>
+          </a:p>
+          <a:p>
+            <a:r>
+              <a:rPr lang="en-GB" sz="1200" b="1" dirty="0">
+                <a:latin typeface="Courier New" panose="02070309020205020404" pitchFamily="49" charset="0"/>
+                <a:cs typeface="Courier New" panose="02070309020205020404" pitchFamily="49" charset="0"/>
+              </a:rPr>
+              <a:t>    IO:    </a:t>
+            </a:r>
+            <a:r>
+              <a:rPr lang="en-GB" sz="1200" b="1" dirty="0" smtClean="0">
+                <a:latin typeface="Courier New" panose="02070309020205020404" pitchFamily="49" charset="0"/>
+                <a:cs typeface="Courier New" panose="02070309020205020404" pitchFamily="49" charset="0"/>
+              </a:rPr>
+              <a:t>----------------------------</a:t>
+            </a:r>
+            <a:r>
+              <a:rPr lang="en-GB" sz="1200" b="1" dirty="0">
+                <a:latin typeface="Courier New" panose="02070309020205020404" pitchFamily="49" charset="0"/>
+                <a:cs typeface="Courier New" panose="02070309020205020404" pitchFamily="49" charset="0"/>
+              </a:rPr>
+              <a:t>ADC--</a:t>
+            </a:r>
+          </a:p>
+          <a:p>
+            <a:r>
+              <a:rPr lang="en-GB" sz="1200" b="1" dirty="0">
+                <a:latin typeface="Courier New" panose="02070309020205020404" pitchFamily="49" charset="0"/>
+                <a:cs typeface="Courier New" panose="02070309020205020404" pitchFamily="49" charset="0"/>
+              </a:rPr>
+              <a:t>    IO:    ---------------------------------</a:t>
+            </a:r>
+          </a:p>
+          <a:p>
+            <a:endParaRPr lang="en-GB" sz="1200" b="1" dirty="0">
+              <a:latin typeface="Courier New" panose="02070309020205020404" pitchFamily="49" charset="0"/>
+              <a:cs typeface="Courier New" panose="02070309020205020404" pitchFamily="49" charset="0"/>
+            </a:endParaRPr>
+          </a:p>
+          <a:p>
+            <a:r>
+              <a:rPr lang="en-GB" sz="1200" b="1" dirty="0">
+                <a:latin typeface="Courier New" panose="02070309020205020404" pitchFamily="49" charset="0"/>
+                <a:cs typeface="Courier New" panose="02070309020205020404" pitchFamily="49" charset="0"/>
+              </a:rPr>
+              <a:t>            ------------PORTB----------------</a:t>
+            </a:r>
+          </a:p>
+          <a:p>
+            <a:r>
+              <a:rPr lang="en-GB" sz="1200" b="1" dirty="0">
+                <a:latin typeface="Courier New" panose="02070309020205020404" pitchFamily="49" charset="0"/>
+                <a:cs typeface="Courier New" panose="02070309020205020404" pitchFamily="49" charset="0"/>
+              </a:rPr>
+              <a:t>    Bit#:  -7---6---5---4---3---2---1---0---</a:t>
+            </a:r>
+          </a:p>
+          <a:p>
+            <a:r>
+              <a:rPr lang="en-GB" sz="1200" b="1" dirty="0">
+                <a:latin typeface="Courier New" panose="02070309020205020404" pitchFamily="49" charset="0"/>
+                <a:cs typeface="Courier New" panose="02070309020205020404" pitchFamily="49" charset="0"/>
+              </a:rPr>
+              <a:t>    IO:    ----------------LED-LED-LED-LED--</a:t>
+            </a:r>
+          </a:p>
+          <a:p>
+            <a:r>
+              <a:rPr lang="en-GB" sz="1200" b="1" dirty="0">
+                <a:latin typeface="Courier New" panose="02070309020205020404" pitchFamily="49" charset="0"/>
+                <a:cs typeface="Courier New" panose="02070309020205020404" pitchFamily="49" charset="0"/>
+              </a:rPr>
+              <a:t>    IO:    ---------------------------------</a:t>
+            </a:r>
+          </a:p>
+          <a:p>
+            <a:endParaRPr lang="en-GB" sz="1200" b="1" dirty="0">
+              <a:latin typeface="Courier New" panose="02070309020205020404" pitchFamily="49" charset="0"/>
+              <a:cs typeface="Courier New" panose="02070309020205020404" pitchFamily="49" charset="0"/>
+            </a:endParaRPr>
+          </a:p>
+          <a:p>
+            <a:r>
+              <a:rPr lang="en-GB" sz="1200" b="1" dirty="0">
+                <a:latin typeface="Courier New" panose="02070309020205020404" pitchFamily="49" charset="0"/>
+                <a:cs typeface="Courier New" panose="02070309020205020404" pitchFamily="49" charset="0"/>
+              </a:rPr>
+              <a:t>            ------------PORTC----------------</a:t>
+            </a:r>
+          </a:p>
+          <a:p>
+            <a:r>
+              <a:rPr lang="en-GB" sz="1200" b="1" dirty="0">
+                <a:latin typeface="Courier New" panose="02070309020205020404" pitchFamily="49" charset="0"/>
+                <a:cs typeface="Courier New" panose="02070309020205020404" pitchFamily="49" charset="0"/>
+              </a:rPr>
+              <a:t>    Bit#:  -7---6---5---4---3---2---1---0---</a:t>
+            </a:r>
+          </a:p>
+          <a:p>
+            <a:r>
+              <a:rPr lang="en-GB" sz="1200" b="1" dirty="0">
+                <a:latin typeface="Courier New" panose="02070309020205020404" pitchFamily="49" charset="0"/>
+                <a:cs typeface="Courier New" panose="02070309020205020404" pitchFamily="49" charset="0"/>
+              </a:rPr>
+              <a:t>    IO:    </a:t>
+            </a:r>
+            <a:r>
+              <a:rPr lang="en-GB" sz="1200" b="1" dirty="0" smtClean="0">
+                <a:latin typeface="Courier New" panose="02070309020205020404" pitchFamily="49" charset="0"/>
+                <a:cs typeface="Courier New" panose="02070309020205020404" pitchFamily="49" charset="0"/>
+              </a:rPr>
+              <a:t>--------------------------------</a:t>
+            </a:r>
+            <a:endParaRPr lang="en-GB" sz="1200" b="1" dirty="0">
+              <a:latin typeface="Courier New" panose="02070309020205020404" pitchFamily="49" charset="0"/>
+              <a:cs typeface="Courier New" panose="02070309020205020404" pitchFamily="49" charset="0"/>
+            </a:endParaRPr>
+          </a:p>
+          <a:p>
+            <a:r>
+              <a:rPr lang="en-GB" sz="1200" b="1" dirty="0">
+                <a:latin typeface="Courier New" panose="02070309020205020404" pitchFamily="49" charset="0"/>
+                <a:cs typeface="Courier New" panose="02070309020205020404" pitchFamily="49" charset="0"/>
+              </a:rPr>
+              <a:t>    IO:    ---------------------------------</a:t>
+            </a:r>
+          </a:p>
+          <a:p>
+            <a:endParaRPr lang="en-GB" sz="1200" b="1" dirty="0">
+              <a:latin typeface="Courier New" panose="02070309020205020404" pitchFamily="49" charset="0"/>
+              <a:cs typeface="Courier New" panose="02070309020205020404" pitchFamily="49" charset="0"/>
+            </a:endParaRPr>
+          </a:p>
+          <a:p>
+            <a:r>
+              <a:rPr lang="en-GB" sz="1200" b="1" dirty="0">
+                <a:latin typeface="Courier New" panose="02070309020205020404" pitchFamily="49" charset="0"/>
+                <a:cs typeface="Courier New" panose="02070309020205020404" pitchFamily="49" charset="0"/>
+              </a:rPr>
+              <a:t>            ------------PORTD----------------</a:t>
+            </a:r>
+          </a:p>
+          <a:p>
+            <a:r>
+              <a:rPr lang="en-GB" sz="1200" b="1" dirty="0">
+                <a:latin typeface="Courier New" panose="02070309020205020404" pitchFamily="49" charset="0"/>
+                <a:cs typeface="Courier New" panose="02070309020205020404" pitchFamily="49" charset="0"/>
+              </a:rPr>
+              <a:t>    Bit#:  -7---6---5---4---3---2---1---0---</a:t>
+            </a:r>
+          </a:p>
+          <a:p>
+            <a:r>
+              <a:rPr lang="en-GB" sz="1200" b="1" dirty="0">
+                <a:latin typeface="Courier New" panose="02070309020205020404" pitchFamily="49" charset="0"/>
+                <a:cs typeface="Courier New" panose="02070309020205020404" pitchFamily="49" charset="0"/>
+              </a:rPr>
+              <a:t>    IO:    </a:t>
+            </a:r>
+            <a:r>
+              <a:rPr lang="en-GB" sz="1200" b="1" dirty="0" smtClean="0">
+                <a:latin typeface="Courier New" panose="02070309020205020404" pitchFamily="49" charset="0"/>
+                <a:cs typeface="Courier New" panose="02070309020205020404" pitchFamily="49" charset="0"/>
+              </a:rPr>
+              <a:t>--------------------------------</a:t>
+            </a:r>
+            <a:endParaRPr lang="en-GB" sz="1200" b="1" dirty="0">
+              <a:latin typeface="Courier New" panose="02070309020205020404" pitchFamily="49" charset="0"/>
+              <a:cs typeface="Courier New" panose="02070309020205020404" pitchFamily="49" charset="0"/>
+            </a:endParaRPr>
+          </a:p>
+          <a:p>
+            <a:r>
+              <a:rPr lang="en-GB" sz="1200" b="1" dirty="0">
+                <a:latin typeface="Courier New" panose="02070309020205020404" pitchFamily="49" charset="0"/>
+                <a:cs typeface="Courier New" panose="02070309020205020404" pitchFamily="49" charset="0"/>
+              </a:rPr>
+              <a:t>    IO:    ---------------------------------</a:t>
+            </a:r>
+          </a:p>
+          <a:p>
+            <a:endParaRPr lang="en-GB" sz="1200" b="1" dirty="0">
+              <a:latin typeface="Courier New" panose="02070309020205020404" pitchFamily="49" charset="0"/>
+              <a:cs typeface="Courier New" panose="02070309020205020404" pitchFamily="49" charset="0"/>
+            </a:endParaRPr>
+          </a:p>
+          <a:p>
+            <a:r>
+              <a:rPr lang="en-GB" sz="1200" b="1" dirty="0">
+                <a:latin typeface="Courier New" panose="02070309020205020404" pitchFamily="49" charset="0"/>
+                <a:cs typeface="Courier New" panose="02070309020205020404" pitchFamily="49" charset="0"/>
+              </a:rPr>
+              <a:t>            ------------PORTE----------------</a:t>
+            </a:r>
+          </a:p>
+          <a:p>
+            <a:r>
+              <a:rPr lang="en-GB" sz="1200" b="1" dirty="0">
+                <a:latin typeface="Courier New" panose="02070309020205020404" pitchFamily="49" charset="0"/>
+                <a:cs typeface="Courier New" panose="02070309020205020404" pitchFamily="49" charset="0"/>
+              </a:rPr>
+              <a:t>    Bit#:  -7---6---5---4---3---2---1---0---</a:t>
+            </a:r>
+          </a:p>
+          <a:p>
+            <a:r>
+              <a:rPr lang="en-GB" sz="1200" b="1" dirty="0">
+                <a:latin typeface="Courier New" panose="02070309020205020404" pitchFamily="49" charset="0"/>
+                <a:cs typeface="Courier New" panose="02070309020205020404" pitchFamily="49" charset="0"/>
+              </a:rPr>
+              <a:t>    IO:    ----------------RST---------------</a:t>
+            </a:r>
+          </a:p>
+          <a:p>
+            <a:r>
+              <a:rPr lang="en-GB" sz="1200" b="1" dirty="0">
+                <a:latin typeface="Courier New" panose="02070309020205020404" pitchFamily="49" charset="0"/>
+                <a:cs typeface="Courier New" panose="02070309020205020404" pitchFamily="49" charset="0"/>
+              </a:rPr>
+              <a:t>    IO:    ---------------------------------</a:t>
+            </a:r>
+            <a:br>
+              <a:rPr lang="en-GB" sz="1200" b="1" dirty="0">
+                <a:latin typeface="Courier New" panose="02070309020205020404" pitchFamily="49" charset="0"/>
+                <a:cs typeface="Courier New" panose="02070309020205020404" pitchFamily="49" charset="0"/>
+              </a:rPr>
+            </a:br>
+            <a:endParaRPr lang="en-GB" sz="1200" b="1" dirty="0">
+              <a:latin typeface="Courier New" panose="02070309020205020404" pitchFamily="49" charset="0"/>
+              <a:cs typeface="Courier New" panose="02070309020205020404" pitchFamily="49" charset="0"/>
+            </a:endParaRPr>
+          </a:p>
+        </p:txBody>
+      </p:sp>
+    </p:spTree>
+    <p:extLst>
+      <p:ext uri="{BB962C8B-B14F-4D97-AF65-F5344CB8AC3E}">
+        <p14:creationId xmlns:p14="http://schemas.microsoft.com/office/powerpoint/2010/main" val="197425329"/>
+      </p:ext>
+    </p:extLst>
+  </p:cSld>
+  <p:clrMapOvr>
+    <a:masterClrMapping/>
+  </p:clrMapOvr>
+  <mc:AlternateContent xmlns:mc="http://schemas.openxmlformats.org/markup-compatibility/2006" xmlns:p14="http://schemas.microsoft.com/office/powerpoint/2010/main">
+    <mc:Choice Requires="p14">
+      <p:transition spd="slow" p14:dur="2000"/>
+    </mc:Choice>
+    <mc:Fallback xmlns="">
+      <p:transition spd="slow"/>
+    </mc:Fallback>
+  </mc:AlternateContent>
+  <p:timing>
+    <p:tnLst>
+      <p:par>
+        <p:cTn id="1" dur="indefinite" restart="never" nodeType="tmRoot"/>
+      </p:par>
+    </p:tnLst>
+  </p:timing>
+</p:sld>
+</file>
+
+<file path=ppt/slides/slide11.xml><?xml version="1.0" encoding="utf-8"?>
+<p:sld xmlns:a="http://schemas.openxmlformats.org/drawingml/2006/main" xmlns:r="http://schemas.openxmlformats.org/officeDocument/2006/relationships" xmlns:p="http://schemas.openxmlformats.org/presentationml/2006/main">
+  <p:cSld>
+    <p:spTree>
+      <p:nvGrpSpPr>
+        <p:cNvPr id="1" name=""/>
+        <p:cNvGrpSpPr/>
+        <p:nvPr/>
+      </p:nvGrpSpPr>
+      <p:grpSpPr>
+        <a:xfrm>
+          <a:off x="0" y="0"/>
+          <a:ext cx="0" cy="0"/>
+          <a:chOff x="0" y="0"/>
+          <a:chExt cx="0" cy="0"/>
+        </a:xfrm>
+      </p:grpSpPr>
+      <p:sp>
+        <p:nvSpPr>
+          <p:cNvPr id="2" name="Title 1"/>
+          <p:cNvSpPr>
+            <a:spLocks noGrp="1"/>
+          </p:cNvSpPr>
+          <p:nvPr>
+            <p:ph type="title"/>
+          </p:nvPr>
+        </p:nvSpPr>
+        <p:spPr/>
+        <p:txBody>
           <a:bodyPr vert="horz" lIns="85064" tIns="42531" rIns="85064" bIns="42531" rtlCol="0" anchor="t">
             <a:normAutofit/>
           </a:bodyPr>
@@ -8565,7 +8983,7 @@
 </p:sld>
 </file>
 
-<file path=ppt/slides/slide11.xml><?xml version="1.0" encoding="utf-8"?>
+<file path=ppt/slides/slide12.xml><?xml version="1.0" encoding="utf-8"?>
 <p:sld xmlns:a="http://schemas.openxmlformats.org/drawingml/2006/main" xmlns:r="http://schemas.openxmlformats.org/officeDocument/2006/relationships" xmlns:p="http://schemas.openxmlformats.org/presentationml/2006/main">
   <p:cSld>
     <p:spTree>
@@ -8797,7 +9215,7 @@
 </p:sld>
 </file>
 
-<file path=ppt/slides/slide12.xml><?xml version="1.0" encoding="utf-8"?>
+<file path=ppt/slides/slide13.xml><?xml version="1.0" encoding="utf-8"?>
 <p:sld xmlns:a="http://schemas.openxmlformats.org/drawingml/2006/main" xmlns:r="http://schemas.openxmlformats.org/officeDocument/2006/relationships" xmlns:p="http://schemas.openxmlformats.org/presentationml/2006/main">
   <p:cSld>
     <p:spTree>
@@ -9722,7 +10140,7 @@
 </p:sld>
 </file>
 
-<file path=ppt/slides/slide13.xml><?xml version="1.0" encoding="utf-8"?>
+<file path=ppt/slides/slide14.xml><?xml version="1.0" encoding="utf-8"?>
 <p:sld xmlns:a="http://schemas.openxmlformats.org/drawingml/2006/main" xmlns:r="http://schemas.openxmlformats.org/officeDocument/2006/relationships" xmlns:p="http://schemas.openxmlformats.org/presentationml/2006/main">
   <p:cSld>
     <p:spTree>
@@ -10934,7 +11352,7 @@
 </p:sld>
 </file>
 
-<file path=ppt/slides/slide14.xml><?xml version="1.0" encoding="utf-8"?>
+<file path=ppt/slides/slide15.xml><?xml version="1.0" encoding="utf-8"?>
 <p:sld xmlns:a="http://schemas.openxmlformats.org/drawingml/2006/main" xmlns:r="http://schemas.openxmlformats.org/officeDocument/2006/relationships" xmlns:p="http://schemas.openxmlformats.org/presentationml/2006/main">
   <p:cSld>
     <p:spTree>
@@ -12009,7 +12427,7 @@
 </p:sld>
 </file>
 
-<file path=ppt/slides/slide15.xml><?xml version="1.0" encoding="utf-8"?>
+<file path=ppt/slides/slide16.xml><?xml version="1.0" encoding="utf-8"?>
 <p:sld xmlns:a="http://schemas.openxmlformats.org/drawingml/2006/main" xmlns:r="http://schemas.openxmlformats.org/officeDocument/2006/relationships" xmlns:p="http://schemas.openxmlformats.org/presentationml/2006/main">
   <p:cSld>
     <p:spTree>
@@ -13132,7 +13550,7 @@
 </p:sld>
 </file>
 
-<file path=ppt/slides/slide16.xml><?xml version="1.0" encoding="utf-8"?>
+<file path=ppt/slides/slide17.xml><?xml version="1.0" encoding="utf-8"?>
 <p:sld xmlns:a="http://schemas.openxmlformats.org/drawingml/2006/main" xmlns:r="http://schemas.openxmlformats.org/officeDocument/2006/relationships" xmlns:p="http://schemas.openxmlformats.org/presentationml/2006/main">
   <p:cSld>
     <p:spTree>
@@ -14255,7 +14673,7 @@
 </p:sld>
 </file>
 
-<file path=ppt/slides/slide17.xml><?xml version="1.0" encoding="utf-8"?>
+<file path=ppt/slides/slide18.xml><?xml version="1.0" encoding="utf-8"?>
 <p:sld xmlns:a="http://schemas.openxmlformats.org/drawingml/2006/main" xmlns:r="http://schemas.openxmlformats.org/officeDocument/2006/relationships" xmlns:p="http://schemas.openxmlformats.org/presentationml/2006/main">
   <p:cSld>
     <p:spTree>
@@ -15378,7 +15796,7 @@
 </p:sld>
 </file>
 
-<file path=ppt/slides/slide18.xml><?xml version="1.0" encoding="utf-8"?>
+<file path=ppt/slides/slide19.xml><?xml version="1.0" encoding="utf-8"?>
 <p:sld xmlns:a="http://schemas.openxmlformats.org/drawingml/2006/main" xmlns:r="http://schemas.openxmlformats.org/officeDocument/2006/relationships" xmlns:p="http://schemas.openxmlformats.org/presentationml/2006/main">
   <p:cSld>
     <p:spTree>
@@ -16505,7 +16923,177 @@
 </p:sld>
 </file>
 
-<file path=ppt/slides/slide19.xml><?xml version="1.0" encoding="utf-8"?>
+<file path=ppt/slides/slide2.xml><?xml version="1.0" encoding="utf-8"?>
+<p:sld xmlns:a="http://schemas.openxmlformats.org/drawingml/2006/main" xmlns:r="http://schemas.openxmlformats.org/officeDocument/2006/relationships" xmlns:p="http://schemas.openxmlformats.org/presentationml/2006/main">
+  <p:cSld>
+    <p:spTree>
+      <p:nvGrpSpPr>
+        <p:cNvPr id="1" name=""/>
+        <p:cNvGrpSpPr/>
+        <p:nvPr/>
+      </p:nvGrpSpPr>
+      <p:grpSpPr>
+        <a:xfrm>
+          <a:off x="0" y="0"/>
+          <a:ext cx="0" cy="0"/>
+          <a:chOff x="0" y="0"/>
+          <a:chExt cx="0" cy="0"/>
+        </a:xfrm>
+      </p:grpSpPr>
+      <p:sp>
+        <p:nvSpPr>
+          <p:cNvPr id="2" name="Title 1"/>
+          <p:cNvSpPr>
+            <a:spLocks noGrp="1"/>
+          </p:cNvSpPr>
+          <p:nvPr>
+            <p:ph type="ctrTitle"/>
+          </p:nvPr>
+        </p:nvSpPr>
+        <p:spPr/>
+        <p:txBody>
+          <a:bodyPr/>
+          <a:lstStyle/>
+          <a:p>
+            <a:r>
+              <a:rPr lang="en-GB" dirty="0" smtClean="0"/>
+              <a:t>GCBASIC</a:t>
+            </a:r>
+            <a:endParaRPr lang="en-GB" dirty="0"/>
+          </a:p>
+        </p:txBody>
+      </p:sp>
+      <p:sp>
+        <p:nvSpPr>
+          <p:cNvPr id="3" name="Subtitle 2"/>
+          <p:cNvSpPr>
+            <a:spLocks noGrp="1"/>
+          </p:cNvSpPr>
+          <p:nvPr>
+            <p:ph type="subTitle" idx="1"/>
+          </p:nvPr>
+        </p:nvSpPr>
+        <p:spPr>
+          <a:xfrm>
+            <a:off x="179513" y="2914650"/>
+            <a:ext cx="6840759" cy="1925352"/>
+          </a:xfrm>
+        </p:spPr>
+        <p:txBody>
+          <a:bodyPr>
+            <a:normAutofit/>
+          </a:bodyPr>
+          <a:lstStyle/>
+          <a:p>
+            <a:r>
+              <a:rPr lang="en-GB" dirty="0" smtClean="0"/>
+              <a:t>PIC16Fxxxx chip Family ( Legacy )</a:t>
+            </a:r>
+            <a:endParaRPr lang="en-GB" dirty="0"/>
+          </a:p>
+          <a:p>
+            <a:r>
+              <a:rPr lang="en-GB" dirty="0"/>
+              <a:t>Part 4 – sequence the LEDs</a:t>
+            </a:r>
+          </a:p>
+          <a:p>
+            <a:endParaRPr lang="en-GB" dirty="0"/>
+          </a:p>
+          <a:p>
+            <a:r>
+              <a:rPr lang="en-GB" sz="1700" dirty="0" smtClean="0"/>
+              <a:t>January 2025</a:t>
+            </a:r>
+            <a:endParaRPr lang="en-GB" sz="1700" dirty="0"/>
+          </a:p>
+        </p:txBody>
+      </p:sp>
+      <p:pic>
+        <p:nvPicPr>
+          <p:cNvPr id="1026" name="Picture 2" descr="D:\Build\AnobiumTransparent.jpg"/>
+          <p:cNvPicPr>
+            <a:picLocks noChangeAspect="1" noChangeArrowheads="1"/>
+          </p:cNvPicPr>
+          <p:nvPr/>
+        </p:nvPicPr>
+        <p:blipFill>
+          <a:blip r:embed="rId2" cstate="print"/>
+          <a:srcRect/>
+          <a:stretch>
+            <a:fillRect/>
+          </a:stretch>
+        </p:blipFill>
+        <p:spPr bwMode="auto">
+          <a:xfrm>
+            <a:off x="5292080" y="911052"/>
+            <a:ext cx="1828859" cy="771550"/>
+          </a:xfrm>
+          <a:prstGeom prst="rect">
+            <a:avLst/>
+          </a:prstGeom>
+          <a:noFill/>
+        </p:spPr>
+      </p:pic>
+      <p:sp>
+        <p:nvSpPr>
+          <p:cNvPr id="4" name="AutoShape 2" descr="ICSP connection"/>
+          <p:cNvSpPr>
+            <a:spLocks noChangeAspect="1" noChangeArrowheads="1"/>
+          </p:cNvSpPr>
+          <p:nvPr/>
+        </p:nvSpPr>
+        <p:spPr bwMode="auto">
+          <a:xfrm>
+            <a:off x="155575" y="-144462"/>
+            <a:ext cx="304800" cy="304801"/>
+          </a:xfrm>
+          <a:prstGeom prst="rect">
+            <a:avLst/>
+          </a:prstGeom>
+          <a:noFill/>
+        </p:spPr>
+        <p:txBody>
+          <a:bodyPr vert="horz" wrap="square" lIns="85064" tIns="42531" rIns="85064" bIns="42531" numCol="1" anchor="t" anchorCtr="0" compatLnSpc="1">
+            <a:prstTxWarp prst="textNoShape">
+              <a:avLst/>
+            </a:prstTxWarp>
+          </a:bodyPr>
+          <a:lstStyle/>
+          <a:p>
+            <a:endParaRPr lang="en-GB" dirty="0"/>
+          </a:p>
+        </p:txBody>
+      </p:sp>
+    </p:spTree>
+    <p:extLst>
+      <p:ext uri="{BB962C8B-B14F-4D97-AF65-F5344CB8AC3E}">
+        <p14:creationId xmlns:p14="http://schemas.microsoft.com/office/powerpoint/2010/main" val="4080066997"/>
+      </p:ext>
+    </p:extLst>
+  </p:cSld>
+  <p:clrMapOvr>
+    <a:masterClrMapping/>
+  </p:clrMapOvr>
+  <mc:AlternateContent xmlns:mc="http://schemas.openxmlformats.org/markup-compatibility/2006" xmlns:p14="http://schemas.microsoft.com/office/powerpoint/2010/main">
+    <mc:Choice Requires="p14">
+      <p:transition spd="slow" p14:dur="2000"/>
+    </mc:Choice>
+    <mc:Fallback xmlns="">
+      <p:transition spd="slow"/>
+    </mc:Fallback>
+  </mc:AlternateContent>
+  <p:timing>
+    <p:tnLst>
+      <p:par>
+        <p:cTn id="1" dur="indefinite" restart="never" nodeType="tmRoot"/>
+      </p:par>
+    </p:tnLst>
+  </p:timing>
+</p:sld>
+</file>
+
+<file path=ppt/slides/slide20.xml><?xml version="1.0" encoding="utf-8"?>
 <p:sld xmlns:a="http://schemas.openxmlformats.org/drawingml/2006/main" xmlns:r="http://schemas.openxmlformats.org/officeDocument/2006/relationships" xmlns:p="http://schemas.openxmlformats.org/presentationml/2006/main">
   <p:cSld>
     <p:spTree>
@@ -17804,421 +18392,7 @@
 </p:sld>
 </file>
 
-<file path=ppt/slides/slide2.xml><?xml version="1.0" encoding="utf-8"?>
-<p:sld xmlns:a="http://schemas.openxmlformats.org/drawingml/2006/main" xmlns:r="http://schemas.openxmlformats.org/officeDocument/2006/relationships" xmlns:p="http://schemas.openxmlformats.org/presentationml/2006/main">
-  <p:cSld>
-    <p:spTree>
-      <p:nvGrpSpPr>
-        <p:cNvPr id="1" name=""/>
-        <p:cNvGrpSpPr/>
-        <p:nvPr/>
-      </p:nvGrpSpPr>
-      <p:grpSpPr>
-        <a:xfrm>
-          <a:off x="0" y="0"/>
-          <a:ext cx="0" cy="0"/>
-          <a:chOff x="0" y="0"/>
-          <a:chExt cx="0" cy="0"/>
-        </a:xfrm>
-      </p:grpSpPr>
-      <p:sp>
-        <p:nvSpPr>
-          <p:cNvPr id="2" name="Title 1"/>
-          <p:cNvSpPr>
-            <a:spLocks noGrp="1"/>
-          </p:cNvSpPr>
-          <p:nvPr>
-            <p:ph type="ctrTitle"/>
-          </p:nvPr>
-        </p:nvSpPr>
-        <p:spPr/>
-        <p:txBody>
-          <a:bodyPr/>
-          <a:lstStyle/>
-          <a:p>
-            <a:r>
-              <a:rPr lang="en-GB" dirty="0" smtClean="0"/>
-              <a:t>GCBASIC</a:t>
-            </a:r>
-            <a:endParaRPr lang="en-GB" dirty="0"/>
-          </a:p>
-        </p:txBody>
-      </p:sp>
-      <p:pic>
-        <p:nvPicPr>
-          <p:cNvPr id="1026" name="Picture 2" descr="D:\Build\AnobiumTransparent.jpg"/>
-          <p:cNvPicPr>
-            <a:picLocks noChangeAspect="1" noChangeArrowheads="1"/>
-          </p:cNvPicPr>
-          <p:nvPr/>
-        </p:nvPicPr>
-        <p:blipFill>
-          <a:blip r:embed="rId2" cstate="print"/>
-          <a:srcRect/>
-          <a:stretch>
-            <a:fillRect/>
-          </a:stretch>
-        </p:blipFill>
-        <p:spPr bwMode="auto">
-          <a:xfrm>
-            <a:off x="5292080" y="911052"/>
-            <a:ext cx="1828859" cy="771550"/>
-          </a:xfrm>
-          <a:prstGeom prst="rect">
-            <a:avLst/>
-          </a:prstGeom>
-          <a:noFill/>
-        </p:spPr>
-      </p:pic>
-      <p:sp>
-        <p:nvSpPr>
-          <p:cNvPr id="4" name="AutoShape 2" descr="ICSP connection"/>
-          <p:cNvSpPr>
-            <a:spLocks noChangeAspect="1" noChangeArrowheads="1"/>
-          </p:cNvSpPr>
-          <p:nvPr/>
-        </p:nvSpPr>
-        <p:spPr bwMode="auto">
-          <a:xfrm>
-            <a:off x="155575" y="-144462"/>
-            <a:ext cx="304800" cy="304801"/>
-          </a:xfrm>
-          <a:prstGeom prst="rect">
-            <a:avLst/>
-          </a:prstGeom>
-          <a:noFill/>
-        </p:spPr>
-        <p:txBody>
-          <a:bodyPr vert="horz" wrap="square" lIns="85064" tIns="42531" rIns="85064" bIns="42531" numCol="1" anchor="t" anchorCtr="0" compatLnSpc="1">
-            <a:prstTxWarp prst="textNoShape">
-              <a:avLst/>
-            </a:prstTxWarp>
-          </a:bodyPr>
-          <a:lstStyle/>
-          <a:p>
-            <a:endParaRPr lang="en-GB" dirty="0"/>
-          </a:p>
-        </p:txBody>
-      </p:sp>
-      <p:sp>
-        <p:nvSpPr>
-          <p:cNvPr id="8" name="Text Placeholder 4"/>
-          <p:cNvSpPr txBox="1">
-            <a:spLocks/>
-          </p:cNvSpPr>
-          <p:nvPr/>
-        </p:nvSpPr>
-        <p:spPr>
-          <a:xfrm>
-            <a:off x="3805512" y="2931790"/>
-            <a:ext cx="3342861" cy="645300"/>
-          </a:xfrm>
-          <a:prstGeom prst="rect">
-            <a:avLst/>
-          </a:prstGeom>
-        </p:spPr>
-        <p:txBody>
-          <a:bodyPr vert="horz" lIns="68580" tIns="34290" rIns="68580" bIns="34290" rtlCol="0" anchor="t">
-            <a:normAutofit/>
-          </a:bodyPr>
-          <a:lstStyle>
-            <a:lvl1pPr marL="0" indent="0" algn="r" defTabSz="342900" rtl="0" eaLnBrk="1" latinLnBrk="0" hangingPunct="1">
-              <a:spcBef>
-                <a:spcPts val="750"/>
-              </a:spcBef>
-              <a:spcAft>
-                <a:spcPts val="0"/>
-              </a:spcAft>
-              <a:buClr>
-                <a:schemeClr val="accent1"/>
-              </a:buClr>
-              <a:buSzPct val="80000"/>
-              <a:buFont typeface="Wingdings 3" charset="2"/>
-              <a:buNone/>
-              <a:defRPr sz="1400" kern="1200">
-                <a:solidFill>
-                  <a:schemeClr val="tx1">
-                    <a:lumMod val="50000"/>
-                    <a:lumOff val="50000"/>
-                  </a:schemeClr>
-                </a:solidFill>
-                <a:latin typeface="+mn-lt"/>
-                <a:ea typeface="+mn-ea"/>
-                <a:cs typeface="+mn-cs"/>
-              </a:defRPr>
-            </a:lvl1pPr>
-            <a:lvl2pPr marL="342900" indent="0" algn="ctr" defTabSz="342900" rtl="0" eaLnBrk="1" latinLnBrk="0" hangingPunct="1">
-              <a:spcBef>
-                <a:spcPts val="750"/>
-              </a:spcBef>
-              <a:spcAft>
-                <a:spcPts val="0"/>
-              </a:spcAft>
-              <a:buClr>
-                <a:schemeClr val="accent1"/>
-              </a:buClr>
-              <a:buSzPct val="80000"/>
-              <a:buFont typeface="Wingdings 3" charset="2"/>
-              <a:buNone/>
-              <a:defRPr sz="1200" kern="1200">
-                <a:solidFill>
-                  <a:schemeClr val="tx1">
-                    <a:tint val="75000"/>
-                  </a:schemeClr>
-                </a:solidFill>
-                <a:latin typeface="+mn-lt"/>
-                <a:ea typeface="+mn-ea"/>
-                <a:cs typeface="+mn-cs"/>
-              </a:defRPr>
-            </a:lvl2pPr>
-            <a:lvl3pPr marL="685800" indent="0" algn="ctr" defTabSz="342900" rtl="0" eaLnBrk="1" latinLnBrk="0" hangingPunct="1">
-              <a:spcBef>
-                <a:spcPts val="750"/>
-              </a:spcBef>
-              <a:spcAft>
-                <a:spcPts val="0"/>
-              </a:spcAft>
-              <a:buClr>
-                <a:schemeClr val="accent1"/>
-              </a:buClr>
-              <a:buSzPct val="80000"/>
-              <a:buFont typeface="Wingdings 3" charset="2"/>
-              <a:buNone/>
-              <a:defRPr sz="1100" kern="1200">
-                <a:solidFill>
-                  <a:schemeClr val="tx1">
-                    <a:tint val="75000"/>
-                  </a:schemeClr>
-                </a:solidFill>
-                <a:latin typeface="+mn-lt"/>
-                <a:ea typeface="+mn-ea"/>
-                <a:cs typeface="+mn-cs"/>
-              </a:defRPr>
-            </a:lvl3pPr>
-            <a:lvl4pPr marL="1028700" indent="0" algn="ctr" defTabSz="342900" rtl="0" eaLnBrk="1" latinLnBrk="0" hangingPunct="1">
-              <a:spcBef>
-                <a:spcPts val="750"/>
-              </a:spcBef>
-              <a:spcAft>
-                <a:spcPts val="0"/>
-              </a:spcAft>
-              <a:buClr>
-                <a:schemeClr val="accent1"/>
-              </a:buClr>
-              <a:buSzPct val="80000"/>
-              <a:buFont typeface="Wingdings 3" charset="2"/>
-              <a:buNone/>
-              <a:defRPr sz="900" kern="1200">
-                <a:solidFill>
-                  <a:schemeClr val="tx1">
-                    <a:tint val="75000"/>
-                  </a:schemeClr>
-                </a:solidFill>
-                <a:latin typeface="+mn-lt"/>
-                <a:ea typeface="+mn-ea"/>
-                <a:cs typeface="+mn-cs"/>
-              </a:defRPr>
-            </a:lvl4pPr>
-            <a:lvl5pPr marL="1371600" indent="0" algn="ctr" defTabSz="342900" rtl="0" eaLnBrk="1" latinLnBrk="0" hangingPunct="1">
-              <a:spcBef>
-                <a:spcPts val="750"/>
-              </a:spcBef>
-              <a:spcAft>
-                <a:spcPts val="0"/>
-              </a:spcAft>
-              <a:buClr>
-                <a:schemeClr val="accent1"/>
-              </a:buClr>
-              <a:buSzPct val="80000"/>
-              <a:buFont typeface="Wingdings 3" charset="2"/>
-              <a:buNone/>
-              <a:defRPr sz="900" kern="1200">
-                <a:solidFill>
-                  <a:schemeClr val="tx1">
-                    <a:tint val="75000"/>
-                  </a:schemeClr>
-                </a:solidFill>
-                <a:latin typeface="+mn-lt"/>
-                <a:ea typeface="+mn-ea"/>
-                <a:cs typeface="+mn-cs"/>
-              </a:defRPr>
-            </a:lvl5pPr>
-            <a:lvl6pPr marL="1714500" indent="0" algn="ctr" defTabSz="342900" rtl="0" eaLnBrk="1" latinLnBrk="0" hangingPunct="1">
-              <a:spcBef>
-                <a:spcPts val="750"/>
-              </a:spcBef>
-              <a:spcAft>
-                <a:spcPts val="0"/>
-              </a:spcAft>
-              <a:buClr>
-                <a:schemeClr val="accent1"/>
-              </a:buClr>
-              <a:buSzPct val="80000"/>
-              <a:buFont typeface="Wingdings 3" charset="2"/>
-              <a:buNone/>
-              <a:defRPr sz="900" kern="1200">
-                <a:solidFill>
-                  <a:schemeClr val="tx1">
-                    <a:tint val="75000"/>
-                  </a:schemeClr>
-                </a:solidFill>
-                <a:latin typeface="+mn-lt"/>
-                <a:ea typeface="+mn-ea"/>
-                <a:cs typeface="+mn-cs"/>
-              </a:defRPr>
-            </a:lvl6pPr>
-            <a:lvl7pPr marL="2057400" indent="0" algn="ctr" defTabSz="342900" rtl="0" eaLnBrk="1" latinLnBrk="0" hangingPunct="1">
-              <a:spcBef>
-                <a:spcPts val="750"/>
-              </a:spcBef>
-              <a:spcAft>
-                <a:spcPts val="0"/>
-              </a:spcAft>
-              <a:buClr>
-                <a:schemeClr val="accent1"/>
-              </a:buClr>
-              <a:buSzPct val="80000"/>
-              <a:buFont typeface="Wingdings 3" charset="2"/>
-              <a:buNone/>
-              <a:defRPr sz="900" kern="1200">
-                <a:solidFill>
-                  <a:schemeClr val="tx1">
-                    <a:tint val="75000"/>
-                  </a:schemeClr>
-                </a:solidFill>
-                <a:latin typeface="+mn-lt"/>
-                <a:ea typeface="+mn-ea"/>
-                <a:cs typeface="+mn-cs"/>
-              </a:defRPr>
-            </a:lvl7pPr>
-            <a:lvl8pPr marL="2400300" indent="0" algn="ctr" defTabSz="342900" rtl="0" eaLnBrk="1" latinLnBrk="0" hangingPunct="1">
-              <a:spcBef>
-                <a:spcPts val="750"/>
-              </a:spcBef>
-              <a:spcAft>
-                <a:spcPts val="0"/>
-              </a:spcAft>
-              <a:buClr>
-                <a:schemeClr val="accent1"/>
-              </a:buClr>
-              <a:buSzPct val="80000"/>
-              <a:buFont typeface="Wingdings 3" charset="2"/>
-              <a:buNone/>
-              <a:defRPr sz="900" kern="1200">
-                <a:solidFill>
-                  <a:schemeClr val="tx1">
-                    <a:tint val="75000"/>
-                  </a:schemeClr>
-                </a:solidFill>
-                <a:latin typeface="+mn-lt"/>
-                <a:ea typeface="+mn-ea"/>
-                <a:cs typeface="+mn-cs"/>
-              </a:defRPr>
-            </a:lvl8pPr>
-            <a:lvl9pPr marL="2743200" indent="0" algn="ctr" defTabSz="342900" rtl="0" eaLnBrk="1" latinLnBrk="0" hangingPunct="1">
-              <a:spcBef>
-                <a:spcPts val="750"/>
-              </a:spcBef>
-              <a:spcAft>
-                <a:spcPts val="0"/>
-              </a:spcAft>
-              <a:buClr>
-                <a:schemeClr val="accent1"/>
-              </a:buClr>
-              <a:buSzPct val="80000"/>
-              <a:buFont typeface="Wingdings 3" charset="2"/>
-              <a:buNone/>
-              <a:defRPr sz="900" kern="1200">
-                <a:solidFill>
-                  <a:schemeClr val="tx1">
-                    <a:tint val="75000"/>
-                  </a:schemeClr>
-                </a:solidFill>
-                <a:latin typeface="+mn-lt"/>
-                <a:ea typeface="+mn-ea"/>
-                <a:cs typeface="+mn-cs"/>
-              </a:defRPr>
-            </a:lvl9pPr>
-          </a:lstStyle>
-          <a:p>
-            <a:r>
-              <a:rPr lang="en-GB" dirty="0" smtClean="0"/>
-              <a:t>PIC18FxxQ24</a:t>
-            </a:r>
-          </a:p>
-          <a:p>
-            <a:r>
-              <a:rPr lang="en-GB" dirty="0"/>
-              <a:t>Part 4 – sequence the LEDs</a:t>
-            </a:r>
-          </a:p>
-        </p:txBody>
-      </p:sp>
-      <p:pic>
-        <p:nvPicPr>
-          <p:cNvPr id="10" name="Picture 2" descr="PIC18F26Q24"/>
-          <p:cNvPicPr>
-            <a:picLocks noChangeAspect="1" noChangeArrowheads="1"/>
-          </p:cNvPicPr>
-          <p:nvPr/>
-        </p:nvPicPr>
-        <p:blipFill>
-          <a:blip r:embed="rId3" cstate="print">
-            <a:extLst>
-              <a:ext uri="{28A0092B-C50C-407E-A947-70E740481C1C}">
-                <a14:useLocalDpi xmlns:a14="http://schemas.microsoft.com/office/drawing/2010/main" val="0"/>
-              </a:ext>
-            </a:extLst>
-          </a:blip>
-          <a:srcRect/>
-          <a:stretch>
-            <a:fillRect/>
-          </a:stretch>
-        </p:blipFill>
-        <p:spPr bwMode="auto">
-          <a:xfrm>
-            <a:off x="1907705" y="4116163"/>
-            <a:ext cx="1280738" cy="922132"/>
-          </a:xfrm>
-          <a:prstGeom prst="rect">
-            <a:avLst/>
-          </a:prstGeom>
-          <a:noFill/>
-          <a:extLst>
-            <a:ext uri="{909E8E84-426E-40DD-AFC4-6F175D3DCCD1}">
-              <a14:hiddenFill xmlns:a14="http://schemas.microsoft.com/office/drawing/2010/main">
-                <a:solidFill>
-                  <a:srgbClr val="FFFFFF"/>
-                </a:solidFill>
-              </a14:hiddenFill>
-            </a:ext>
-          </a:extLst>
-        </p:spPr>
-      </p:pic>
-    </p:spTree>
-  </p:cSld>
-  <p:clrMapOvr>
-    <a:masterClrMapping/>
-  </p:clrMapOvr>
-  <mc:AlternateContent xmlns:mc="http://schemas.openxmlformats.org/markup-compatibility/2006" xmlns:p14="http://schemas.microsoft.com/office/powerpoint/2010/main">
-    <mc:Choice Requires="p14">
-      <p:transition spd="slow" p14:dur="2000"/>
-    </mc:Choice>
-    <mc:Fallback xmlns="">
-      <p:transition spd="slow"/>
-    </mc:Fallback>
-  </mc:AlternateContent>
-  <p:timing>
-    <p:tnLst>
-      <p:par>
-        <p:cTn id="1" dur="indefinite" restart="never" nodeType="tmRoot"/>
-      </p:par>
-    </p:tnLst>
-  </p:timing>
-</p:sld>
-</file>
-
-<file path=ppt/slides/slide20.xml><?xml version="1.0" encoding="utf-8"?>
+<file path=ppt/slides/slide21.xml><?xml version="1.0" encoding="utf-8"?>
 <p:sld xmlns:a="http://schemas.openxmlformats.org/drawingml/2006/main" xmlns:r="http://schemas.openxmlformats.org/officeDocument/2006/relationships" xmlns:p="http://schemas.openxmlformats.org/presentationml/2006/main">
   <p:cSld>
     <p:spTree>
@@ -19175,7 +19349,7 @@
 </p:sld>
 </file>
 
-<file path=ppt/slides/slide21.xml><?xml version="1.0" encoding="utf-8"?>
+<file path=ppt/slides/slide22.xml><?xml version="1.0" encoding="utf-8"?>
 <p:sld xmlns:a="http://schemas.openxmlformats.org/drawingml/2006/main" xmlns:r="http://schemas.openxmlformats.org/officeDocument/2006/relationships" xmlns:p="http://schemas.openxmlformats.org/presentationml/2006/main">
   <p:cSld>
     <p:spTree>
@@ -20150,136 +20324,6 @@
 </p:sld>
 </file>
 
-<file path=ppt/slides/slide22.xml><?xml version="1.0" encoding="utf-8"?>
-<p:sld xmlns:a="http://schemas.openxmlformats.org/drawingml/2006/main" xmlns:r="http://schemas.openxmlformats.org/officeDocument/2006/relationships" xmlns:p="http://schemas.openxmlformats.org/presentationml/2006/main">
-  <p:cSld>
-    <p:spTree>
-      <p:nvGrpSpPr>
-        <p:cNvPr id="1" name=""/>
-        <p:cNvGrpSpPr/>
-        <p:nvPr/>
-      </p:nvGrpSpPr>
-      <p:grpSpPr>
-        <a:xfrm>
-          <a:off x="0" y="0"/>
-          <a:ext cx="0" cy="0"/>
-          <a:chOff x="0" y="0"/>
-          <a:chExt cx="0" cy="0"/>
-        </a:xfrm>
-      </p:grpSpPr>
-      <p:sp>
-        <p:nvSpPr>
-          <p:cNvPr id="2" name="Title 1"/>
-          <p:cNvSpPr>
-            <a:spLocks noGrp="1"/>
-          </p:cNvSpPr>
-          <p:nvPr>
-            <p:ph type="title"/>
-          </p:nvPr>
-        </p:nvSpPr>
-        <p:spPr/>
-        <p:txBody>
-          <a:bodyPr/>
-          <a:lstStyle/>
-          <a:p>
-            <a:pPr algn="l"/>
-            <a:r>
-              <a:rPr lang="en-GB" dirty="0" smtClean="0"/>
-              <a:t>Workshop</a:t>
-            </a:r>
-            <a:endParaRPr lang="en-GB" dirty="0"/>
-          </a:p>
-        </p:txBody>
-      </p:sp>
-      <p:sp>
-        <p:nvSpPr>
-          <p:cNvPr id="3" name="Content Placeholder 2"/>
-          <p:cNvSpPr>
-            <a:spLocks noGrp="1"/>
-          </p:cNvSpPr>
-          <p:nvPr>
-            <p:ph idx="1"/>
-          </p:nvPr>
-        </p:nvSpPr>
-        <p:spPr>
-          <a:xfrm>
-            <a:off x="572771" y="1786855"/>
-            <a:ext cx="6447501" cy="2744167"/>
-          </a:xfrm>
-        </p:spPr>
-        <p:txBody>
-          <a:bodyPr/>
-          <a:lstStyle/>
-          <a:p>
-            <a:r>
-              <a:rPr lang="en-GB" dirty="0" smtClean="0"/>
-              <a:t>Read the ADC to set the LEDs</a:t>
-            </a:r>
-          </a:p>
-          <a:p>
-            <a:endParaRPr lang="en-GB" dirty="0"/>
-          </a:p>
-          <a:p>
-            <a:r>
-              <a:rPr lang="en-GB" dirty="0" smtClean="0"/>
-              <a:t>Uses</a:t>
-            </a:r>
-          </a:p>
-          <a:p>
-            <a:pPr lvl="1"/>
-            <a:r>
-              <a:rPr lang="en-GB" dirty="0" smtClean="0"/>
-              <a:t>A Byte variable</a:t>
-            </a:r>
-          </a:p>
-          <a:p>
-            <a:pPr lvl="1"/>
-            <a:r>
-              <a:rPr lang="en-GB" dirty="0" smtClean="0"/>
-              <a:t>Simple logic</a:t>
-            </a:r>
-          </a:p>
-          <a:p>
-            <a:pPr lvl="1"/>
-            <a:endParaRPr lang="en-GB" dirty="0" smtClean="0"/>
-          </a:p>
-          <a:p>
-            <a:pPr lvl="2"/>
-            <a:endParaRPr lang="en-GB" dirty="0" smtClean="0"/>
-          </a:p>
-          <a:p>
-            <a:pPr lvl="2"/>
-            <a:endParaRPr lang="en-GB" dirty="0" smtClean="0"/>
-          </a:p>
-          <a:p>
-            <a:pPr lvl="1"/>
-            <a:endParaRPr lang="en-GB" dirty="0" smtClean="0"/>
-          </a:p>
-        </p:txBody>
-      </p:sp>
-    </p:spTree>
-  </p:cSld>
-  <p:clrMapOvr>
-    <a:masterClrMapping/>
-  </p:clrMapOvr>
-  <mc:AlternateContent xmlns:mc="http://schemas.openxmlformats.org/markup-compatibility/2006" xmlns:p14="http://schemas.microsoft.com/office/powerpoint/2010/main">
-    <mc:Choice Requires="p14">
-      <p:transition spd="slow" p14:dur="2000"/>
-    </mc:Choice>
-    <mc:Fallback xmlns="">
-      <p:transition spd="slow"/>
-    </mc:Fallback>
-  </mc:AlternateContent>
-  <p:timing>
-    <p:tnLst>
-      <p:par>
-        <p:cTn id="1" dur="indefinite" restart="never" nodeType="tmRoot"/>
-      </p:par>
-    </p:tnLst>
-  </p:timing>
-</p:sld>
-</file>
-
 <file path=ppt/slides/slide23.xml><?xml version="1.0" encoding="utf-8"?>
 <p:sld xmlns:a="http://schemas.openxmlformats.org/drawingml/2006/main" xmlns:r="http://schemas.openxmlformats.org/officeDocument/2006/relationships" xmlns:p="http://schemas.openxmlformats.org/presentationml/2006/main">
   <p:cSld>
@@ -20312,7 +20356,12 @@
           <a:bodyPr/>
           <a:lstStyle/>
           <a:p>
-            <a:endParaRPr lang="en-GB"/>
+            <a:pPr algn="l"/>
+            <a:r>
+              <a:rPr lang="en-GB" dirty="0" smtClean="0"/>
+              <a:t>Workshop</a:t>
+            </a:r>
+            <a:endParaRPr lang="en-GB" dirty="0"/>
           </a:p>
         </p:txBody>
       </p:sp>
@@ -20326,12 +20375,59 @@
             <p:ph idx="1"/>
           </p:nvPr>
         </p:nvSpPr>
-        <p:spPr/>
+        <p:spPr>
+          <a:xfrm>
+            <a:off x="572771" y="1786855"/>
+            <a:ext cx="6447501" cy="2744167"/>
+          </a:xfrm>
+        </p:spPr>
         <p:txBody>
           <a:bodyPr/>
           <a:lstStyle/>
           <a:p>
-            <a:endParaRPr lang="en-GB"/>
+            <a:r>
+              <a:rPr lang="en-GB" dirty="0" smtClean="0"/>
+              <a:t>Read the ADC to set the LEDs</a:t>
+            </a:r>
+          </a:p>
+          <a:p>
+            <a:endParaRPr lang="en-GB" dirty="0"/>
+          </a:p>
+          <a:p>
+            <a:r>
+              <a:rPr lang="en-GB" dirty="0" smtClean="0"/>
+              <a:t>Uses</a:t>
+            </a:r>
+          </a:p>
+          <a:p>
+            <a:pPr lvl="1"/>
+            <a:r>
+              <a:rPr lang="en-GB" dirty="0" smtClean="0"/>
+              <a:t>A Byte variable</a:t>
+            </a:r>
+          </a:p>
+          <a:p>
+            <a:pPr lvl="1"/>
+            <a:r>
+              <a:rPr lang="en-GB" dirty="0" smtClean="0"/>
+              <a:t>Simple logic</a:t>
+            </a:r>
+          </a:p>
+          <a:p>
+            <a:pPr lvl="1"/>
+            <a:endParaRPr lang="en-GB" dirty="0" smtClean="0"/>
+          </a:p>
+          <a:p>
+            <a:pPr lvl="2"/>
+            <a:endParaRPr lang="en-GB" dirty="0" smtClean="0"/>
+          </a:p>
+          <a:p>
+            <a:pPr lvl="2"/>
+            <a:endParaRPr lang="en-GB" dirty="0" smtClean="0"/>
+          </a:p>
+          <a:p>
+            <a:pPr lvl="1"/>
+            <a:endParaRPr lang="en-GB" dirty="0" smtClean="0"/>
           </a:p>
         </p:txBody>
       </p:sp>
@@ -20387,16 +20483,10 @@
         </p:nvSpPr>
         <p:spPr/>
         <p:txBody>
-          <a:bodyPr>
-            <a:normAutofit/>
-          </a:bodyPr>
+          <a:bodyPr/>
           <a:lstStyle/>
           <a:p>
-            <a:r>
-              <a:rPr lang="en-GB" dirty="0" smtClean="0"/>
-              <a:t>Videos...</a:t>
-            </a:r>
-            <a:endParaRPr lang="en-GB" dirty="0"/>
+            <a:endParaRPr lang="en-GB"/>
           </a:p>
         </p:txBody>
       </p:sp>
@@ -20410,379 +20500,16 @@
             <p:ph idx="1"/>
           </p:nvPr>
         </p:nvSpPr>
-        <p:spPr>
-          <a:xfrm>
-            <a:off x="467544" y="987574"/>
-            <a:ext cx="6447501" cy="4111476"/>
-          </a:xfrm>
-          <a:solidFill>
-            <a:schemeClr val="bg1"/>
-          </a:solidFill>
-        </p:spPr>
+        <p:spPr/>
         <p:txBody>
-          <a:bodyPr>
-            <a:noAutofit/>
-          </a:bodyPr>
+          <a:bodyPr/>
           <a:lstStyle/>
           <a:p>
-            <a:pPr marL="180000" indent="-478483">
-              <a:spcBef>
-                <a:spcPts val="300"/>
-              </a:spcBef>
-              <a:buFont typeface="+mj-lt"/>
-              <a:buAutoNum type="arabicPeriod"/>
-            </a:pPr>
-            <a:r>
-              <a:rPr lang="en-GB" sz="1100" dirty="0"/>
-              <a:t>Install the hardware and make the board work – three LED programs</a:t>
-            </a:r>
-          </a:p>
-          <a:p>
-            <a:pPr marL="180000" indent="-478483">
-              <a:spcBef>
-                <a:spcPts val="300"/>
-              </a:spcBef>
-              <a:buFont typeface="+mj-lt"/>
-              <a:buAutoNum type="arabicPeriod"/>
-            </a:pPr>
-            <a:r>
-              <a:rPr lang="en-GB" sz="1100" dirty="0"/>
-              <a:t>Make  four LEDs flash in a sequence</a:t>
-            </a:r>
-          </a:p>
-          <a:p>
-            <a:pPr marL="180000" indent="-478483">
-              <a:spcBef>
-                <a:spcPts val="300"/>
-              </a:spcBef>
-              <a:buFont typeface="+mj-lt"/>
-              <a:buAutoNum type="arabicPeriod"/>
-            </a:pPr>
-            <a:r>
-              <a:rPr lang="en-GB" sz="1100" dirty="0"/>
-              <a:t>Set the LEDs to represent the value of ADC</a:t>
-            </a:r>
-          </a:p>
-          <a:p>
-            <a:pPr marL="180000" indent="-478483">
-              <a:spcBef>
-                <a:spcPts val="300"/>
-              </a:spcBef>
-              <a:buFont typeface="+mj-lt"/>
-              <a:buAutoNum type="arabicPeriod"/>
-            </a:pPr>
-            <a:r>
-              <a:rPr lang="en-GB" sz="1100" dirty="0"/>
-              <a:t>Sequence the LEDs with a delay using the value of ADC</a:t>
-            </a:r>
-          </a:p>
-          <a:p>
-            <a:pPr marL="180000" indent="-478483">
-              <a:spcBef>
-                <a:spcPts val="300"/>
-              </a:spcBef>
-              <a:buFont typeface="+mj-lt"/>
-              <a:buAutoNum type="arabicPeriod"/>
-            </a:pPr>
-            <a:r>
-              <a:rPr lang="en-GB" sz="1100" b="1" dirty="0"/>
-              <a:t>Using an input to set the state of the LEDs</a:t>
-            </a:r>
-          </a:p>
-          <a:p>
-            <a:pPr marL="180000" indent="-478483">
-              <a:spcBef>
-                <a:spcPts val="300"/>
-              </a:spcBef>
-              <a:buFont typeface="+mj-lt"/>
-              <a:buAutoNum type="arabicPeriod"/>
-            </a:pPr>
-            <a:r>
-              <a:rPr lang="en-GB" sz="1100" dirty="0"/>
-              <a:t>Using the reset switch</a:t>
-            </a:r>
-          </a:p>
-          <a:p>
-            <a:pPr marL="180000" indent="-478483">
-              <a:spcBef>
-                <a:spcPts val="300"/>
-              </a:spcBef>
-              <a:buFont typeface="+mj-lt"/>
-              <a:buAutoNum type="arabicPeriod"/>
-            </a:pPr>
-            <a:r>
-              <a:rPr lang="en-GB" sz="1100" dirty="0"/>
-              <a:t>Using the switch, ADC – make the LEDs flash in a sequence with reverse</a:t>
-            </a:r>
-          </a:p>
-          <a:p>
-            <a:pPr marL="180000" indent="-478483">
-              <a:spcBef>
-                <a:spcPts val="300"/>
-              </a:spcBef>
-              <a:buFont typeface="+mj-lt"/>
-              <a:buAutoNum type="arabicPeriod"/>
-            </a:pPr>
-            <a:r>
-              <a:rPr lang="en-GB" sz="1100" dirty="0"/>
-              <a:t>Using the serial to display values</a:t>
-            </a:r>
-          </a:p>
-          <a:p>
-            <a:pPr marL="180000" indent="-478483">
-              <a:spcBef>
-                <a:spcPts val="300"/>
-              </a:spcBef>
-              <a:buFont typeface="+mj-lt"/>
-              <a:buAutoNum type="arabicPeriod"/>
-            </a:pPr>
-            <a:r>
-              <a:rPr lang="en-GB" sz="1100" dirty="0"/>
-              <a:t>Using the timer0 overflow, 8bit timer, 16bit timer to flash the LEDs</a:t>
-            </a:r>
-          </a:p>
-          <a:p>
-            <a:pPr marL="180000" indent="-478483">
-              <a:spcBef>
-                <a:spcPts val="300"/>
-              </a:spcBef>
-              <a:buFont typeface="+mj-lt"/>
-              <a:buAutoNum type="arabicPeriod"/>
-            </a:pPr>
-            <a:r>
-              <a:rPr lang="en-GB" sz="1100" dirty="0"/>
-              <a:t>Using </a:t>
-            </a:r>
-            <a:r>
-              <a:rPr lang="en-GB" sz="1100" dirty="0" err="1"/>
-              <a:t>EEProm</a:t>
-            </a:r>
-            <a:r>
-              <a:rPr lang="en-GB" sz="1100" dirty="0"/>
-              <a:t> – showing values on the serial terminal, and more constants insights</a:t>
-            </a:r>
-          </a:p>
-          <a:p>
-            <a:pPr marL="180000" indent="-478483">
-              <a:spcBef>
-                <a:spcPts val="300"/>
-              </a:spcBef>
-              <a:buFont typeface="+mj-lt"/>
-              <a:buAutoNum type="arabicPeriod"/>
-            </a:pPr>
-            <a:r>
-              <a:rPr lang="en-GB" sz="1100" dirty="0"/>
-              <a:t>Using I2C with serial to discover I2C devices</a:t>
-            </a:r>
-          </a:p>
-          <a:p>
-            <a:pPr marL="180000" indent="-478483">
-              <a:spcBef>
-                <a:spcPts val="300"/>
-              </a:spcBef>
-              <a:buFont typeface="+mj-lt"/>
-              <a:buAutoNum type="arabicPeriod"/>
-            </a:pPr>
-            <a:r>
-              <a:rPr lang="en-GB" sz="1100" dirty="0"/>
-              <a:t>Using an I2C GCLD display</a:t>
-            </a:r>
-          </a:p>
-          <a:p>
-            <a:pPr marL="180000" indent="-478483">
-              <a:spcBef>
-                <a:spcPts val="300"/>
-              </a:spcBef>
-              <a:buFont typeface="+mj-lt"/>
-              <a:buAutoNum type="arabicPeriod"/>
-            </a:pPr>
-            <a:r>
-              <a:rPr lang="en-GB" sz="1100" dirty="0"/>
-              <a:t>Using a SPI GCLD display</a:t>
-            </a:r>
-          </a:p>
-          <a:p>
-            <a:pPr marL="180000" indent="-478483">
-              <a:spcBef>
-                <a:spcPts val="300"/>
-              </a:spcBef>
-              <a:buFont typeface="+mj-lt"/>
-              <a:buAutoNum type="arabicPeriod"/>
-            </a:pPr>
-            <a:r>
-              <a:rPr lang="en-GB" sz="1100" dirty="0"/>
-              <a:t>Using PWM, 7  ways,  to dim the LEDS</a:t>
-            </a:r>
-          </a:p>
-          <a:p>
-            <a:pPr marL="180000" indent="-478483">
-              <a:spcBef>
-                <a:spcPts val="300"/>
-              </a:spcBef>
-              <a:buFont typeface="+mj-lt"/>
-              <a:buAutoNum type="arabicPeriod"/>
-            </a:pPr>
-            <a:r>
-              <a:rPr lang="en-GB" sz="1100" dirty="0"/>
-              <a:t>Using an external interrupt to control an LED</a:t>
-            </a:r>
-          </a:p>
-          <a:p>
-            <a:pPr marL="180000" indent="-478483">
-              <a:spcBef>
-                <a:spcPts val="300"/>
-              </a:spcBef>
-              <a:buFont typeface="+mj-lt"/>
-              <a:buAutoNum type="arabicPeriod"/>
-            </a:pPr>
-            <a:r>
-              <a:rPr lang="en-GB" sz="1100" dirty="0"/>
-              <a:t>Using storage within the chip – </a:t>
-            </a:r>
-            <a:r>
-              <a:rPr lang="en-GB" sz="1100" dirty="0" err="1"/>
-              <a:t>Progmem</a:t>
-            </a:r>
-            <a:r>
-              <a:rPr lang="en-GB" sz="1100" dirty="0"/>
-              <a:t>, SAF memory, EEPROM and DATA blocks</a:t>
-            </a:r>
-          </a:p>
-          <a:p>
-            <a:pPr marL="180000" indent="-478483">
-              <a:spcBef>
-                <a:spcPts val="300"/>
-              </a:spcBef>
-              <a:buFont typeface="+mj-lt"/>
-              <a:buAutoNum type="arabicPeriod"/>
-            </a:pPr>
-            <a:r>
-              <a:rPr lang="en-GB" sz="1100" dirty="0"/>
-              <a:t>Using CLC</a:t>
-            </a:r>
-          </a:p>
-          <a:p>
-            <a:pPr marL="180000" indent="-478483">
-              <a:spcBef>
-                <a:spcPts val="300"/>
-              </a:spcBef>
-              <a:buFont typeface="+mj-lt"/>
-              <a:buAutoNum type="arabicPeriod"/>
-            </a:pPr>
-            <a:r>
-              <a:rPr lang="en-GB" sz="1100" dirty="0"/>
-              <a:t>The GCBASIC tool chain</a:t>
-            </a:r>
-          </a:p>
-          <a:p>
-            <a:pPr marL="180000" indent="-478483">
-              <a:spcBef>
-                <a:spcPts val="300"/>
-              </a:spcBef>
-              <a:buFont typeface="+mj-lt"/>
-              <a:buAutoNum type="arabicPeriod"/>
-            </a:pPr>
-            <a:r>
-              <a:rPr lang="en-GB" sz="1100" dirty="0"/>
-              <a:t>Assembly , alternatives assemblers and MPLAB-X</a:t>
-            </a:r>
-          </a:p>
-          <a:p>
-            <a:pPr marL="180000" indent="-478483">
-              <a:spcBef>
-                <a:spcPts val="300"/>
-              </a:spcBef>
-              <a:buFont typeface="+mj-lt"/>
-              <a:buAutoNum type="arabicPeriod"/>
-            </a:pPr>
-            <a:r>
-              <a:rPr lang="en-GB" sz="1100" dirty="0"/>
-              <a:t>Summary</a:t>
-            </a:r>
-          </a:p>
-          <a:p>
-            <a:pPr marL="180000" indent="-478483">
-              <a:spcBef>
-                <a:spcPts val="300"/>
-              </a:spcBef>
-              <a:buFont typeface="+mj-lt"/>
-              <a:buAutoNum type="arabicPeriod"/>
-            </a:pPr>
-            <a:endParaRPr lang="en-GB" sz="400" dirty="0" smtClean="0">
-              <a:solidFill>
-                <a:schemeClr val="bg1">
-                  <a:lumMod val="75000"/>
-                </a:schemeClr>
-              </a:solidFill>
-            </a:endParaRPr>
-          </a:p>
-          <a:p>
-            <a:pPr marL="180000" indent="-478483">
-              <a:spcBef>
-                <a:spcPts val="300"/>
-              </a:spcBef>
-              <a:buNone/>
-            </a:pPr>
-            <a:endParaRPr lang="en-GB" sz="700" dirty="0" smtClean="0"/>
-          </a:p>
-          <a:p>
-            <a:pPr marL="180000" indent="-478483">
-              <a:spcBef>
-                <a:spcPts val="300"/>
-              </a:spcBef>
-              <a:buFont typeface="+mj-lt"/>
-              <a:buAutoNum type="arabicPeriod"/>
-            </a:pPr>
-            <a:endParaRPr lang="en-GB" sz="700" dirty="0" smtClean="0"/>
-          </a:p>
-          <a:p>
-            <a:pPr marL="180000" indent="-478483">
-              <a:spcBef>
-                <a:spcPts val="300"/>
-              </a:spcBef>
-              <a:buFont typeface="+mj-lt"/>
-              <a:buAutoNum type="arabicPeriod"/>
-            </a:pPr>
-            <a:endParaRPr lang="en-GB" sz="500" dirty="0" smtClean="0"/>
-          </a:p>
-          <a:p>
-            <a:pPr marL="180000" indent="-478483">
-              <a:spcBef>
-                <a:spcPts val="300"/>
-              </a:spcBef>
-              <a:buFont typeface="+mj-lt"/>
-              <a:buAutoNum type="arabicPeriod"/>
-            </a:pPr>
-            <a:endParaRPr lang="en-GB" sz="500" dirty="0" smtClean="0"/>
-          </a:p>
-          <a:p>
-            <a:pPr marL="180000" indent="-478483">
-              <a:spcBef>
-                <a:spcPts val="300"/>
-              </a:spcBef>
-              <a:buFont typeface="+mj-lt"/>
-              <a:buAutoNum type="arabicPeriod"/>
-            </a:pPr>
-            <a:endParaRPr lang="en-GB" sz="500" dirty="0" smtClean="0"/>
-          </a:p>
-          <a:p>
-            <a:pPr marL="180000" indent="-478483">
-              <a:spcBef>
-                <a:spcPts val="300"/>
-              </a:spcBef>
-              <a:buFont typeface="+mj-lt"/>
-              <a:buAutoNum type="arabicPeriod"/>
-            </a:pPr>
-            <a:endParaRPr lang="en-GB" sz="500" dirty="0"/>
+            <a:endParaRPr lang="en-GB"/>
           </a:p>
         </p:txBody>
       </p:sp>
     </p:spTree>
-    <p:extLst>
-      <p:ext uri="{BB962C8B-B14F-4D97-AF65-F5344CB8AC3E}">
-        <p14:creationId xmlns:p14="http://schemas.microsoft.com/office/powerpoint/2010/main" val="1039989469"/>
-      </p:ext>
-    </p:extLst>
   </p:cSld>
   <p:clrMapOvr>
     <a:masterClrMapping/>
@@ -20829,6 +20556,457 @@
             <a:spLocks noGrp="1"/>
           </p:cNvSpPr>
           <p:nvPr>
+            <p:ph type="title"/>
+          </p:nvPr>
+        </p:nvSpPr>
+        <p:spPr/>
+        <p:txBody>
+          <a:bodyPr>
+            <a:normAutofit/>
+          </a:bodyPr>
+          <a:lstStyle/>
+          <a:p>
+            <a:r>
+              <a:rPr lang="en-GB" dirty="0" smtClean="0"/>
+              <a:t>Videos...</a:t>
+            </a:r>
+            <a:endParaRPr lang="en-GB" dirty="0"/>
+          </a:p>
+        </p:txBody>
+      </p:sp>
+      <p:sp>
+        <p:nvSpPr>
+          <p:cNvPr id="3" name="Content Placeholder 2"/>
+          <p:cNvSpPr>
+            <a:spLocks noGrp="1"/>
+          </p:cNvSpPr>
+          <p:nvPr>
+            <p:ph idx="1"/>
+          </p:nvPr>
+        </p:nvSpPr>
+        <p:spPr>
+          <a:xfrm>
+            <a:off x="467544" y="987574"/>
+            <a:ext cx="6447501" cy="4111476"/>
+          </a:xfrm>
+          <a:solidFill>
+            <a:schemeClr val="bg1"/>
+          </a:solidFill>
+        </p:spPr>
+        <p:txBody>
+          <a:bodyPr>
+            <a:noAutofit/>
+          </a:bodyPr>
+          <a:lstStyle/>
+          <a:p>
+            <a:pPr marL="180000" indent="-478483">
+              <a:spcBef>
+                <a:spcPts val="300"/>
+              </a:spcBef>
+              <a:buFont typeface="+mj-lt"/>
+              <a:buAutoNum type="arabicPeriod"/>
+            </a:pPr>
+            <a:r>
+              <a:rPr lang="en-GB" sz="1100" dirty="0"/>
+              <a:t>Install the hardware and make the board work </a:t>
+            </a:r>
+            <a:r>
+              <a:rPr lang="en-GB" sz="1100" dirty="0" smtClean="0"/>
+              <a:t>– make LEDs work</a:t>
+            </a:r>
+            <a:endParaRPr lang="en-GB" sz="1100" b="1" dirty="0"/>
+          </a:p>
+          <a:p>
+            <a:pPr marL="180000" indent="-478483">
+              <a:spcBef>
+                <a:spcPts val="300"/>
+              </a:spcBef>
+              <a:buFont typeface="+mj-lt"/>
+              <a:buAutoNum type="arabicPeriod"/>
+            </a:pPr>
+            <a:r>
+              <a:rPr lang="en-GB" sz="1100" dirty="0"/>
+              <a:t>Make  four LEDs flash in a sequence</a:t>
+            </a:r>
+          </a:p>
+          <a:p>
+            <a:pPr marL="180000" indent="-478483">
+              <a:spcBef>
+                <a:spcPts val="300"/>
+              </a:spcBef>
+              <a:buFont typeface="+mj-lt"/>
+              <a:buAutoNum type="arabicPeriod"/>
+            </a:pPr>
+            <a:r>
+              <a:rPr lang="en-GB" sz="1100" dirty="0"/>
+              <a:t>Set the LEDs to represent the value of ADC</a:t>
+            </a:r>
+          </a:p>
+          <a:p>
+            <a:pPr marL="180000" indent="-478483">
+              <a:spcBef>
+                <a:spcPts val="300"/>
+              </a:spcBef>
+              <a:buFont typeface="+mj-lt"/>
+              <a:buAutoNum type="arabicPeriod"/>
+            </a:pPr>
+            <a:r>
+              <a:rPr lang="en-GB" sz="1100" dirty="0"/>
+              <a:t>Sequence the LEDs with a delay using the value of ADC</a:t>
+            </a:r>
+          </a:p>
+          <a:p>
+            <a:pPr marL="180000" indent="-478483">
+              <a:spcBef>
+                <a:spcPts val="300"/>
+              </a:spcBef>
+              <a:buFont typeface="+mj-lt"/>
+              <a:buAutoNum type="arabicPeriod"/>
+            </a:pPr>
+            <a:r>
+              <a:rPr lang="en-GB" sz="1100" b="1" dirty="0"/>
+              <a:t>Using an input to set the state of the LEDs</a:t>
+            </a:r>
+          </a:p>
+          <a:p>
+            <a:pPr marL="180000" indent="-478483">
+              <a:spcBef>
+                <a:spcPts val="300"/>
+              </a:spcBef>
+              <a:buFont typeface="+mj-lt"/>
+              <a:buAutoNum type="arabicPeriod"/>
+            </a:pPr>
+            <a:r>
+              <a:rPr lang="en-GB" sz="1100" dirty="0"/>
+              <a:t>Using the reset switch</a:t>
+            </a:r>
+          </a:p>
+          <a:p>
+            <a:pPr marL="180000" indent="-478483">
+              <a:spcBef>
+                <a:spcPts val="300"/>
+              </a:spcBef>
+              <a:buFont typeface="+mj-lt"/>
+              <a:buAutoNum type="arabicPeriod"/>
+            </a:pPr>
+            <a:r>
+              <a:rPr lang="en-GB" sz="1100" dirty="0"/>
+              <a:t>Using the switch, ADC – make the LEDs flash in a sequence with reverse</a:t>
+            </a:r>
+          </a:p>
+          <a:p>
+            <a:pPr marL="180000" indent="-478483">
+              <a:spcBef>
+                <a:spcPts val="300"/>
+              </a:spcBef>
+              <a:buFont typeface="+mj-lt"/>
+              <a:buAutoNum type="arabicPeriod"/>
+            </a:pPr>
+            <a:r>
+              <a:rPr lang="en-GB" sz="1100" dirty="0"/>
+              <a:t>Using the serial to display values</a:t>
+            </a:r>
+          </a:p>
+          <a:p>
+            <a:pPr marL="180000" indent="-478483">
+              <a:spcBef>
+                <a:spcPts val="300"/>
+              </a:spcBef>
+              <a:buFont typeface="+mj-lt"/>
+              <a:buAutoNum type="arabicPeriod"/>
+            </a:pPr>
+            <a:r>
+              <a:rPr lang="en-GB" sz="1100" dirty="0"/>
+              <a:t>Using the timer0 overflow, 8bit timer, 16bit timer to flash the LEDs</a:t>
+            </a:r>
+          </a:p>
+          <a:p>
+            <a:pPr marL="180000" indent="-478483">
+              <a:spcBef>
+                <a:spcPts val="300"/>
+              </a:spcBef>
+              <a:buFont typeface="+mj-lt"/>
+              <a:buAutoNum type="arabicPeriod"/>
+            </a:pPr>
+            <a:r>
+              <a:rPr lang="en-GB" sz="1100" dirty="0"/>
+              <a:t>Using </a:t>
+            </a:r>
+            <a:r>
+              <a:rPr lang="en-GB" sz="1100" dirty="0" err="1"/>
+              <a:t>EEProm</a:t>
+            </a:r>
+            <a:r>
+              <a:rPr lang="en-GB" sz="1100" dirty="0"/>
+              <a:t> – showing values on the serial terminal, and more constants insights</a:t>
+            </a:r>
+          </a:p>
+          <a:p>
+            <a:pPr marL="180000" indent="-478483">
+              <a:spcBef>
+                <a:spcPts val="300"/>
+              </a:spcBef>
+              <a:buFont typeface="+mj-lt"/>
+              <a:buAutoNum type="arabicPeriod"/>
+            </a:pPr>
+            <a:r>
+              <a:rPr lang="en-GB" sz="1100" dirty="0"/>
+              <a:t>Using I2C with serial to discover I2C devices</a:t>
+            </a:r>
+          </a:p>
+          <a:p>
+            <a:pPr marL="180000" indent="-478483">
+              <a:spcBef>
+                <a:spcPts val="300"/>
+              </a:spcBef>
+              <a:buFont typeface="+mj-lt"/>
+              <a:buAutoNum type="arabicPeriod"/>
+            </a:pPr>
+            <a:r>
+              <a:rPr lang="en-GB" sz="1100" dirty="0"/>
+              <a:t>Using an I2C GCLD display</a:t>
+            </a:r>
+          </a:p>
+          <a:p>
+            <a:pPr marL="180000" indent="-478483">
+              <a:spcBef>
+                <a:spcPts val="300"/>
+              </a:spcBef>
+              <a:buFont typeface="+mj-lt"/>
+              <a:buAutoNum type="arabicPeriod"/>
+            </a:pPr>
+            <a:r>
+              <a:rPr lang="en-GB" sz="1100" dirty="0"/>
+              <a:t>Using a SPI GCLD display</a:t>
+            </a:r>
+          </a:p>
+          <a:p>
+            <a:pPr marL="180000" indent="-478483">
+              <a:spcBef>
+                <a:spcPts val="300"/>
+              </a:spcBef>
+              <a:buFont typeface="+mj-lt"/>
+              <a:buAutoNum type="arabicPeriod"/>
+            </a:pPr>
+            <a:r>
+              <a:rPr lang="en-GB" sz="1100" dirty="0"/>
+              <a:t>Using PWM, </a:t>
+            </a:r>
+            <a:r>
+              <a:rPr lang="en-GB" sz="1100" dirty="0" smtClean="0"/>
+              <a:t>many ways</a:t>
+            </a:r>
+            <a:r>
+              <a:rPr lang="en-GB" sz="1100" dirty="0"/>
+              <a:t>,  to dim the LEDS</a:t>
+            </a:r>
+          </a:p>
+          <a:p>
+            <a:pPr marL="180000" indent="-478483">
+              <a:spcBef>
+                <a:spcPts val="300"/>
+              </a:spcBef>
+              <a:buFont typeface="+mj-lt"/>
+              <a:buAutoNum type="arabicPeriod"/>
+            </a:pPr>
+            <a:r>
+              <a:rPr lang="en-GB" sz="1100" dirty="0"/>
+              <a:t>Using an external interrupt to control an LED</a:t>
+            </a:r>
+          </a:p>
+          <a:p>
+            <a:pPr marL="180000" indent="-478483">
+              <a:spcBef>
+                <a:spcPts val="300"/>
+              </a:spcBef>
+              <a:buFont typeface="+mj-lt"/>
+              <a:buAutoNum type="arabicPeriod"/>
+            </a:pPr>
+            <a:r>
+              <a:rPr lang="en-GB" sz="1100" dirty="0"/>
+              <a:t>Using storage within the chip – Progmem, </a:t>
+            </a:r>
+            <a:r>
+              <a:rPr lang="en-GB" sz="1100" dirty="0" smtClean="0"/>
+              <a:t>EEPROM </a:t>
+            </a:r>
+            <a:r>
+              <a:rPr lang="en-GB" sz="1100" dirty="0"/>
+              <a:t>and DATA blocks</a:t>
+            </a:r>
+          </a:p>
+          <a:p>
+            <a:pPr marL="180000" indent="-478483">
+              <a:spcBef>
+                <a:spcPts val="300"/>
+              </a:spcBef>
+              <a:buFont typeface="+mj-lt"/>
+              <a:buAutoNum type="arabicPeriod"/>
+            </a:pPr>
+            <a:r>
+              <a:rPr lang="en-GB" sz="1100" dirty="0" smtClean="0"/>
+              <a:t>The </a:t>
+            </a:r>
+            <a:r>
+              <a:rPr lang="en-GB" sz="1100" dirty="0"/>
+              <a:t>GCBASIC tool chain</a:t>
+            </a:r>
+          </a:p>
+          <a:p>
+            <a:pPr marL="180000" indent="-478483">
+              <a:spcBef>
+                <a:spcPts val="300"/>
+              </a:spcBef>
+              <a:buFont typeface="+mj-lt"/>
+              <a:buAutoNum type="arabicPeriod"/>
+            </a:pPr>
+            <a:r>
+              <a:rPr lang="en-GB" sz="1100" dirty="0"/>
+              <a:t>Assembly , alternatives assemblers and MPLAB-X</a:t>
+            </a:r>
+          </a:p>
+          <a:p>
+            <a:pPr marL="180000" indent="-478483">
+              <a:spcBef>
+                <a:spcPts val="300"/>
+              </a:spcBef>
+              <a:buFont typeface="+mj-lt"/>
+              <a:buAutoNum type="arabicPeriod"/>
+            </a:pPr>
+            <a:r>
+              <a:rPr lang="en-GB" sz="1100" dirty="0"/>
+              <a:t>Summary</a:t>
+            </a:r>
+          </a:p>
+          <a:p>
+            <a:pPr marL="180000" indent="-478483">
+              <a:spcBef>
+                <a:spcPts val="300"/>
+              </a:spcBef>
+              <a:buFont typeface="+mj-lt"/>
+              <a:buAutoNum type="arabicPeriod"/>
+            </a:pPr>
+            <a:endParaRPr lang="en-GB" sz="400" dirty="0" smtClean="0">
+              <a:solidFill>
+                <a:schemeClr val="bg1">
+                  <a:lumMod val="75000"/>
+                </a:schemeClr>
+              </a:solidFill>
+            </a:endParaRPr>
+          </a:p>
+          <a:p>
+            <a:pPr marL="180000" indent="-478483">
+              <a:spcBef>
+                <a:spcPts val="300"/>
+              </a:spcBef>
+              <a:buNone/>
+            </a:pPr>
+            <a:endParaRPr lang="en-GB" sz="700" dirty="0" smtClean="0"/>
+          </a:p>
+          <a:p>
+            <a:pPr marL="180000" indent="-478483">
+              <a:spcBef>
+                <a:spcPts val="300"/>
+              </a:spcBef>
+              <a:buFont typeface="+mj-lt"/>
+              <a:buAutoNum type="arabicPeriod"/>
+            </a:pPr>
+            <a:endParaRPr lang="en-GB" sz="700" dirty="0" smtClean="0"/>
+          </a:p>
+          <a:p>
+            <a:pPr marL="180000" indent="-478483">
+              <a:spcBef>
+                <a:spcPts val="300"/>
+              </a:spcBef>
+              <a:buFont typeface="+mj-lt"/>
+              <a:buAutoNum type="arabicPeriod"/>
+            </a:pPr>
+            <a:endParaRPr lang="en-GB" sz="500" dirty="0" smtClean="0"/>
+          </a:p>
+          <a:p>
+            <a:pPr marL="180000" indent="-478483">
+              <a:spcBef>
+                <a:spcPts val="300"/>
+              </a:spcBef>
+              <a:buFont typeface="+mj-lt"/>
+              <a:buAutoNum type="arabicPeriod"/>
+            </a:pPr>
+            <a:endParaRPr lang="en-GB" sz="500" dirty="0" smtClean="0"/>
+          </a:p>
+          <a:p>
+            <a:pPr marL="180000" indent="-478483">
+              <a:spcBef>
+                <a:spcPts val="300"/>
+              </a:spcBef>
+              <a:buFont typeface="+mj-lt"/>
+              <a:buAutoNum type="arabicPeriod"/>
+            </a:pPr>
+            <a:endParaRPr lang="en-GB" sz="500" dirty="0" smtClean="0"/>
+          </a:p>
+          <a:p>
+            <a:pPr marL="180000" indent="-478483">
+              <a:spcBef>
+                <a:spcPts val="300"/>
+              </a:spcBef>
+              <a:buFont typeface="+mj-lt"/>
+              <a:buAutoNum type="arabicPeriod"/>
+            </a:pPr>
+            <a:endParaRPr lang="en-GB" sz="500" dirty="0"/>
+          </a:p>
+        </p:txBody>
+      </p:sp>
+    </p:spTree>
+    <p:extLst>
+      <p:ext uri="{BB962C8B-B14F-4D97-AF65-F5344CB8AC3E}">
+        <p14:creationId xmlns:p14="http://schemas.microsoft.com/office/powerpoint/2010/main" val="466772879"/>
+      </p:ext>
+    </p:extLst>
+  </p:cSld>
+  <p:clrMapOvr>
+    <a:masterClrMapping/>
+  </p:clrMapOvr>
+  <mc:AlternateContent xmlns:mc="http://schemas.openxmlformats.org/markup-compatibility/2006" xmlns:p14="http://schemas.microsoft.com/office/powerpoint/2010/main">
+    <mc:Choice Requires="p14">
+      <p:transition spd="slow" p14:dur="2000"/>
+    </mc:Choice>
+    <mc:Fallback xmlns="">
+      <p:transition spd="slow"/>
+    </mc:Fallback>
+  </mc:AlternateContent>
+  <p:timing>
+    <p:tnLst>
+      <p:par>
+        <p:cTn id="1" dur="indefinite" restart="never" nodeType="tmRoot"/>
+      </p:par>
+    </p:tnLst>
+  </p:timing>
+</p:sld>
+</file>
+
+<file path=ppt/slides/slide26.xml><?xml version="1.0" encoding="utf-8"?>
+<p:sld xmlns:a="http://schemas.openxmlformats.org/drawingml/2006/main" xmlns:r="http://schemas.openxmlformats.org/officeDocument/2006/relationships" xmlns:p="http://schemas.openxmlformats.org/presentationml/2006/main">
+  <p:cSld>
+    <p:spTree>
+      <p:nvGrpSpPr>
+        <p:cNvPr id="1" name=""/>
+        <p:cNvGrpSpPr/>
+        <p:nvPr/>
+      </p:nvGrpSpPr>
+      <p:grpSpPr>
+        <a:xfrm>
+          <a:off x="0" y="0"/>
+          <a:ext cx="0" cy="0"/>
+          <a:chOff x="0" y="0"/>
+          <a:chExt cx="0" cy="0"/>
+        </a:xfrm>
+      </p:grpSpPr>
+      <p:sp>
+        <p:nvSpPr>
+          <p:cNvPr id="2" name="Title 1"/>
+          <p:cNvSpPr>
+            <a:spLocks noGrp="1"/>
+          </p:cNvSpPr>
+          <p:nvPr>
             <p:ph type="ctrTitle"/>
           </p:nvPr>
         </p:nvSpPr>
@@ -20842,6 +21020,52 @@
               <a:t>GCBASIC</a:t>
             </a:r>
             <a:endParaRPr lang="en-GB" dirty="0"/>
+          </a:p>
+        </p:txBody>
+      </p:sp>
+      <p:sp>
+        <p:nvSpPr>
+          <p:cNvPr id="3" name="Subtitle 2"/>
+          <p:cNvSpPr>
+            <a:spLocks noGrp="1"/>
+          </p:cNvSpPr>
+          <p:nvPr>
+            <p:ph type="subTitle" idx="1"/>
+          </p:nvPr>
+        </p:nvSpPr>
+        <p:spPr>
+          <a:xfrm>
+            <a:off x="179513" y="2914650"/>
+            <a:ext cx="6840759" cy="1925352"/>
+          </a:xfrm>
+        </p:spPr>
+        <p:txBody>
+          <a:bodyPr>
+            <a:normAutofit/>
+          </a:bodyPr>
+          <a:lstStyle/>
+          <a:p>
+            <a:r>
+              <a:rPr lang="en-GB" dirty="0" smtClean="0"/>
+              <a:t>PIC16Fxxxx chip Family ( Legacy )</a:t>
+            </a:r>
+            <a:endParaRPr lang="en-GB" dirty="0"/>
+          </a:p>
+          <a:p>
+            <a:r>
+              <a:rPr lang="en-GB" dirty="0"/>
+              <a:t>Part 4 – sequence the LEDs</a:t>
+            </a:r>
+          </a:p>
+          <a:p>
+            <a:endParaRPr lang="en-GB" dirty="0"/>
+          </a:p>
+          <a:p>
+            <a:r>
+              <a:rPr lang="en-GB" sz="1700" dirty="0" smtClean="0"/>
+              <a:t>January 2025</a:t>
+            </a:r>
+            <a:endParaRPr lang="en-GB" sz="1700" dirty="0"/>
           </a:p>
         </p:txBody>
       </p:sp>
@@ -20901,305 +21125,10 @@
           </a:p>
         </p:txBody>
       </p:sp>
-      <p:sp>
-        <p:nvSpPr>
-          <p:cNvPr id="8" name="Text Placeholder 4"/>
-          <p:cNvSpPr txBox="1">
-            <a:spLocks/>
-          </p:cNvSpPr>
-          <p:nvPr/>
-        </p:nvSpPr>
-        <p:spPr>
-          <a:xfrm>
-            <a:off x="3805512" y="2931790"/>
-            <a:ext cx="3342861" cy="645300"/>
-          </a:xfrm>
-          <a:prstGeom prst="rect">
-            <a:avLst/>
-          </a:prstGeom>
-        </p:spPr>
-        <p:txBody>
-          <a:bodyPr vert="horz" lIns="68580" tIns="34290" rIns="68580" bIns="34290" rtlCol="0" anchor="t">
-            <a:normAutofit/>
-          </a:bodyPr>
-          <a:lstStyle>
-            <a:lvl1pPr marL="0" indent="0" algn="r" defTabSz="342900" rtl="0" eaLnBrk="1" latinLnBrk="0" hangingPunct="1">
-              <a:spcBef>
-                <a:spcPts val="750"/>
-              </a:spcBef>
-              <a:spcAft>
-                <a:spcPts val="0"/>
-              </a:spcAft>
-              <a:buClr>
-                <a:schemeClr val="accent1"/>
-              </a:buClr>
-              <a:buSzPct val="80000"/>
-              <a:buFont typeface="Wingdings 3" charset="2"/>
-              <a:buNone/>
-              <a:defRPr sz="1400" kern="1200">
-                <a:solidFill>
-                  <a:schemeClr val="tx1">
-                    <a:lumMod val="50000"/>
-                    <a:lumOff val="50000"/>
-                  </a:schemeClr>
-                </a:solidFill>
-                <a:latin typeface="+mn-lt"/>
-                <a:ea typeface="+mn-ea"/>
-                <a:cs typeface="+mn-cs"/>
-              </a:defRPr>
-            </a:lvl1pPr>
-            <a:lvl2pPr marL="342900" indent="0" algn="ctr" defTabSz="342900" rtl="0" eaLnBrk="1" latinLnBrk="0" hangingPunct="1">
-              <a:spcBef>
-                <a:spcPts val="750"/>
-              </a:spcBef>
-              <a:spcAft>
-                <a:spcPts val="0"/>
-              </a:spcAft>
-              <a:buClr>
-                <a:schemeClr val="accent1"/>
-              </a:buClr>
-              <a:buSzPct val="80000"/>
-              <a:buFont typeface="Wingdings 3" charset="2"/>
-              <a:buNone/>
-              <a:defRPr sz="1200" kern="1200">
-                <a:solidFill>
-                  <a:schemeClr val="tx1">
-                    <a:tint val="75000"/>
-                  </a:schemeClr>
-                </a:solidFill>
-                <a:latin typeface="+mn-lt"/>
-                <a:ea typeface="+mn-ea"/>
-                <a:cs typeface="+mn-cs"/>
-              </a:defRPr>
-            </a:lvl2pPr>
-            <a:lvl3pPr marL="685800" indent="0" algn="ctr" defTabSz="342900" rtl="0" eaLnBrk="1" latinLnBrk="0" hangingPunct="1">
-              <a:spcBef>
-                <a:spcPts val="750"/>
-              </a:spcBef>
-              <a:spcAft>
-                <a:spcPts val="0"/>
-              </a:spcAft>
-              <a:buClr>
-                <a:schemeClr val="accent1"/>
-              </a:buClr>
-              <a:buSzPct val="80000"/>
-              <a:buFont typeface="Wingdings 3" charset="2"/>
-              <a:buNone/>
-              <a:defRPr sz="1100" kern="1200">
-                <a:solidFill>
-                  <a:schemeClr val="tx1">
-                    <a:tint val="75000"/>
-                  </a:schemeClr>
-                </a:solidFill>
-                <a:latin typeface="+mn-lt"/>
-                <a:ea typeface="+mn-ea"/>
-                <a:cs typeface="+mn-cs"/>
-              </a:defRPr>
-            </a:lvl3pPr>
-            <a:lvl4pPr marL="1028700" indent="0" algn="ctr" defTabSz="342900" rtl="0" eaLnBrk="1" latinLnBrk="0" hangingPunct="1">
-              <a:spcBef>
-                <a:spcPts val="750"/>
-              </a:spcBef>
-              <a:spcAft>
-                <a:spcPts val="0"/>
-              </a:spcAft>
-              <a:buClr>
-                <a:schemeClr val="accent1"/>
-              </a:buClr>
-              <a:buSzPct val="80000"/>
-              <a:buFont typeface="Wingdings 3" charset="2"/>
-              <a:buNone/>
-              <a:defRPr sz="900" kern="1200">
-                <a:solidFill>
-                  <a:schemeClr val="tx1">
-                    <a:tint val="75000"/>
-                  </a:schemeClr>
-                </a:solidFill>
-                <a:latin typeface="+mn-lt"/>
-                <a:ea typeface="+mn-ea"/>
-                <a:cs typeface="+mn-cs"/>
-              </a:defRPr>
-            </a:lvl4pPr>
-            <a:lvl5pPr marL="1371600" indent="0" algn="ctr" defTabSz="342900" rtl="0" eaLnBrk="1" latinLnBrk="0" hangingPunct="1">
-              <a:spcBef>
-                <a:spcPts val="750"/>
-              </a:spcBef>
-              <a:spcAft>
-                <a:spcPts val="0"/>
-              </a:spcAft>
-              <a:buClr>
-                <a:schemeClr val="accent1"/>
-              </a:buClr>
-              <a:buSzPct val="80000"/>
-              <a:buFont typeface="Wingdings 3" charset="2"/>
-              <a:buNone/>
-              <a:defRPr sz="900" kern="1200">
-                <a:solidFill>
-                  <a:schemeClr val="tx1">
-                    <a:tint val="75000"/>
-                  </a:schemeClr>
-                </a:solidFill>
-                <a:latin typeface="+mn-lt"/>
-                <a:ea typeface="+mn-ea"/>
-                <a:cs typeface="+mn-cs"/>
-              </a:defRPr>
-            </a:lvl5pPr>
-            <a:lvl6pPr marL="1714500" indent="0" algn="ctr" defTabSz="342900" rtl="0" eaLnBrk="1" latinLnBrk="0" hangingPunct="1">
-              <a:spcBef>
-                <a:spcPts val="750"/>
-              </a:spcBef>
-              <a:spcAft>
-                <a:spcPts val="0"/>
-              </a:spcAft>
-              <a:buClr>
-                <a:schemeClr val="accent1"/>
-              </a:buClr>
-              <a:buSzPct val="80000"/>
-              <a:buFont typeface="Wingdings 3" charset="2"/>
-              <a:buNone/>
-              <a:defRPr sz="900" kern="1200">
-                <a:solidFill>
-                  <a:schemeClr val="tx1">
-                    <a:tint val="75000"/>
-                  </a:schemeClr>
-                </a:solidFill>
-                <a:latin typeface="+mn-lt"/>
-                <a:ea typeface="+mn-ea"/>
-                <a:cs typeface="+mn-cs"/>
-              </a:defRPr>
-            </a:lvl6pPr>
-            <a:lvl7pPr marL="2057400" indent="0" algn="ctr" defTabSz="342900" rtl="0" eaLnBrk="1" latinLnBrk="0" hangingPunct="1">
-              <a:spcBef>
-                <a:spcPts val="750"/>
-              </a:spcBef>
-              <a:spcAft>
-                <a:spcPts val="0"/>
-              </a:spcAft>
-              <a:buClr>
-                <a:schemeClr val="accent1"/>
-              </a:buClr>
-              <a:buSzPct val="80000"/>
-              <a:buFont typeface="Wingdings 3" charset="2"/>
-              <a:buNone/>
-              <a:defRPr sz="900" kern="1200">
-                <a:solidFill>
-                  <a:schemeClr val="tx1">
-                    <a:tint val="75000"/>
-                  </a:schemeClr>
-                </a:solidFill>
-                <a:latin typeface="+mn-lt"/>
-                <a:ea typeface="+mn-ea"/>
-                <a:cs typeface="+mn-cs"/>
-              </a:defRPr>
-            </a:lvl7pPr>
-            <a:lvl8pPr marL="2400300" indent="0" algn="ctr" defTabSz="342900" rtl="0" eaLnBrk="1" latinLnBrk="0" hangingPunct="1">
-              <a:spcBef>
-                <a:spcPts val="750"/>
-              </a:spcBef>
-              <a:spcAft>
-                <a:spcPts val="0"/>
-              </a:spcAft>
-              <a:buClr>
-                <a:schemeClr val="accent1"/>
-              </a:buClr>
-              <a:buSzPct val="80000"/>
-              <a:buFont typeface="Wingdings 3" charset="2"/>
-              <a:buNone/>
-              <a:defRPr sz="900" kern="1200">
-                <a:solidFill>
-                  <a:schemeClr val="tx1">
-                    <a:tint val="75000"/>
-                  </a:schemeClr>
-                </a:solidFill>
-                <a:latin typeface="+mn-lt"/>
-                <a:ea typeface="+mn-ea"/>
-                <a:cs typeface="+mn-cs"/>
-              </a:defRPr>
-            </a:lvl8pPr>
-            <a:lvl9pPr marL="2743200" indent="0" algn="ctr" defTabSz="342900" rtl="0" eaLnBrk="1" latinLnBrk="0" hangingPunct="1">
-              <a:spcBef>
-                <a:spcPts val="750"/>
-              </a:spcBef>
-              <a:spcAft>
-                <a:spcPts val="0"/>
-              </a:spcAft>
-              <a:buClr>
-                <a:schemeClr val="accent1"/>
-              </a:buClr>
-              <a:buSzPct val="80000"/>
-              <a:buFont typeface="Wingdings 3" charset="2"/>
-              <a:buNone/>
-              <a:defRPr sz="900" kern="1200">
-                <a:solidFill>
-                  <a:schemeClr val="tx1">
-                    <a:tint val="75000"/>
-                  </a:schemeClr>
-                </a:solidFill>
-                <a:latin typeface="+mn-lt"/>
-                <a:ea typeface="+mn-ea"/>
-                <a:cs typeface="+mn-cs"/>
-              </a:defRPr>
-            </a:lvl9pPr>
-          </a:lstStyle>
-          <a:p>
-            <a:r>
-              <a:rPr lang="en-GB" dirty="0" smtClean="0"/>
-              <a:t>PIC18FxxQ24</a:t>
-            </a:r>
-          </a:p>
-          <a:p>
-            <a:r>
-              <a:rPr lang="en-GB" dirty="0"/>
-              <a:t>Part 4 – sequence the LEDs</a:t>
-            </a:r>
-          </a:p>
-        </p:txBody>
-      </p:sp>
-      <p:pic>
-        <p:nvPicPr>
-          <p:cNvPr id="10" name="Picture 2" descr="PIC18F26Q24"/>
-          <p:cNvPicPr>
-            <a:picLocks noChangeAspect="1" noChangeArrowheads="1"/>
-          </p:cNvPicPr>
-          <p:nvPr/>
-        </p:nvPicPr>
-        <p:blipFill>
-          <a:blip r:embed="rId3" cstate="print">
-            <a:extLst>
-              <a:ext uri="{28A0092B-C50C-407E-A947-70E740481C1C}">
-                <a14:useLocalDpi xmlns:a14="http://schemas.microsoft.com/office/drawing/2010/main" val="0"/>
-              </a:ext>
-            </a:extLst>
-          </a:blip>
-          <a:srcRect/>
-          <a:stretch>
-            <a:fillRect/>
-          </a:stretch>
-        </p:blipFill>
-        <p:spPr bwMode="auto">
-          <a:xfrm>
-            <a:off x="1907705" y="4116163"/>
-            <a:ext cx="1280738" cy="922132"/>
-          </a:xfrm>
-          <a:prstGeom prst="rect">
-            <a:avLst/>
-          </a:prstGeom>
-          <a:noFill/>
-          <a:extLst>
-            <a:ext uri="{909E8E84-426E-40DD-AFC4-6F175D3DCCD1}">
-              <a14:hiddenFill xmlns:a14="http://schemas.microsoft.com/office/drawing/2010/main">
-                <a:solidFill>
-                  <a:srgbClr val="FFFFFF"/>
-                </a:solidFill>
-              </a14:hiddenFill>
-            </a:ext>
-          </a:extLst>
-        </p:spPr>
-      </p:pic>
     </p:spTree>
     <p:extLst>
       <p:ext uri="{BB962C8B-B14F-4D97-AF65-F5344CB8AC3E}">
-        <p14:creationId xmlns:p14="http://schemas.microsoft.com/office/powerpoint/2010/main" val="1870302383"/>
+        <p14:creationId xmlns:p14="http://schemas.microsoft.com/office/powerpoint/2010/main" val="1078913992"/>
       </p:ext>
     </p:extLst>
   </p:cSld>
@@ -21224,7 +21153,7 @@
 </p:sld>
 </file>
 
-<file path=ppt/slides/slide26.xml><?xml version="1.0" encoding="utf-8"?>
+<file path=ppt/slides/slide27.xml><?xml version="1.0" encoding="utf-8"?>
 <p:sld xmlns:a="http://schemas.openxmlformats.org/drawingml/2006/main" xmlns:r="http://schemas.openxmlformats.org/officeDocument/2006/relationships" xmlns:p="http://schemas.openxmlformats.org/presentationml/2006/main">
   <p:cSld>
     <p:spTree>
@@ -21498,121 +21427,10 @@
           </a:p>
         </p:txBody>
       </p:sp>
-      <p:pic>
-        <p:nvPicPr>
-          <p:cNvPr id="8" name="Picture 2" descr="PIC18F26Q24"/>
-          <p:cNvPicPr>
-            <a:picLocks noChangeAspect="1" noChangeArrowheads="1"/>
-          </p:cNvPicPr>
-          <p:nvPr/>
-        </p:nvPicPr>
-        <p:blipFill>
-          <a:blip r:embed="rId3" cstate="print">
-            <a:extLst>
-              <a:ext uri="{28A0092B-C50C-407E-A947-70E740481C1C}">
-                <a14:useLocalDpi xmlns:a14="http://schemas.microsoft.com/office/drawing/2010/main" val="0"/>
-              </a:ext>
-            </a:extLst>
-          </a:blip>
-          <a:srcRect/>
-          <a:stretch>
-            <a:fillRect/>
-          </a:stretch>
-        </p:blipFill>
-        <p:spPr bwMode="auto">
-          <a:xfrm>
-            <a:off x="1907705" y="4116163"/>
-            <a:ext cx="1280738" cy="922132"/>
-          </a:xfrm>
-          <a:prstGeom prst="rect">
-            <a:avLst/>
-          </a:prstGeom>
-          <a:noFill/>
-          <a:extLst>
-            <a:ext uri="{909E8E84-426E-40DD-AFC4-6F175D3DCCD1}">
-              <a14:hiddenFill xmlns:a14="http://schemas.microsoft.com/office/drawing/2010/main">
-                <a:solidFill>
-                  <a:srgbClr val="FFFFFF"/>
-                </a:solidFill>
-              </a14:hiddenFill>
-            </a:ext>
-          </a:extLst>
-        </p:spPr>
-      </p:pic>
-      <p:pic>
-        <p:nvPicPr>
-          <p:cNvPr id="10" name="Picture 8" descr="C:\Users\admin\OneDrive\Desktop\Picture1.jpg"/>
-          <p:cNvPicPr>
-            <a:picLocks noChangeAspect="1" noChangeArrowheads="1"/>
-          </p:cNvPicPr>
-          <p:nvPr/>
-        </p:nvPicPr>
-        <p:blipFill>
-          <a:blip r:embed="rId4">
-            <a:extLst>
-              <a:ext uri="{28A0092B-C50C-407E-A947-70E740481C1C}">
-                <a14:useLocalDpi xmlns:a14="http://schemas.microsoft.com/office/drawing/2010/main" val="0"/>
-              </a:ext>
-            </a:extLst>
-          </a:blip>
-          <a:srcRect/>
-          <a:stretch>
-            <a:fillRect/>
-          </a:stretch>
-        </p:blipFill>
-        <p:spPr bwMode="auto">
-          <a:xfrm>
-            <a:off x="3995936" y="3937587"/>
-            <a:ext cx="2320300" cy="1129258"/>
-          </a:xfrm>
-          <a:prstGeom prst="rect">
-            <a:avLst/>
-          </a:prstGeom>
-          <a:noFill/>
-          <a:extLst>
-            <a:ext uri="{909E8E84-426E-40DD-AFC4-6F175D3DCCD1}">
-              <a14:hiddenFill xmlns:a14="http://schemas.microsoft.com/office/drawing/2010/main">
-                <a:solidFill>
-                  <a:srgbClr val="FFFFFF"/>
-                </a:solidFill>
-              </a14:hiddenFill>
-            </a:ext>
-          </a:extLst>
-        </p:spPr>
-      </p:pic>
-      <p:sp>
-        <p:nvSpPr>
-          <p:cNvPr id="11" name="Date Placeholder 3"/>
-          <p:cNvSpPr>
-            <a:spLocks noGrp="1"/>
-          </p:cNvSpPr>
-          <p:nvPr>
-            <p:ph type="dt" sz="half" idx="10"/>
-          </p:nvPr>
-        </p:nvSpPr>
-        <p:spPr>
-          <a:xfrm>
-            <a:off x="6113182" y="4384422"/>
-            <a:ext cx="354882" cy="305233"/>
-          </a:xfrm>
-        </p:spPr>
-        <p:txBody>
-          <a:bodyPr/>
-          <a:lstStyle/>
-          <a:p>
-            <a:fld id="{1E700B27-DE4C-4B9E-BB11-B9027034A00F}" type="datetimeFigureOut">
-              <a:rPr lang="en-US" smtClean="0"/>
-              <a:pPr/>
-              <a:t>11/18/2024</a:t>
-            </a:fld>
-            <a:endParaRPr lang="en-US" dirty="0"/>
-          </a:p>
-        </p:txBody>
-      </p:sp>
     </p:spTree>
     <p:extLst>
       <p:ext uri="{BB962C8B-B14F-4D97-AF65-F5344CB8AC3E}">
-        <p14:creationId xmlns:p14="http://schemas.microsoft.com/office/powerpoint/2010/main" val="2553573428"/>
+        <p14:creationId xmlns:p14="http://schemas.microsoft.com/office/powerpoint/2010/main" val="2208100434"/>
       </p:ext>
     </p:extLst>
   </p:cSld>
@@ -21672,7 +21490,7 @@
             <a:pPr algn="l"/>
             <a:r>
               <a:rPr lang="en-GB" dirty="0" smtClean="0"/>
-              <a:t>PIC18FxxQ24</a:t>
+              <a:t>PIC16Fxxxx</a:t>
             </a:r>
             <a:endParaRPr lang="en-GB" dirty="0"/>
           </a:p>
@@ -21691,13 +21509,17 @@
         <p:spPr/>
         <p:txBody>
           <a:bodyPr>
-            <a:normAutofit fontScale="92500" lnSpcReduction="10000"/>
+            <a:normAutofit/>
           </a:bodyPr>
           <a:lstStyle/>
           <a:p>
             <a:r>
+              <a:rPr lang="en-GB" dirty="0"/>
+              <a:t>PIC16Fxxxx </a:t>
+            </a:r>
+            <a:r>
               <a:rPr lang="en-GB" dirty="0" smtClean="0"/>
-              <a:t>PIC18-Q24 is a high performance PIC18 </a:t>
+              <a:t> is a high performance PIC16</a:t>
             </a:r>
           </a:p>
           <a:p>
@@ -21719,7 +21541,7 @@
             <a:pPr lvl="1"/>
             <a:r>
               <a:rPr lang="en-GB" dirty="0" smtClean="0"/>
-              <a:t>10-bit ADC</a:t>
+              <a:t>8 –bit or 10-bit ADC</a:t>
             </a:r>
           </a:p>
           <a:p>
@@ -21744,26 +21566,12 @@
             </a:r>
           </a:p>
           <a:p>
-            <a:pPr lvl="1"/>
+            <a:endParaRPr lang="en-GB" dirty="0" smtClean="0"/>
+          </a:p>
+          <a:p>
             <a:r>
               <a:rPr lang="en-GB" dirty="0" smtClean="0"/>
-              <a:t>Configurable Logic Cells</a:t>
-            </a:r>
-          </a:p>
-          <a:p>
-            <a:pPr lvl="1"/>
-            <a:r>
-              <a:rPr lang="en-GB" dirty="0" smtClean="0"/>
-              <a:t>Multi voltage domains</a:t>
-            </a:r>
-          </a:p>
-          <a:p>
-            <a:endParaRPr lang="en-GB" dirty="0" smtClean="0"/>
-          </a:p>
-          <a:p>
-            <a:r>
-              <a:rPr lang="en-GB" dirty="0" smtClean="0"/>
-              <a:t>The PIC18xxQ24 offers 28, 40 and 48-pin products in small footprint packages to support customers in a wide variety of applications. </a:t>
+              <a:t>The PIC16 offers 8, 14,18,20, 28, 40 and 48-pin packages to support customers in a wide variety of applications. </a:t>
             </a:r>
           </a:p>
           <a:p>
@@ -21772,6 +21580,11 @@
         </p:txBody>
       </p:sp>
     </p:spTree>
+    <p:extLst>
+      <p:ext uri="{BB962C8B-B14F-4D97-AF65-F5344CB8AC3E}">
+        <p14:creationId xmlns:p14="http://schemas.microsoft.com/office/powerpoint/2010/main" val="3070690919"/>
+      </p:ext>
+    </p:extLst>
   </p:cSld>
   <p:clrMapOvr>
     <a:masterClrMapping/>
@@ -21870,8 +21683,13 @@
             </a:pPr>
             <a:r>
               <a:rPr lang="en-GB" sz="1100" dirty="0"/>
-              <a:t>Install the hardware and make the board work – three LED programs</a:t>
-            </a:r>
+              <a:t>Install the hardware and make the board work </a:t>
+            </a:r>
+            <a:r>
+              <a:rPr lang="en-GB" sz="1100" dirty="0" smtClean="0"/>
+              <a:t>– make LEDs work</a:t>
+            </a:r>
+            <a:endParaRPr lang="en-GB" sz="1100" b="1" dirty="0"/>
           </a:p>
           <a:p>
             <a:pPr marL="180000" indent="-478483">
@@ -22047,7 +21865,15 @@
             </a:pPr>
             <a:r>
               <a:rPr lang="en-GB" sz="1100" dirty="0"/>
-              <a:t>Using PWM, 7  ways,  to dim the LEDS</a:t>
+              <a:t>Using PWM, </a:t>
+            </a:r>
+            <a:r>
+              <a:rPr lang="en-GB" sz="1100" dirty="0" smtClean="0"/>
+              <a:t>many ways</a:t>
+            </a:r>
+            <a:r>
+              <a:rPr lang="en-GB" sz="1100" dirty="0"/>
+              <a:t>,  to dim the LEDS</a:t>
             </a:r>
           </a:p>
           <a:p>
@@ -22073,15 +21899,15 @@
             </a:pPr>
             <a:r>
               <a:rPr lang="en-GB" sz="1100" dirty="0"/>
-              <a:t>Using storage within the chip – </a:t>
-            </a:r>
-            <a:r>
-              <a:rPr lang="en-GB" sz="1100" dirty="0" err="1"/>
-              <a:t>Progmem</a:t>
+              <a:t>Using storage within the chip – Progmem, </a:t>
+            </a:r>
+            <a:r>
+              <a:rPr lang="en-GB" sz="1100" dirty="0" smtClean="0"/>
+              <a:t>EEPROM </a:t>
             </a:r>
             <a:r>
               <a:rPr lang="en-GB" sz="1100" dirty="0"/>
-              <a:t>, SAF memory, EEPROM and DATA blocks</a:t>
+              <a:t>and DATA blocks</a:t>
             </a:r>
           </a:p>
           <a:p>
@@ -22093,21 +21919,12 @@
               <a:buAutoNum type="arabicPeriod"/>
             </a:pPr>
             <a:r>
+              <a:rPr lang="en-GB" sz="1100" dirty="0" smtClean="0"/>
+              <a:t>The </a:t>
+            </a:r>
+            <a:r>
               <a:rPr lang="en-GB" sz="1100" dirty="0"/>
-              <a:t>Using CLC</a:t>
-            </a:r>
-          </a:p>
-          <a:p>
-            <a:pPr marL="180000" indent="-478483">
-              <a:spcBef>
-                <a:spcPts val="300"/>
-              </a:spcBef>
-              <a:buFont typeface="+mj-lt"/>
-              <a:buAutoNum type="arabicPeriod"/>
-            </a:pPr>
-            <a:r>
-              <a:rPr lang="en-GB" sz="1100" dirty="0"/>
-              <a:t>The GCBASIC tool chain</a:t>
+              <a:t>GCBASIC tool chain</a:t>
             </a:r>
           </a:p>
           <a:p>
@@ -22216,7 +22033,7 @@
     </p:spTree>
     <p:extLst>
       <p:ext uri="{BB962C8B-B14F-4D97-AF65-F5344CB8AC3E}">
-        <p14:creationId xmlns:p14="http://schemas.microsoft.com/office/powerpoint/2010/main" val="1947865557"/>
+        <p14:creationId xmlns:p14="http://schemas.microsoft.com/office/powerpoint/2010/main" val="1523866922"/>
       </p:ext>
     </p:extLst>
   </p:cSld>
@@ -22242,7 +22059,7 @@
 </file>
 
 <file path=ppt/slides/slide6.xml><?xml version="1.0" encoding="utf-8"?>
-<p:sld xmlns:a="http://schemas.openxmlformats.org/drawingml/2006/main" xmlns:r="http://schemas.openxmlformats.org/officeDocument/2006/relationships" xmlns:p="http://schemas.openxmlformats.org/presentationml/2006/main" show="0">
+<p:sld xmlns:a="http://schemas.openxmlformats.org/drawingml/2006/main" xmlns:r="http://schemas.openxmlformats.org/officeDocument/2006/relationships" xmlns:p="http://schemas.openxmlformats.org/presentationml/2006/main">
   <p:cSld>
     <p:spTree>
       <p:nvGrpSpPr>
@@ -22339,7 +22156,7 @@
         <p:spPr>
           <a:xfrm>
             <a:off x="3563888" y="2643758"/>
-            <a:ext cx="3528392" cy="1393943"/>
+            <a:ext cx="3528392" cy="1655553"/>
           </a:xfrm>
           <a:prstGeom prst="rect">
             <a:avLst/>
@@ -22354,7 +22171,7 @@
           <a:p>
             <a:r>
               <a:rPr lang="en-GB" dirty="0" smtClean="0"/>
-              <a:t>GCBASIC is an Open Source compiler for PIC and AVR microcontrollers</a:t>
+              <a:t>GCBASIC is an Open Source compiler for PIC, AVR and LGT microcontrollers</a:t>
             </a:r>
           </a:p>
           <a:p>
@@ -22363,13 +22180,18 @@
           <a:p>
             <a:r>
               <a:rPr lang="en-GB" dirty="0" smtClean="0"/>
-              <a:t>GCBASIC now supports the 18FxxQ24 chip family</a:t>
+              <a:t>GCBASIC supports the 16Fxxxx chip family</a:t>
             </a:r>
             <a:endParaRPr lang="en-GB" dirty="0"/>
           </a:p>
         </p:txBody>
       </p:sp>
     </p:spTree>
+    <p:extLst>
+      <p:ext uri="{BB962C8B-B14F-4D97-AF65-F5344CB8AC3E}">
+        <p14:creationId xmlns:p14="http://schemas.microsoft.com/office/powerpoint/2010/main" val="2760484708"/>
+      </p:ext>
+    </p:extLst>
   </p:cSld>
   <p:clrMapOvr>
     <a:masterClrMapping/>
@@ -22479,8 +22301,13 @@
             <a:pPr marL="778521" lvl="1" indent="-478483"/>
             <a:r>
               <a:rPr lang="en-GB" dirty="0" smtClean="0"/>
-              <a:t>Test that you have the 18FxxQ24 attached</a:t>
-            </a:r>
+              <a:t>Test that you have </a:t>
+            </a:r>
+            <a:r>
+              <a:rPr lang="en-GB" smtClean="0"/>
+              <a:t>the PIC attached</a:t>
+            </a:r>
+            <a:endParaRPr lang="en-GB" dirty="0" smtClean="0"/>
           </a:p>
           <a:p>
             <a:pPr marL="778521" lvl="1" indent="-478483"/>
@@ -22510,6 +22337,70 @@
           </a:p>
         </p:txBody>
       </p:sp>
+      <p:pic>
+        <p:nvPicPr>
+          <p:cNvPr id="4" name="Picture 2"/>
+          <p:cNvPicPr>
+            <a:picLocks noChangeAspect="1" noChangeArrowheads="1"/>
+          </p:cNvPicPr>
+          <p:nvPr/>
+        </p:nvPicPr>
+        <p:blipFill>
+          <a:blip r:embed="rId3">
+            <a:extLst>
+              <a:ext uri="{28A0092B-C50C-407E-A947-70E740481C1C}">
+                <a14:useLocalDpi xmlns:a14="http://schemas.microsoft.com/office/drawing/2010/main" val="0"/>
+              </a:ext>
+            </a:extLst>
+          </a:blip>
+          <a:srcRect/>
+          <a:stretch>
+            <a:fillRect/>
+          </a:stretch>
+        </p:blipFill>
+        <p:spPr bwMode="auto">
+          <a:xfrm>
+            <a:off x="5436096" y="1582266"/>
+            <a:ext cx="3448050" cy="2933700"/>
+          </a:xfrm>
+          <a:prstGeom prst="rect">
+            <a:avLst/>
+          </a:prstGeom>
+          <a:noFill/>
+          <a:ln>
+            <a:noFill/>
+          </a:ln>
+          <a:effectLst/>
+          <a:extLst>
+            <a:ext uri="{909E8E84-426E-40DD-AFC4-6F175D3DCCD1}">
+              <a14:hiddenFill xmlns:a14="http://schemas.microsoft.com/office/drawing/2010/main">
+                <a:solidFill>
+                  <a:schemeClr val="accent1"/>
+                </a:solidFill>
+              </a14:hiddenFill>
+            </a:ext>
+            <a:ext uri="{91240B29-F687-4F45-9708-019B960494DF}">
+              <a14:hiddenLine xmlns:a14="http://schemas.microsoft.com/office/drawing/2010/main" w="9525">
+                <a:solidFill>
+                  <a:schemeClr val="tx1"/>
+                </a:solidFill>
+                <a:miter lim="800000"/>
+                <a:headEnd/>
+                <a:tailEnd/>
+              </a14:hiddenLine>
+            </a:ext>
+            <a:ext uri="{AF507438-7753-43E0-B8FC-AC1667EBCBE1}">
+              <a14:hiddenEffects xmlns:a14="http://schemas.microsoft.com/office/drawing/2010/main">
+                <a:effectLst>
+                  <a:outerShdw dist="35921" dir="2700000" algn="ctr" rotWithShape="0">
+                    <a:schemeClr val="bg2"/>
+                  </a:outerShdw>
+                </a:effectLst>
+              </a14:hiddenEffects>
+            </a:ext>
+          </a:extLst>
+        </p:spPr>
+      </p:pic>
     </p:spTree>
   </p:cSld>
   <p:clrMapOvr>
@@ -22552,13 +22443,624 @@
       </p:grpSpPr>
       <p:pic>
         <p:nvPicPr>
-          <p:cNvPr id="9" name="Picture 2"/>
+          <p:cNvPr id="1026" name="Picture 2"/>
           <p:cNvPicPr>
-            <a:picLocks noGrp="1" noChangeAspect="1" noChangeArrowheads="1"/>
+            <a:picLocks noChangeAspect="1" noChangeArrowheads="1"/>
           </p:cNvPicPr>
+          <p:nvPr/>
+        </p:nvPicPr>
+        <p:blipFill>
+          <a:blip r:embed="rId2">
+            <a:extLst>
+              <a:ext uri="{28A0092B-C50C-407E-A947-70E740481C1C}">
+                <a14:useLocalDpi xmlns:a14="http://schemas.microsoft.com/office/drawing/2010/main" val="0"/>
+              </a:ext>
+            </a:extLst>
+          </a:blip>
+          <a:srcRect/>
+          <a:stretch>
+            <a:fillRect/>
+          </a:stretch>
+        </p:blipFill>
+        <p:spPr bwMode="auto">
+          <a:xfrm>
+            <a:off x="107504" y="778048"/>
+            <a:ext cx="5087696" cy="4362922"/>
+          </a:xfrm>
+          <a:prstGeom prst="rect">
+            <a:avLst/>
+          </a:prstGeom>
+          <a:noFill/>
+          <a:ln>
+            <a:noFill/>
+          </a:ln>
+          <a:effectLst/>
+          <a:extLst>
+            <a:ext uri="{909E8E84-426E-40DD-AFC4-6F175D3DCCD1}">
+              <a14:hiddenFill xmlns:a14="http://schemas.microsoft.com/office/drawing/2010/main">
+                <a:solidFill>
+                  <a:schemeClr val="accent1"/>
+                </a:solidFill>
+              </a14:hiddenFill>
+            </a:ext>
+            <a:ext uri="{91240B29-F687-4F45-9708-019B960494DF}">
+              <a14:hiddenLine xmlns:a14="http://schemas.microsoft.com/office/drawing/2010/main" w="9525">
+                <a:solidFill>
+                  <a:schemeClr val="tx1"/>
+                </a:solidFill>
+                <a:miter lim="800000"/>
+                <a:headEnd/>
+                <a:tailEnd/>
+              </a14:hiddenLine>
+            </a:ext>
+            <a:ext uri="{AF507438-7753-43E0-B8FC-AC1667EBCBE1}">
+              <a14:hiddenEffects xmlns:a14="http://schemas.microsoft.com/office/drawing/2010/main">
+                <a:effectLst>
+                  <a:outerShdw dist="35921" dir="2700000" algn="ctr" rotWithShape="0">
+                    <a:schemeClr val="bg2"/>
+                  </a:outerShdw>
+                </a:effectLst>
+              </a14:hiddenEffects>
+            </a:ext>
+          </a:extLst>
+        </p:spPr>
+      </p:pic>
+      <p:sp>
+        <p:nvSpPr>
+          <p:cNvPr id="2" name="Title 1"/>
+          <p:cNvSpPr>
+            <a:spLocks noGrp="1"/>
+          </p:cNvSpPr>
           <p:nvPr>
-            <p:ph idx="1"/>
+            <p:ph type="title"/>
           </p:nvPr>
+        </p:nvSpPr>
+        <p:spPr/>
+        <p:txBody>
+          <a:bodyPr/>
+          <a:lstStyle/>
+          <a:p>
+            <a:pPr algn="l"/>
+            <a:r>
+              <a:rPr lang="en-GB" dirty="0" smtClean="0"/>
+              <a:t>Hardware</a:t>
+            </a:r>
+            <a:endParaRPr lang="en-GB" dirty="0"/>
+          </a:p>
+        </p:txBody>
+      </p:sp>
+      <p:sp>
+        <p:nvSpPr>
+          <p:cNvPr id="5" name="Rectangle 4"/>
+          <p:cNvSpPr/>
+          <p:nvPr/>
+        </p:nvSpPr>
+        <p:spPr>
+          <a:xfrm>
+            <a:off x="5239650" y="1173882"/>
+            <a:ext cx="3825992" cy="3216265"/>
+          </a:xfrm>
+          <a:prstGeom prst="rect">
+            <a:avLst/>
+          </a:prstGeom>
+          <a:solidFill>
+            <a:schemeClr val="bg1"/>
+          </a:solidFill>
+        </p:spPr>
+        <p:txBody>
+          <a:bodyPr wrap="square">
+            <a:spAutoFit/>
+          </a:bodyPr>
+          <a:lstStyle/>
+          <a:p>
+            <a:r>
+              <a:rPr lang="en-GB" sz="700" b="1" dirty="0">
+                <a:latin typeface="Courier New" panose="02070309020205020404" pitchFamily="49" charset="0"/>
+                <a:cs typeface="Courier New" panose="02070309020205020404" pitchFamily="49" charset="0"/>
+              </a:rPr>
+              <a:t>The PICDEM 2 Plus Demonstration Board </a:t>
+            </a:r>
+            <a:endParaRPr lang="en-GB" sz="700" b="1" dirty="0" smtClean="0">
+              <a:latin typeface="Courier New" panose="02070309020205020404" pitchFamily="49" charset="0"/>
+              <a:cs typeface="Courier New" panose="02070309020205020404" pitchFamily="49" charset="0"/>
+            </a:endParaRPr>
+          </a:p>
+          <a:p>
+            <a:endParaRPr lang="en-GB" sz="700" b="1" dirty="0" smtClean="0">
+              <a:latin typeface="Courier New" panose="02070309020205020404" pitchFamily="49" charset="0"/>
+              <a:cs typeface="Courier New" panose="02070309020205020404" pitchFamily="49" charset="0"/>
+            </a:endParaRPr>
+          </a:p>
+          <a:p>
+            <a:pPr marL="228600" indent="-228600">
+              <a:buAutoNum type="arabicPeriod"/>
+            </a:pPr>
+            <a:r>
+              <a:rPr lang="en-GB" sz="700" dirty="0" smtClean="0">
+                <a:latin typeface="Courier New" panose="02070309020205020404" pitchFamily="49" charset="0"/>
+                <a:cs typeface="Courier New" panose="02070309020205020404" pitchFamily="49" charset="0"/>
+              </a:rPr>
+              <a:t>18-</a:t>
+            </a:r>
+            <a:r>
+              <a:rPr lang="en-GB" sz="700" dirty="0">
+                <a:latin typeface="Courier New" panose="02070309020205020404" pitchFamily="49" charset="0"/>
+                <a:cs typeface="Courier New" panose="02070309020205020404" pitchFamily="49" charset="0"/>
+              </a:rPr>
+              <a:t>, 28- and 40-pin DIP sockets (although three sockets are provided, only one device may be used at a time) </a:t>
+            </a:r>
+            <a:endParaRPr lang="en-GB" sz="700" dirty="0" smtClean="0">
+              <a:latin typeface="Courier New" panose="02070309020205020404" pitchFamily="49" charset="0"/>
+              <a:cs typeface="Courier New" panose="02070309020205020404" pitchFamily="49" charset="0"/>
+            </a:endParaRPr>
+          </a:p>
+          <a:p>
+            <a:pPr marL="228600" indent="-228600">
+              <a:buAutoNum type="arabicPeriod"/>
+            </a:pPr>
+            <a:r>
+              <a:rPr lang="en-GB" sz="700" dirty="0" smtClean="0">
+                <a:latin typeface="Courier New" panose="02070309020205020404" pitchFamily="49" charset="0"/>
+                <a:cs typeface="Courier New" panose="02070309020205020404" pitchFamily="49" charset="0"/>
+              </a:rPr>
+              <a:t>On-board</a:t>
+            </a:r>
+            <a:r>
+              <a:rPr lang="en-GB" sz="700" dirty="0">
+                <a:latin typeface="Courier New" panose="02070309020205020404" pitchFamily="49" charset="0"/>
+                <a:cs typeface="Courier New" panose="02070309020205020404" pitchFamily="49" charset="0"/>
+              </a:rPr>
+              <a:t>, +5V regulator for direct input from 9V, 100 mA AC/DC wall adapter or 9V battery, or hooks for a +5V, 100 mA regulated DC supply </a:t>
+            </a:r>
+            <a:endParaRPr lang="en-GB" sz="700" dirty="0" smtClean="0">
+              <a:latin typeface="Courier New" panose="02070309020205020404" pitchFamily="49" charset="0"/>
+              <a:cs typeface="Courier New" panose="02070309020205020404" pitchFamily="49" charset="0"/>
+            </a:endParaRPr>
+          </a:p>
+          <a:p>
+            <a:pPr marL="228600" indent="-228600">
+              <a:buAutoNum type="arabicPeriod"/>
+            </a:pPr>
+            <a:r>
+              <a:rPr lang="en-GB" sz="700" dirty="0" smtClean="0">
+                <a:latin typeface="Courier New" panose="02070309020205020404" pitchFamily="49" charset="0"/>
+                <a:cs typeface="Courier New" panose="02070309020205020404" pitchFamily="49" charset="0"/>
+              </a:rPr>
+              <a:t>RS-232 </a:t>
+            </a:r>
+            <a:r>
+              <a:rPr lang="en-GB" sz="700" dirty="0">
+                <a:latin typeface="Courier New" panose="02070309020205020404" pitchFamily="49" charset="0"/>
+                <a:cs typeface="Courier New" panose="02070309020205020404" pitchFamily="49" charset="0"/>
+              </a:rPr>
+              <a:t>socket and associated hardware for direct connection to an RS-232 </a:t>
+            </a:r>
+            <a:r>
+              <a:rPr lang="en-GB" sz="700" dirty="0" smtClean="0">
+                <a:latin typeface="Courier New" panose="02070309020205020404" pitchFamily="49" charset="0"/>
+                <a:cs typeface="Courier New" panose="02070309020205020404" pitchFamily="49" charset="0"/>
+              </a:rPr>
+              <a:t>interface</a:t>
+            </a:r>
+          </a:p>
+          <a:p>
+            <a:pPr marL="228600" indent="-228600">
+              <a:buAutoNum type="arabicPeriod"/>
+            </a:pPr>
+            <a:r>
+              <a:rPr lang="en-GB" sz="700" dirty="0" smtClean="0">
+                <a:latin typeface="Courier New" panose="02070309020205020404" pitchFamily="49" charset="0"/>
+                <a:cs typeface="Courier New" panose="02070309020205020404" pitchFamily="49" charset="0"/>
+              </a:rPr>
+              <a:t>Programmer/debugger </a:t>
+            </a:r>
+            <a:r>
+              <a:rPr lang="en-GB" sz="700" dirty="0">
+                <a:latin typeface="Courier New" panose="02070309020205020404" pitchFamily="49" charset="0"/>
+                <a:cs typeface="Courier New" panose="02070309020205020404" pitchFamily="49" charset="0"/>
+              </a:rPr>
+              <a:t>connectivity supporting MPLAB® ICD 3, MPLAB REAL ICE, </a:t>
+            </a:r>
+            <a:r>
+              <a:rPr lang="en-GB" sz="700" dirty="0" err="1">
+                <a:latin typeface="Courier New" panose="02070309020205020404" pitchFamily="49" charset="0"/>
+                <a:cs typeface="Courier New" panose="02070309020205020404" pitchFamily="49" charset="0"/>
+              </a:rPr>
+              <a:t>PICkit</a:t>
+            </a:r>
+            <a:r>
+              <a:rPr lang="en-GB" sz="700" dirty="0">
+                <a:latin typeface="Courier New" panose="02070309020205020404" pitchFamily="49" charset="0"/>
+                <a:cs typeface="Courier New" panose="02070309020205020404" pitchFamily="49" charset="0"/>
+              </a:rPr>
+              <a:t> </a:t>
+            </a:r>
+            <a:r>
+              <a:rPr lang="en-GB" sz="700" dirty="0" smtClean="0">
+                <a:latin typeface="Courier New" panose="02070309020205020404" pitchFamily="49" charset="0"/>
+                <a:cs typeface="Courier New" panose="02070309020205020404" pitchFamily="49" charset="0"/>
+              </a:rPr>
+              <a:t>2 </a:t>
+            </a:r>
+            <a:r>
+              <a:rPr lang="en-GB" sz="700" dirty="0">
+                <a:latin typeface="Courier New" panose="02070309020205020404" pitchFamily="49" charset="0"/>
+                <a:cs typeface="Courier New" panose="02070309020205020404" pitchFamily="49" charset="0"/>
+              </a:rPr>
+              <a:t>and </a:t>
+            </a:r>
+            <a:r>
+              <a:rPr lang="en-GB" sz="700" dirty="0" err="1">
+                <a:latin typeface="Courier New" panose="02070309020205020404" pitchFamily="49" charset="0"/>
+                <a:cs typeface="Courier New" panose="02070309020205020404" pitchFamily="49" charset="0"/>
+              </a:rPr>
+              <a:t>PICkit</a:t>
+            </a:r>
+            <a:r>
+              <a:rPr lang="en-GB" sz="700" dirty="0">
+                <a:latin typeface="Courier New" panose="02070309020205020404" pitchFamily="49" charset="0"/>
+                <a:cs typeface="Courier New" panose="02070309020205020404" pitchFamily="49" charset="0"/>
+              </a:rPr>
+              <a:t> 3 </a:t>
+            </a:r>
+            <a:endParaRPr lang="en-GB" sz="700" dirty="0" smtClean="0">
+              <a:latin typeface="Courier New" panose="02070309020205020404" pitchFamily="49" charset="0"/>
+              <a:cs typeface="Courier New" panose="02070309020205020404" pitchFamily="49" charset="0"/>
+            </a:endParaRPr>
+          </a:p>
+          <a:p>
+            <a:pPr marL="228600" indent="-228600">
+              <a:buAutoNum type="arabicPeriod"/>
+            </a:pPr>
+            <a:r>
+              <a:rPr lang="en-GB" sz="700" dirty="0" err="1" smtClean="0">
+                <a:latin typeface="Courier New" panose="02070309020205020404" pitchFamily="49" charset="0"/>
+                <a:cs typeface="Courier New" panose="02070309020205020404" pitchFamily="49" charset="0"/>
+              </a:rPr>
+              <a:t>PICkit</a:t>
+            </a:r>
+            <a:r>
+              <a:rPr lang="en-GB" sz="700" dirty="0" smtClean="0">
+                <a:latin typeface="Courier New" panose="02070309020205020404" pitchFamily="49" charset="0"/>
+                <a:cs typeface="Courier New" panose="02070309020205020404" pitchFamily="49" charset="0"/>
+              </a:rPr>
+              <a:t> </a:t>
+            </a:r>
+            <a:r>
+              <a:rPr lang="en-GB" sz="700" dirty="0">
+                <a:latin typeface="Courier New" panose="02070309020205020404" pitchFamily="49" charset="0"/>
+                <a:cs typeface="Courier New" panose="02070309020205020404" pitchFamily="49" charset="0"/>
+              </a:rPr>
+              <a:t>Serial Connector for analysis of serial communications peripherals such as SPI or I2C™ </a:t>
+            </a:r>
+            <a:endParaRPr lang="en-GB" sz="700" dirty="0" smtClean="0">
+              <a:latin typeface="Courier New" panose="02070309020205020404" pitchFamily="49" charset="0"/>
+              <a:cs typeface="Courier New" panose="02070309020205020404" pitchFamily="49" charset="0"/>
+            </a:endParaRPr>
+          </a:p>
+          <a:p>
+            <a:pPr marL="228600" indent="-228600">
+              <a:buAutoNum type="arabicPeriod"/>
+            </a:pPr>
+            <a:r>
+              <a:rPr lang="en-GB" sz="700" dirty="0" smtClean="0">
+                <a:latin typeface="Courier New" panose="02070309020205020404" pitchFamily="49" charset="0"/>
+                <a:cs typeface="Courier New" panose="02070309020205020404" pitchFamily="49" charset="0"/>
+              </a:rPr>
+              <a:t>5 k </a:t>
+            </a:r>
+            <a:r>
+              <a:rPr lang="en-GB" sz="700" dirty="0">
+                <a:latin typeface="Courier New" panose="02070309020205020404" pitchFamily="49" charset="0"/>
+                <a:cs typeface="Courier New" panose="02070309020205020404" pitchFamily="49" charset="0"/>
+              </a:rPr>
+              <a:t>pot for devices with </a:t>
+            </a:r>
+            <a:r>
+              <a:rPr lang="en-GB" sz="700" dirty="0" err="1">
+                <a:latin typeface="Courier New" panose="02070309020205020404" pitchFamily="49" charset="0"/>
+                <a:cs typeface="Courier New" panose="02070309020205020404" pitchFamily="49" charset="0"/>
+              </a:rPr>
+              <a:t>analog</a:t>
+            </a:r>
+            <a:r>
+              <a:rPr lang="en-GB" sz="700" dirty="0">
+                <a:latin typeface="Courier New" panose="02070309020205020404" pitchFamily="49" charset="0"/>
+                <a:cs typeface="Courier New" panose="02070309020205020404" pitchFamily="49" charset="0"/>
+              </a:rPr>
+              <a:t> inputs </a:t>
+            </a:r>
+            <a:endParaRPr lang="en-GB" sz="700" dirty="0" smtClean="0">
+              <a:latin typeface="Courier New" panose="02070309020205020404" pitchFamily="49" charset="0"/>
+              <a:cs typeface="Courier New" panose="02070309020205020404" pitchFamily="49" charset="0"/>
+            </a:endParaRPr>
+          </a:p>
+          <a:p>
+            <a:pPr marL="228600" indent="-228600">
+              <a:buAutoNum type="arabicPeriod"/>
+            </a:pPr>
+            <a:r>
+              <a:rPr lang="en-GB" sz="700" dirty="0" smtClean="0">
+                <a:latin typeface="Courier New" panose="02070309020205020404" pitchFamily="49" charset="0"/>
+                <a:cs typeface="Courier New" panose="02070309020205020404" pitchFamily="49" charset="0"/>
+              </a:rPr>
+              <a:t>Three </a:t>
+            </a:r>
+            <a:r>
+              <a:rPr lang="en-GB" sz="700" dirty="0">
+                <a:latin typeface="Courier New" panose="02070309020205020404" pitchFamily="49" charset="0"/>
+                <a:cs typeface="Courier New" panose="02070309020205020404" pitchFamily="49" charset="0"/>
+              </a:rPr>
+              <a:t>push button switches for external stimulus and Reset </a:t>
+            </a:r>
+            <a:endParaRPr lang="en-GB" sz="700" dirty="0" smtClean="0">
+              <a:latin typeface="Courier New" panose="02070309020205020404" pitchFamily="49" charset="0"/>
+              <a:cs typeface="Courier New" panose="02070309020205020404" pitchFamily="49" charset="0"/>
+            </a:endParaRPr>
+          </a:p>
+          <a:p>
+            <a:pPr marL="228600" indent="-228600">
+              <a:buAutoNum type="arabicPeriod"/>
+            </a:pPr>
+            <a:r>
+              <a:rPr lang="en-GB" sz="700" dirty="0" smtClean="0">
+                <a:latin typeface="Courier New" panose="02070309020205020404" pitchFamily="49" charset="0"/>
+                <a:cs typeface="Courier New" panose="02070309020205020404" pitchFamily="49" charset="0"/>
+              </a:rPr>
+              <a:t>Power-on </a:t>
+            </a:r>
+            <a:r>
+              <a:rPr lang="en-GB" sz="700" dirty="0">
+                <a:latin typeface="Courier New" panose="02070309020205020404" pitchFamily="49" charset="0"/>
+                <a:cs typeface="Courier New" panose="02070309020205020404" pitchFamily="49" charset="0"/>
+              </a:rPr>
+              <a:t>indicator LED </a:t>
+            </a:r>
+            <a:endParaRPr lang="en-GB" sz="700" dirty="0" smtClean="0">
+              <a:latin typeface="Courier New" panose="02070309020205020404" pitchFamily="49" charset="0"/>
+              <a:cs typeface="Courier New" panose="02070309020205020404" pitchFamily="49" charset="0"/>
+            </a:endParaRPr>
+          </a:p>
+          <a:p>
+            <a:pPr marL="228600" indent="-228600">
+              <a:buAutoNum type="arabicPeriod"/>
+            </a:pPr>
+            <a:r>
+              <a:rPr lang="en-GB" sz="700" dirty="0" smtClean="0">
+                <a:latin typeface="Courier New" panose="02070309020205020404" pitchFamily="49" charset="0"/>
+                <a:cs typeface="Courier New" panose="02070309020205020404" pitchFamily="49" charset="0"/>
+              </a:rPr>
+              <a:t>Four </a:t>
+            </a:r>
+            <a:r>
+              <a:rPr lang="en-GB" sz="700" dirty="0">
+                <a:latin typeface="Courier New" panose="02070309020205020404" pitchFamily="49" charset="0"/>
+                <a:cs typeface="Courier New" panose="02070309020205020404" pitchFamily="49" charset="0"/>
+              </a:rPr>
+              <a:t>LEDs connected to PORTB </a:t>
+            </a:r>
+            <a:endParaRPr lang="en-GB" sz="700" dirty="0" smtClean="0">
+              <a:latin typeface="Courier New" panose="02070309020205020404" pitchFamily="49" charset="0"/>
+              <a:cs typeface="Courier New" panose="02070309020205020404" pitchFamily="49" charset="0"/>
+            </a:endParaRPr>
+          </a:p>
+          <a:p>
+            <a:pPr marL="228600" indent="-228600">
+              <a:buAutoNum type="arabicPeriod"/>
+            </a:pPr>
+            <a:r>
+              <a:rPr lang="en-GB" sz="700" dirty="0" smtClean="0">
+                <a:latin typeface="Courier New" panose="02070309020205020404" pitchFamily="49" charset="0"/>
+                <a:cs typeface="Courier New" panose="02070309020205020404" pitchFamily="49" charset="0"/>
+              </a:rPr>
+              <a:t>On-board </a:t>
+            </a:r>
+            <a:r>
+              <a:rPr lang="en-GB" sz="700" dirty="0">
+                <a:latin typeface="Courier New" panose="02070309020205020404" pitchFamily="49" charset="0"/>
+                <a:cs typeface="Courier New" panose="02070309020205020404" pitchFamily="49" charset="0"/>
+              </a:rPr>
+              <a:t>external oscillators including: a) Unpopulated DIP socket for canned crystal oscillator (Y2) b) RC oscillator circuit (R4, C3) c) Unpopulated holes for crystal connection (Y1) d) 32.768 kHz crystal for Timer1 clock operation (Y3</a:t>
+            </a:r>
+            <a:r>
+              <a:rPr lang="en-GB" sz="700" dirty="0" smtClean="0">
+                <a:latin typeface="Courier New" panose="02070309020205020404" pitchFamily="49" charset="0"/>
+                <a:cs typeface="Courier New" panose="02070309020205020404" pitchFamily="49" charset="0"/>
+              </a:rPr>
+              <a:t>)</a:t>
+            </a:r>
+          </a:p>
+          <a:p>
+            <a:pPr marL="228600" indent="-228600">
+              <a:buAutoNum type="arabicPeriod"/>
+            </a:pPr>
+            <a:r>
+              <a:rPr lang="en-GB" sz="700" dirty="0">
+                <a:latin typeface="Courier New" panose="02070309020205020404" pitchFamily="49" charset="0"/>
+                <a:cs typeface="Courier New" panose="02070309020205020404" pitchFamily="49" charset="0"/>
+              </a:rPr>
+              <a:t>32K x 8 Serial EEPROM</a:t>
+            </a:r>
+          </a:p>
+          <a:p>
+            <a:pPr marL="228600" indent="-228600">
+              <a:buAutoNum type="arabicPeriod"/>
+            </a:pPr>
+            <a:r>
+              <a:rPr lang="en-GB" sz="700" dirty="0" smtClean="0">
+                <a:latin typeface="Courier New" panose="02070309020205020404" pitchFamily="49" charset="0"/>
+                <a:cs typeface="Courier New" panose="02070309020205020404" pitchFamily="49" charset="0"/>
+              </a:rPr>
+              <a:t>LCD </a:t>
+            </a:r>
+            <a:r>
+              <a:rPr lang="en-GB" sz="700" dirty="0">
+                <a:latin typeface="Courier New" panose="02070309020205020404" pitchFamily="49" charset="0"/>
+                <a:cs typeface="Courier New" panose="02070309020205020404" pitchFamily="49" charset="0"/>
+              </a:rPr>
+              <a:t>display</a:t>
+            </a:r>
+          </a:p>
+          <a:p>
+            <a:pPr marL="228600" indent="-228600">
+              <a:buAutoNum type="arabicPeriod"/>
+            </a:pPr>
+            <a:r>
+              <a:rPr lang="en-GB" sz="700" dirty="0" smtClean="0">
+                <a:latin typeface="Courier New" panose="02070309020205020404" pitchFamily="49" charset="0"/>
+                <a:cs typeface="Courier New" panose="02070309020205020404" pitchFamily="49" charset="0"/>
+              </a:rPr>
+              <a:t>Piezo </a:t>
+            </a:r>
+            <a:r>
+              <a:rPr lang="en-GB" sz="700" dirty="0">
+                <a:latin typeface="Courier New" panose="02070309020205020404" pitchFamily="49" charset="0"/>
+                <a:cs typeface="Courier New" panose="02070309020205020404" pitchFamily="49" charset="0"/>
+              </a:rPr>
+              <a:t>buzzer</a:t>
+            </a:r>
+          </a:p>
+          <a:p>
+            <a:pPr marL="228600" indent="-228600">
+              <a:buAutoNum type="arabicPeriod"/>
+            </a:pPr>
+            <a:r>
+              <a:rPr lang="en-GB" sz="700" dirty="0" smtClean="0">
+                <a:latin typeface="Courier New" panose="02070309020205020404" pitchFamily="49" charset="0"/>
+                <a:cs typeface="Courier New" panose="02070309020205020404" pitchFamily="49" charset="0"/>
+              </a:rPr>
+              <a:t>Prototype </a:t>
+            </a:r>
+            <a:r>
+              <a:rPr lang="en-GB" sz="700" dirty="0">
+                <a:latin typeface="Courier New" panose="02070309020205020404" pitchFamily="49" charset="0"/>
+                <a:cs typeface="Courier New" panose="02070309020205020404" pitchFamily="49" charset="0"/>
+              </a:rPr>
+              <a:t>area for user hardware</a:t>
+            </a:r>
+          </a:p>
+          <a:p>
+            <a:pPr marL="228600" indent="-228600">
+              <a:buAutoNum type="arabicPeriod"/>
+            </a:pPr>
+            <a:r>
+              <a:rPr lang="en-GB" sz="700" dirty="0" smtClean="0">
+                <a:latin typeface="Courier New" panose="02070309020205020404" pitchFamily="49" charset="0"/>
+                <a:cs typeface="Courier New" panose="02070309020205020404" pitchFamily="49" charset="0"/>
+              </a:rPr>
+              <a:t>Expansion </a:t>
+            </a:r>
+            <a:r>
+              <a:rPr lang="en-GB" sz="700" dirty="0">
+                <a:latin typeface="Courier New" panose="02070309020205020404" pitchFamily="49" charset="0"/>
+                <a:cs typeface="Courier New" panose="02070309020205020404" pitchFamily="49" charset="0"/>
+              </a:rPr>
+              <a:t>Header for </a:t>
+            </a:r>
+            <a:r>
+              <a:rPr lang="en-GB" sz="700" dirty="0" err="1">
+                <a:latin typeface="Courier New" panose="02070309020205020404" pitchFamily="49" charset="0"/>
+                <a:cs typeface="Courier New" panose="02070309020205020404" pitchFamily="49" charset="0"/>
+              </a:rPr>
+              <a:t>PICtail</a:t>
+            </a:r>
+            <a:r>
+              <a:rPr lang="en-GB" sz="700" dirty="0">
+                <a:latin typeface="Courier New" panose="02070309020205020404" pitchFamily="49" charset="0"/>
+                <a:cs typeface="Courier New" panose="02070309020205020404" pitchFamily="49" charset="0"/>
+              </a:rPr>
+              <a:t>™ daughter card connectivity or user access to</a:t>
+            </a:r>
+          </a:p>
+          <a:p>
+            <a:pPr marL="228600" indent="-228600">
+              <a:buAutoNum type="arabicPeriod"/>
+            </a:pPr>
+            <a:r>
+              <a:rPr lang="en-GB" sz="700" dirty="0" smtClean="0">
+                <a:latin typeface="Courier New" panose="02070309020205020404" pitchFamily="49" charset="0"/>
+                <a:cs typeface="Courier New" panose="02070309020205020404" pitchFamily="49" charset="0"/>
+              </a:rPr>
+              <a:t>MCUs</a:t>
+            </a:r>
+            <a:endParaRPr lang="en-GB" sz="700" dirty="0">
+              <a:latin typeface="Courier New" panose="02070309020205020404" pitchFamily="49" charset="0"/>
+              <a:cs typeface="Courier New" panose="02070309020205020404" pitchFamily="49" charset="0"/>
+            </a:endParaRPr>
+          </a:p>
+          <a:p>
+            <a:pPr marL="228600" indent="-228600">
+              <a:buAutoNum type="arabicPeriod"/>
+            </a:pPr>
+            <a:r>
+              <a:rPr lang="en-GB" sz="700" dirty="0" smtClean="0">
+                <a:latin typeface="Courier New" panose="02070309020205020404" pitchFamily="49" charset="0"/>
+                <a:cs typeface="Courier New" panose="02070309020205020404" pitchFamily="49" charset="0"/>
+              </a:rPr>
+              <a:t>Microchip </a:t>
+            </a:r>
+            <a:r>
+              <a:rPr lang="en-GB" sz="700" dirty="0">
+                <a:latin typeface="Courier New" panose="02070309020205020404" pitchFamily="49" charset="0"/>
+                <a:cs typeface="Courier New" panose="02070309020205020404" pitchFamily="49" charset="0"/>
+              </a:rPr>
+              <a:t>TC74 thermal sensor</a:t>
+            </a:r>
+          </a:p>
+        </p:txBody>
+      </p:sp>
+    </p:spTree>
+    <p:extLst>
+      <p:ext uri="{BB962C8B-B14F-4D97-AF65-F5344CB8AC3E}">
+        <p14:creationId xmlns:p14="http://schemas.microsoft.com/office/powerpoint/2010/main" val="2265898571"/>
+      </p:ext>
+    </p:extLst>
+  </p:cSld>
+  <p:clrMapOvr>
+    <a:masterClrMapping/>
+  </p:clrMapOvr>
+  <mc:AlternateContent xmlns:mc="http://schemas.openxmlformats.org/markup-compatibility/2006" xmlns:p14="http://schemas.microsoft.com/office/powerpoint/2010/main">
+    <mc:Choice Requires="p14">
+      <p:transition spd="slow" p14:dur="2000"/>
+    </mc:Choice>
+    <mc:Fallback xmlns="">
+      <p:transition spd="slow"/>
+    </mc:Fallback>
+  </mc:AlternateContent>
+  <p:timing>
+    <p:tnLst>
+      <p:par>
+        <p:cTn id="1" dur="indefinite" restart="never" nodeType="tmRoot"/>
+      </p:par>
+    </p:tnLst>
+  </p:timing>
+</p:sld>
+</file>
+
+<file path=ppt/slides/slide9.xml><?xml version="1.0" encoding="utf-8"?>
+<p:sld xmlns:a="http://schemas.openxmlformats.org/drawingml/2006/main" xmlns:r="http://schemas.openxmlformats.org/officeDocument/2006/relationships" xmlns:p="http://schemas.openxmlformats.org/presentationml/2006/main">
+  <p:cSld>
+    <p:spTree>
+      <p:nvGrpSpPr>
+        <p:cNvPr id="1" name=""/>
+        <p:cNvGrpSpPr/>
+        <p:nvPr/>
+      </p:nvGrpSpPr>
+      <p:grpSpPr>
+        <a:xfrm>
+          <a:off x="0" y="0"/>
+          <a:ext cx="0" cy="0"/>
+          <a:chOff x="0" y="0"/>
+          <a:chExt cx="0" cy="0"/>
+        </a:xfrm>
+      </p:grpSpPr>
+      <p:pic>
+        <p:nvPicPr>
+          <p:cNvPr id="1026" name="Picture 2"/>
+          <p:cNvPicPr>
+            <a:picLocks noChangeAspect="1" noChangeArrowheads="1"/>
+          </p:cNvPicPr>
+          <p:nvPr/>
         </p:nvPicPr>
         <p:blipFill rotWithShape="1">
           <a:blip r:embed="rId2">
@@ -22568,13 +23070,13 @@
               </a:ext>
             </a:extLst>
           </a:blip>
-          <a:srcRect l="6459" r="22745" b="29280"/>
+          <a:srcRect l="1023" t="5968" r="4383" b="5255"/>
           <a:stretch/>
         </p:blipFill>
         <p:spPr bwMode="auto">
           <a:xfrm>
-            <a:off x="882650" y="1491631"/>
-            <a:ext cx="3619500" cy="3156570"/>
+            <a:off x="395536" y="1565285"/>
+            <a:ext cx="4810762" cy="3094622"/>
           </a:xfrm>
           <a:prstGeom prst="rect">
             <a:avLst/>
@@ -22634,43 +23136,12 @@
             <a:pPr algn="l"/>
             <a:r>
               <a:rPr lang="en-GB" dirty="0" smtClean="0"/>
-              <a:t>Digital input</a:t>
+              <a:t>Hardware</a:t>
             </a:r>
             <a:endParaRPr lang="en-GB" dirty="0"/>
           </a:p>
         </p:txBody>
       </p:sp>
-      <p:pic>
-        <p:nvPicPr>
-          <p:cNvPr id="29698" name="Picture 2"/>
-          <p:cNvPicPr>
-            <a:picLocks noChangeAspect="1" noChangeArrowheads="1"/>
-          </p:cNvPicPr>
-          <p:nvPr/>
-        </p:nvPicPr>
-        <p:blipFill rotWithShape="1">
-          <a:blip r:embed="rId3" cstate="print"/>
-          <a:srcRect l="59960" t="35915"/>
-          <a:stretch/>
-        </p:blipFill>
-        <p:spPr bwMode="auto">
-          <a:xfrm>
-            <a:off x="4716016" y="2584450"/>
-            <a:ext cx="3489960" cy="1949951"/>
-          </a:xfrm>
-          <a:prstGeom prst="rect">
-            <a:avLst/>
-          </a:prstGeom>
-          <a:noFill/>
-          <a:ln w="9525">
-            <a:noFill/>
-            <a:miter lim="800000"/>
-            <a:headEnd/>
-            <a:tailEnd/>
-          </a:ln>
-          <a:effectLst/>
-        </p:spPr>
-      </p:pic>
       <p:sp>
         <p:nvSpPr>
           <p:cNvPr id="10" name="Rectangle 9"/>
@@ -22679,8 +23150,8 @@
         </p:nvSpPr>
         <p:spPr>
           <a:xfrm>
-            <a:off x="3398352" y="2882981"/>
-            <a:ext cx="1330902" cy="632647"/>
+            <a:off x="3203847" y="2499742"/>
+            <a:ext cx="2020463" cy="555816"/>
           </a:xfrm>
           <a:prstGeom prst="rect">
             <a:avLst/>
@@ -22713,20 +23184,137 @@
           <a:lstStyle/>
           <a:p>
             <a:pPr algn="ctr"/>
-            <a:endParaRPr lang="en-GB"/>
+            <a:endParaRPr lang="en-GB" dirty="0"/>
           </a:p>
         </p:txBody>
       </p:sp>
       <p:sp>
         <p:nvSpPr>
-          <p:cNvPr id="3" name="Rectangle 2"/>
+          <p:cNvPr id="11" name="Rectangle 10"/>
           <p:cNvSpPr/>
           <p:nvPr/>
         </p:nvSpPr>
         <p:spPr>
           <a:xfrm>
-            <a:off x="5580112" y="2525514"/>
-            <a:ext cx="1368152" cy="622300"/>
+            <a:off x="355276" y="2131057"/>
+            <a:ext cx="2372758" cy="144016"/>
+          </a:xfrm>
+          <a:prstGeom prst="rect">
+            <a:avLst/>
+          </a:prstGeom>
+          <a:noFill/>
+          <a:ln>
+            <a:solidFill>
+              <a:srgbClr val="FF0000"/>
+            </a:solidFill>
+          </a:ln>
+        </p:spPr>
+        <p:style>
+          <a:lnRef idx="2">
+            <a:schemeClr val="accent1">
+              <a:shade val="50000"/>
+            </a:schemeClr>
+          </a:lnRef>
+          <a:fillRef idx="1">
+            <a:schemeClr val="accent1"/>
+          </a:fillRef>
+          <a:effectRef idx="0">
+            <a:schemeClr val="accent1"/>
+          </a:effectRef>
+          <a:fontRef idx="minor">
+            <a:schemeClr val="lt1"/>
+          </a:fontRef>
+        </p:style>
+        <p:txBody>
+          <a:bodyPr rtlCol="0" anchor="ctr"/>
+          <a:lstStyle/>
+          <a:p>
+            <a:pPr algn="ctr"/>
+            <a:endParaRPr lang="en-GB" dirty="0"/>
+          </a:p>
+        </p:txBody>
+      </p:sp>
+      <p:pic>
+        <p:nvPicPr>
+          <p:cNvPr id="14" name="Picture 2"/>
+          <p:cNvPicPr>
+            <a:picLocks noChangeAspect="1" noChangeArrowheads="1"/>
+          </p:cNvPicPr>
+          <p:nvPr/>
+        </p:nvPicPr>
+        <p:blipFill>
+          <a:blip r:embed="rId3" cstate="print"/>
+          <a:srcRect/>
+          <a:stretch>
+            <a:fillRect/>
+          </a:stretch>
+        </p:blipFill>
+        <p:spPr bwMode="auto">
+          <a:xfrm>
+            <a:off x="6026986" y="2440971"/>
+            <a:ext cx="3056087" cy="2643758"/>
+          </a:xfrm>
+          <a:prstGeom prst="rect">
+            <a:avLst/>
+          </a:prstGeom>
+          <a:noFill/>
+          <a:ln w="9525">
+            <a:noFill/>
+            <a:miter lim="800000"/>
+            <a:headEnd/>
+            <a:tailEnd/>
+          </a:ln>
+          <a:effectLst/>
+        </p:spPr>
+      </p:pic>
+      <p:sp>
+        <p:nvSpPr>
+          <p:cNvPr id="5" name="TextBox 4"/>
+          <p:cNvSpPr txBox="1"/>
+          <p:nvPr/>
+        </p:nvSpPr>
+        <p:spPr>
+          <a:xfrm>
+            <a:off x="6205538" y="2900454"/>
+            <a:ext cx="271462" cy="92333"/>
+          </a:xfrm>
+          <a:prstGeom prst="rect">
+            <a:avLst/>
+          </a:prstGeom>
+          <a:solidFill>
+            <a:schemeClr val="bg1"/>
+          </a:solidFill>
+        </p:spPr>
+        <p:txBody>
+          <a:bodyPr wrap="square" lIns="0" tIns="0" rIns="0" bIns="0" rtlCol="0">
+            <a:spAutoFit/>
+          </a:bodyPr>
+          <a:lstStyle/>
+          <a:p>
+            <a:r>
+              <a:rPr lang="en-GB" sz="600" b="1" dirty="0" smtClean="0">
+                <a:latin typeface="Arial" panose="020B0604020202020204" pitchFamily="34" charset="0"/>
+                <a:cs typeface="Arial" panose="020B0604020202020204" pitchFamily="34" charset="0"/>
+              </a:rPr>
+              <a:t>RA4</a:t>
+            </a:r>
+            <a:endParaRPr lang="en-GB" sz="600" b="1" dirty="0">
+              <a:latin typeface="Arial" panose="020B0604020202020204" pitchFamily="34" charset="0"/>
+              <a:cs typeface="Arial" panose="020B0604020202020204" pitchFamily="34" charset="0"/>
+            </a:endParaRPr>
+          </a:p>
+        </p:txBody>
+      </p:sp>
+      <p:sp>
+        <p:nvSpPr>
+          <p:cNvPr id="15" name="Rectangle 14"/>
+          <p:cNvSpPr/>
+          <p:nvPr/>
+        </p:nvSpPr>
+        <p:spPr>
+          <a:xfrm>
+            <a:off x="6876256" y="2624168"/>
+            <a:ext cx="288032" cy="144016"/>
           </a:xfrm>
           <a:prstGeom prst="rect">
             <a:avLst/>
@@ -22763,60 +23351,25 @@
           </a:p>
         </p:txBody>
       </p:sp>
-      <p:cxnSp>
-        <p:nvCxnSpPr>
-          <p:cNvPr id="7" name="Straight Connector 6"/>
-          <p:cNvCxnSpPr/>
-          <p:nvPr/>
-        </p:nvCxnSpPr>
-        <p:spPr>
-          <a:xfrm>
-            <a:off x="5262563" y="2986089"/>
-            <a:ext cx="2381250" cy="9524"/>
-          </a:xfrm>
-          <a:prstGeom prst="line">
-            <a:avLst/>
-          </a:prstGeom>
-          <a:ln w="19050">
-            <a:solidFill>
-              <a:schemeClr val="tx1"/>
-            </a:solidFill>
-          </a:ln>
-        </p:spPr>
-        <p:style>
-          <a:lnRef idx="1">
-            <a:schemeClr val="accent1"/>
-          </a:lnRef>
-          <a:fillRef idx="0">
-            <a:schemeClr val="accent1"/>
-          </a:fillRef>
-          <a:effectRef idx="0">
-            <a:schemeClr val="accent1"/>
-          </a:effectRef>
-          <a:fontRef idx="minor">
-            <a:schemeClr val="tx1"/>
-          </a:fontRef>
-        </p:style>
-      </p:cxnSp>
       <p:sp>
         <p:nvSpPr>
-          <p:cNvPr id="11" name="Rectangle 10"/>
+          <p:cNvPr id="16" name="Rectangle 15"/>
           <p:cNvSpPr/>
           <p:nvPr/>
         </p:nvSpPr>
         <p:spPr>
           <a:xfrm>
-            <a:off x="1639443" y="2393146"/>
-            <a:ext cx="1368152" cy="144016"/>
+            <a:off x="7884368" y="2749131"/>
+            <a:ext cx="288032" cy="144016"/>
           </a:xfrm>
           <a:prstGeom prst="rect">
             <a:avLst/>
           </a:prstGeom>
-          <a:noFill/>
+          <a:solidFill>
+            <a:schemeClr val="bg1"/>
+          </a:solidFill>
           <a:ln>
-            <a:solidFill>
-              <a:srgbClr val="FF0000"/>
-            </a:solidFill>
+            <a:noFill/>
           </a:ln>
         </p:spPr>
         <p:style>
@@ -22844,10 +23397,420 @@
           </a:p>
         </p:txBody>
       </p:sp>
+      <p:sp>
+        <p:nvSpPr>
+          <p:cNvPr id="17" name="Rectangle 16"/>
+          <p:cNvSpPr/>
+          <p:nvPr/>
+        </p:nvSpPr>
+        <p:spPr>
+          <a:xfrm>
+            <a:off x="7236296" y="3363838"/>
+            <a:ext cx="288032" cy="144016"/>
+          </a:xfrm>
+          <a:prstGeom prst="rect">
+            <a:avLst/>
+          </a:prstGeom>
+          <a:solidFill>
+            <a:schemeClr val="bg1"/>
+          </a:solidFill>
+          <a:ln>
+            <a:noFill/>
+          </a:ln>
+        </p:spPr>
+        <p:style>
+          <a:lnRef idx="2">
+            <a:schemeClr val="accent1">
+              <a:shade val="50000"/>
+            </a:schemeClr>
+          </a:lnRef>
+          <a:fillRef idx="1">
+            <a:schemeClr val="accent1"/>
+          </a:fillRef>
+          <a:effectRef idx="0">
+            <a:schemeClr val="accent1"/>
+          </a:effectRef>
+          <a:fontRef idx="minor">
+            <a:schemeClr val="lt1"/>
+          </a:fontRef>
+        </p:style>
+        <p:txBody>
+          <a:bodyPr rtlCol="0" anchor="ctr"/>
+          <a:lstStyle/>
+          <a:p>
+            <a:pPr algn="ctr"/>
+            <a:endParaRPr lang="en-GB"/>
+          </a:p>
+        </p:txBody>
+      </p:sp>
+      <p:sp>
+        <p:nvSpPr>
+          <p:cNvPr id="18" name="Rectangle 17"/>
+          <p:cNvSpPr/>
+          <p:nvPr/>
+        </p:nvSpPr>
+        <p:spPr>
+          <a:xfrm>
+            <a:off x="6804248" y="3618834"/>
+            <a:ext cx="288032" cy="393076"/>
+          </a:xfrm>
+          <a:prstGeom prst="rect">
+            <a:avLst/>
+          </a:prstGeom>
+          <a:solidFill>
+            <a:schemeClr val="bg1"/>
+          </a:solidFill>
+          <a:ln>
+            <a:noFill/>
+          </a:ln>
+        </p:spPr>
+        <p:style>
+          <a:lnRef idx="2">
+            <a:schemeClr val="accent1">
+              <a:shade val="50000"/>
+            </a:schemeClr>
+          </a:lnRef>
+          <a:fillRef idx="1">
+            <a:schemeClr val="accent1"/>
+          </a:fillRef>
+          <a:effectRef idx="0">
+            <a:schemeClr val="accent1"/>
+          </a:effectRef>
+          <a:fontRef idx="minor">
+            <a:schemeClr val="lt1"/>
+          </a:fontRef>
+        </p:style>
+        <p:txBody>
+          <a:bodyPr rtlCol="0" anchor="ctr"/>
+          <a:lstStyle/>
+          <a:p>
+            <a:pPr algn="ctr"/>
+            <a:endParaRPr lang="en-GB"/>
+          </a:p>
+        </p:txBody>
+      </p:sp>
+      <p:sp>
+        <p:nvSpPr>
+          <p:cNvPr id="19" name="Rectangle 18"/>
+          <p:cNvSpPr/>
+          <p:nvPr/>
+        </p:nvSpPr>
+        <p:spPr>
+          <a:xfrm>
+            <a:off x="6886844" y="4103512"/>
+            <a:ext cx="288032" cy="144016"/>
+          </a:xfrm>
+          <a:prstGeom prst="rect">
+            <a:avLst/>
+          </a:prstGeom>
+          <a:solidFill>
+            <a:schemeClr val="bg1"/>
+          </a:solidFill>
+          <a:ln>
+            <a:noFill/>
+          </a:ln>
+        </p:spPr>
+        <p:style>
+          <a:lnRef idx="2">
+            <a:schemeClr val="accent1">
+              <a:shade val="50000"/>
+            </a:schemeClr>
+          </a:lnRef>
+          <a:fillRef idx="1">
+            <a:schemeClr val="accent1"/>
+          </a:fillRef>
+          <a:effectRef idx="0">
+            <a:schemeClr val="accent1"/>
+          </a:effectRef>
+          <a:fontRef idx="minor">
+            <a:schemeClr val="lt1"/>
+          </a:fontRef>
+        </p:style>
+        <p:txBody>
+          <a:bodyPr rtlCol="0" anchor="ctr"/>
+          <a:lstStyle/>
+          <a:p>
+            <a:pPr algn="ctr"/>
+            <a:endParaRPr lang="en-GB"/>
+          </a:p>
+        </p:txBody>
+      </p:sp>
+      <p:sp>
+        <p:nvSpPr>
+          <p:cNvPr id="20" name="Rectangle 19"/>
+          <p:cNvSpPr/>
+          <p:nvPr/>
+        </p:nvSpPr>
+        <p:spPr>
+          <a:xfrm>
+            <a:off x="7568276" y="4515966"/>
+            <a:ext cx="288032" cy="144016"/>
+          </a:xfrm>
+          <a:prstGeom prst="rect">
+            <a:avLst/>
+          </a:prstGeom>
+          <a:solidFill>
+            <a:schemeClr val="bg1"/>
+          </a:solidFill>
+          <a:ln>
+            <a:noFill/>
+          </a:ln>
+        </p:spPr>
+        <p:style>
+          <a:lnRef idx="2">
+            <a:schemeClr val="accent1">
+              <a:shade val="50000"/>
+            </a:schemeClr>
+          </a:lnRef>
+          <a:fillRef idx="1">
+            <a:schemeClr val="accent1"/>
+          </a:fillRef>
+          <a:effectRef idx="0">
+            <a:schemeClr val="accent1"/>
+          </a:effectRef>
+          <a:fontRef idx="minor">
+            <a:schemeClr val="lt1"/>
+          </a:fontRef>
+        </p:style>
+        <p:txBody>
+          <a:bodyPr rtlCol="0" anchor="ctr"/>
+          <a:lstStyle/>
+          <a:p>
+            <a:pPr algn="ctr"/>
+            <a:endParaRPr lang="en-GB"/>
+          </a:p>
+        </p:txBody>
+      </p:sp>
+      <p:sp>
+        <p:nvSpPr>
+          <p:cNvPr id="21" name="Rectangle 20"/>
+          <p:cNvSpPr/>
+          <p:nvPr/>
+        </p:nvSpPr>
+        <p:spPr>
+          <a:xfrm>
+            <a:off x="8546742" y="4443958"/>
+            <a:ext cx="288032" cy="144016"/>
+          </a:xfrm>
+          <a:prstGeom prst="rect">
+            <a:avLst/>
+          </a:prstGeom>
+          <a:solidFill>
+            <a:schemeClr val="bg1"/>
+          </a:solidFill>
+          <a:ln>
+            <a:noFill/>
+          </a:ln>
+        </p:spPr>
+        <p:style>
+          <a:lnRef idx="2">
+            <a:schemeClr val="accent1">
+              <a:shade val="50000"/>
+            </a:schemeClr>
+          </a:lnRef>
+          <a:fillRef idx="1">
+            <a:schemeClr val="accent1"/>
+          </a:fillRef>
+          <a:effectRef idx="0">
+            <a:schemeClr val="accent1"/>
+          </a:effectRef>
+          <a:fontRef idx="minor">
+            <a:schemeClr val="lt1"/>
+          </a:fontRef>
+        </p:style>
+        <p:txBody>
+          <a:bodyPr rtlCol="0" anchor="ctr"/>
+          <a:lstStyle/>
+          <a:p>
+            <a:pPr algn="ctr"/>
+            <a:endParaRPr lang="en-GB"/>
+          </a:p>
+        </p:txBody>
+      </p:sp>
+      <p:cxnSp>
+        <p:nvCxnSpPr>
+          <p:cNvPr id="8" name="Straight Connector 7"/>
+          <p:cNvCxnSpPr/>
+          <p:nvPr/>
+        </p:nvCxnSpPr>
+        <p:spPr>
+          <a:xfrm flipV="1">
+            <a:off x="6499811" y="3861447"/>
+            <a:ext cx="972643" cy="5824"/>
+          </a:xfrm>
+          <a:prstGeom prst="line">
+            <a:avLst/>
+          </a:prstGeom>
+        </p:spPr>
+        <p:style>
+          <a:lnRef idx="1">
+            <a:schemeClr val="accent1"/>
+          </a:lnRef>
+          <a:fillRef idx="0">
+            <a:schemeClr val="accent1"/>
+          </a:fillRef>
+          <a:effectRef idx="0">
+            <a:schemeClr val="accent1"/>
+          </a:effectRef>
+          <a:fontRef idx="minor">
+            <a:schemeClr val="tx1"/>
+          </a:fontRef>
+        </p:style>
+      </p:cxnSp>
+      <p:sp>
+        <p:nvSpPr>
+          <p:cNvPr id="6" name="Rectangle 5"/>
+          <p:cNvSpPr/>
+          <p:nvPr/>
+        </p:nvSpPr>
+        <p:spPr>
+          <a:xfrm>
+            <a:off x="7640823" y="2669708"/>
+            <a:ext cx="720080" cy="144016"/>
+          </a:xfrm>
+          <a:prstGeom prst="rect">
+            <a:avLst/>
+          </a:prstGeom>
+          <a:solidFill>
+            <a:schemeClr val="bg1"/>
+          </a:solidFill>
+          <a:ln>
+            <a:noFill/>
+          </a:ln>
+        </p:spPr>
+        <p:style>
+          <a:lnRef idx="2">
+            <a:schemeClr val="accent1">
+              <a:shade val="50000"/>
+            </a:schemeClr>
+          </a:lnRef>
+          <a:fillRef idx="1">
+            <a:schemeClr val="accent1"/>
+          </a:fillRef>
+          <a:effectRef idx="0">
+            <a:schemeClr val="accent1"/>
+          </a:effectRef>
+          <a:fontRef idx="minor">
+            <a:schemeClr val="lt1"/>
+          </a:fontRef>
+        </p:style>
+        <p:txBody>
+          <a:bodyPr rtlCol="0" anchor="ctr"/>
+          <a:lstStyle/>
+          <a:p>
+            <a:pPr algn="ctr"/>
+            <a:r>
+              <a:rPr lang="en-GB" sz="900" b="1" dirty="0" smtClean="0">
+                <a:solidFill>
+                  <a:schemeClr val="tx1"/>
+                </a:solidFill>
+              </a:rPr>
+              <a:t>SWITCH</a:t>
+            </a:r>
+            <a:endParaRPr lang="en-GB" sz="900" b="1" dirty="0">
+              <a:solidFill>
+                <a:schemeClr val="tx1"/>
+              </a:solidFill>
+            </a:endParaRPr>
+          </a:p>
+        </p:txBody>
+      </p:sp>
+      <p:sp>
+        <p:nvSpPr>
+          <p:cNvPr id="4" name="Rectangle 3"/>
+          <p:cNvSpPr/>
+          <p:nvPr/>
+        </p:nvSpPr>
+        <p:spPr>
+          <a:xfrm>
+            <a:off x="6156176" y="2499742"/>
+            <a:ext cx="2678598" cy="1008112"/>
+          </a:xfrm>
+          <a:prstGeom prst="rect">
+            <a:avLst/>
+          </a:prstGeom>
+          <a:solidFill>
+            <a:schemeClr val="bg1"/>
+          </a:solidFill>
+          <a:ln>
+            <a:noFill/>
+          </a:ln>
+        </p:spPr>
+        <p:style>
+          <a:lnRef idx="2">
+            <a:schemeClr val="accent1">
+              <a:shade val="50000"/>
+            </a:schemeClr>
+          </a:lnRef>
+          <a:fillRef idx="1">
+            <a:schemeClr val="accent1"/>
+          </a:fillRef>
+          <a:effectRef idx="0">
+            <a:schemeClr val="accent1"/>
+          </a:effectRef>
+          <a:fontRef idx="minor">
+            <a:schemeClr val="lt1"/>
+          </a:fontRef>
+        </p:style>
+        <p:txBody>
+          <a:bodyPr rtlCol="0" anchor="ctr"/>
+          <a:lstStyle/>
+          <a:p>
+            <a:pPr algn="ctr"/>
+            <a:endParaRPr lang="en-GB"/>
+          </a:p>
+        </p:txBody>
+      </p:sp>
+      <p:sp>
+        <p:nvSpPr>
+          <p:cNvPr id="22" name="Rectangle 21"/>
+          <p:cNvSpPr/>
+          <p:nvPr/>
+        </p:nvSpPr>
+        <p:spPr>
+          <a:xfrm>
+            <a:off x="6442532" y="2821044"/>
+            <a:ext cx="2678598" cy="1008112"/>
+          </a:xfrm>
+          <a:prstGeom prst="rect">
+            <a:avLst/>
+          </a:prstGeom>
+          <a:solidFill>
+            <a:schemeClr val="bg1"/>
+          </a:solidFill>
+          <a:ln>
+            <a:noFill/>
+          </a:ln>
+        </p:spPr>
+        <p:style>
+          <a:lnRef idx="2">
+            <a:schemeClr val="accent1">
+              <a:shade val="50000"/>
+            </a:schemeClr>
+          </a:lnRef>
+          <a:fillRef idx="1">
+            <a:schemeClr val="accent1"/>
+          </a:fillRef>
+          <a:effectRef idx="0">
+            <a:schemeClr val="accent1"/>
+          </a:effectRef>
+          <a:fontRef idx="minor">
+            <a:schemeClr val="lt1"/>
+          </a:fontRef>
+        </p:style>
+        <p:txBody>
+          <a:bodyPr rtlCol="0" anchor="ctr"/>
+          <a:lstStyle/>
+          <a:p>
+            <a:pPr algn="ctr"/>
+            <a:endParaRPr lang="en-GB"/>
+          </a:p>
+        </p:txBody>
+      </p:sp>
     </p:spTree>
     <p:extLst>
       <p:ext uri="{BB962C8B-B14F-4D97-AF65-F5344CB8AC3E}">
-        <p14:creationId xmlns:p14="http://schemas.microsoft.com/office/powerpoint/2010/main" val="1407943707"/>
+        <p14:creationId xmlns:p14="http://schemas.microsoft.com/office/powerpoint/2010/main" val="2863194329"/>
       </p:ext>
     </p:extLst>
   </p:cSld>
@@ -22860,336 +23823,6 @@
     </mc:Choice>
     <mc:Fallback xmlns="">
       <p:transition spd="slow" advClick="0"/>
-    </mc:Fallback>
-  </mc:AlternateContent>
-  <p:timing>
-    <p:tnLst>
-      <p:par>
-        <p:cTn id="1" dur="indefinite" restart="never" nodeType="tmRoot"/>
-      </p:par>
-    </p:tnLst>
-  </p:timing>
-</p:sld>
-</file>
-
-<file path=ppt/slides/slide9.xml><?xml version="1.0" encoding="utf-8"?>
-<p:sld xmlns:a="http://schemas.openxmlformats.org/drawingml/2006/main" xmlns:r="http://schemas.openxmlformats.org/officeDocument/2006/relationships" xmlns:p="http://schemas.openxmlformats.org/presentationml/2006/main">
-  <p:cSld>
-    <p:spTree>
-      <p:nvGrpSpPr>
-        <p:cNvPr id="1" name=""/>
-        <p:cNvGrpSpPr/>
-        <p:nvPr/>
-      </p:nvGrpSpPr>
-      <p:grpSpPr>
-        <a:xfrm>
-          <a:off x="0" y="0"/>
-          <a:ext cx="0" cy="0"/>
-          <a:chOff x="0" y="0"/>
-          <a:chExt cx="0" cy="0"/>
-        </a:xfrm>
-      </p:grpSpPr>
-      <p:sp>
-        <p:nvSpPr>
-          <p:cNvPr id="2" name="Title 1"/>
-          <p:cNvSpPr>
-            <a:spLocks noGrp="1"/>
-          </p:cNvSpPr>
-          <p:nvPr>
-            <p:ph type="title"/>
-          </p:nvPr>
-        </p:nvSpPr>
-        <p:spPr/>
-        <p:txBody>
-          <a:bodyPr/>
-          <a:lstStyle/>
-          <a:p>
-            <a:pPr algn="l"/>
-            <a:r>
-              <a:rPr lang="en-GB" dirty="0" smtClean="0"/>
-              <a:t>Hardware</a:t>
-            </a:r>
-            <a:endParaRPr lang="en-GB" dirty="0"/>
-          </a:p>
-        </p:txBody>
-      </p:sp>
-      <p:sp>
-        <p:nvSpPr>
-          <p:cNvPr id="3" name="Content Placeholder 2"/>
-          <p:cNvSpPr>
-            <a:spLocks noGrp="1"/>
-          </p:cNvSpPr>
-          <p:nvPr>
-            <p:ph idx="1"/>
-          </p:nvPr>
-        </p:nvSpPr>
-        <p:spPr/>
-        <p:txBody>
-          <a:bodyPr/>
-          <a:lstStyle/>
-          <a:p>
-            <a:r>
-              <a:rPr lang="en-GB" dirty="0" smtClean="0"/>
-              <a:t>Prototype Board</a:t>
-            </a:r>
-            <a:endParaRPr lang="en-GB" dirty="0"/>
-          </a:p>
-          <a:p>
-            <a:r>
-              <a:rPr lang="en-GB" dirty="0" smtClean="0"/>
-              <a:t>Power 5v0</a:t>
-            </a:r>
-          </a:p>
-          <a:p>
-            <a:r>
-              <a:rPr lang="en-GB" dirty="0" smtClean="0"/>
-              <a:t>Programmer</a:t>
-            </a:r>
-          </a:p>
-          <a:p>
-            <a:r>
-              <a:rPr lang="en-GB" dirty="0" smtClean="0"/>
-              <a:t>LEDs &amp; resistors</a:t>
-            </a:r>
-          </a:p>
-          <a:p>
-            <a:endParaRPr lang="en-GB" dirty="0"/>
-          </a:p>
-        </p:txBody>
-      </p:sp>
-      <p:sp>
-        <p:nvSpPr>
-          <p:cNvPr id="4" name="TextBox 3"/>
-          <p:cNvSpPr txBox="1"/>
-          <p:nvPr/>
-        </p:nvSpPr>
-        <p:spPr>
-          <a:xfrm>
-            <a:off x="2123728" y="1635646"/>
-            <a:ext cx="5328592" cy="3416320"/>
-          </a:xfrm>
-          <a:prstGeom prst="rect">
-            <a:avLst/>
-          </a:prstGeom>
-          <a:noFill/>
-        </p:spPr>
-        <p:txBody>
-          <a:bodyPr wrap="square" rtlCol="0">
-            <a:spAutoFit/>
-          </a:bodyPr>
-          <a:lstStyle/>
-          <a:p>
-            <a:r>
-              <a:rPr lang="en-GB" sz="1200" b="1" dirty="0">
-                <a:latin typeface="Courier New" panose="02070309020205020404" pitchFamily="49" charset="0"/>
-                <a:cs typeface="Courier New" panose="02070309020205020404" pitchFamily="49" charset="0"/>
-              </a:rPr>
-              <a:t>    Hardware</a:t>
-            </a:r>
-          </a:p>
-          <a:p>
-            <a:r>
-              <a:rPr lang="en-GB" sz="1200" b="1" dirty="0">
-                <a:latin typeface="Courier New" panose="02070309020205020404" pitchFamily="49" charset="0"/>
-                <a:cs typeface="Courier New" panose="02070309020205020404" pitchFamily="49" charset="0"/>
-              </a:rPr>
-              <a:t>    -------------------PORTA----------------</a:t>
-            </a:r>
-          </a:p>
-          <a:p>
-            <a:r>
-              <a:rPr lang="en-GB" sz="1200" b="1" dirty="0">
-                <a:latin typeface="Courier New" panose="02070309020205020404" pitchFamily="49" charset="0"/>
-                <a:cs typeface="Courier New" panose="02070309020205020404" pitchFamily="49" charset="0"/>
-              </a:rPr>
-              <a:t>    Bit#:  -7---6---5---4---3---2---1---0---</a:t>
-            </a:r>
-          </a:p>
-          <a:p>
-            <a:r>
-              <a:rPr lang="en-GB" sz="1200" b="1" dirty="0">
-                <a:latin typeface="Courier New" panose="02070309020205020404" pitchFamily="49" charset="0"/>
-                <a:cs typeface="Courier New" panose="02070309020205020404" pitchFamily="49" charset="0"/>
-              </a:rPr>
-              <a:t>    IO:    </a:t>
-            </a:r>
-            <a:r>
-              <a:rPr lang="en-GB" sz="1200" b="1" dirty="0" smtClean="0">
-                <a:latin typeface="Courier New" panose="02070309020205020404" pitchFamily="49" charset="0"/>
-                <a:cs typeface="Courier New" panose="02070309020205020404" pitchFamily="49" charset="0"/>
-              </a:rPr>
-              <a:t>----------------------------ADC-</a:t>
-            </a:r>
-            <a:r>
-              <a:rPr lang="en-GB" sz="1200" b="1" dirty="0">
-                <a:latin typeface="Courier New" panose="02070309020205020404" pitchFamily="49" charset="0"/>
-                <a:cs typeface="Courier New" panose="02070309020205020404" pitchFamily="49" charset="0"/>
-              </a:rPr>
-              <a:t>- </a:t>
-            </a:r>
-          </a:p>
-          <a:p>
-            <a:r>
-              <a:rPr lang="en-GB" sz="1200" b="1" dirty="0">
-                <a:latin typeface="Courier New" panose="02070309020205020404" pitchFamily="49" charset="0"/>
-                <a:cs typeface="Courier New" panose="02070309020205020404" pitchFamily="49" charset="0"/>
-              </a:rPr>
-              <a:t>    ----------------------------------------</a:t>
-            </a:r>
-          </a:p>
-          <a:p>
-            <a:r>
-              <a:rPr lang="en-GB" sz="1200" b="1" dirty="0">
-                <a:latin typeface="Courier New" panose="02070309020205020404" pitchFamily="49" charset="0"/>
-                <a:cs typeface="Courier New" panose="02070309020205020404" pitchFamily="49" charset="0"/>
-              </a:rPr>
-              <a:t/>
-            </a:r>
-            <a:br>
-              <a:rPr lang="en-GB" sz="1200" b="1" dirty="0">
-                <a:latin typeface="Courier New" panose="02070309020205020404" pitchFamily="49" charset="0"/>
-                <a:cs typeface="Courier New" panose="02070309020205020404" pitchFamily="49" charset="0"/>
-              </a:rPr>
-            </a:br>
-            <a:r>
-              <a:rPr lang="en-GB" sz="1200" b="1" dirty="0">
-                <a:latin typeface="Courier New" panose="02070309020205020404" pitchFamily="49" charset="0"/>
-                <a:cs typeface="Courier New" panose="02070309020205020404" pitchFamily="49" charset="0"/>
-              </a:rPr>
-              <a:t>    -------------------PORTB----------------</a:t>
-            </a:r>
-          </a:p>
-          <a:p>
-            <a:r>
-              <a:rPr lang="en-GB" sz="1200" b="1" dirty="0">
-                <a:latin typeface="Courier New" panose="02070309020205020404" pitchFamily="49" charset="0"/>
-                <a:cs typeface="Courier New" panose="02070309020205020404" pitchFamily="49" charset="0"/>
-              </a:rPr>
-              <a:t>    Bit#:  -7---6---5---4---3---2---1---0---</a:t>
-            </a:r>
-          </a:p>
-          <a:p>
-            <a:r>
-              <a:rPr lang="en-GB" sz="1200" b="1" dirty="0">
-                <a:latin typeface="Courier New" panose="02070309020205020404" pitchFamily="49" charset="0"/>
-                <a:cs typeface="Courier New" panose="02070309020205020404" pitchFamily="49" charset="0"/>
-              </a:rPr>
-              <a:t>    IO:    ----------------LED-LED-LED-LED--</a:t>
-            </a:r>
-          </a:p>
-          <a:p>
-            <a:r>
-              <a:rPr lang="en-GB" sz="1200" b="1" dirty="0">
-                <a:latin typeface="Courier New" panose="02070309020205020404" pitchFamily="49" charset="0"/>
-                <a:cs typeface="Courier New" panose="02070309020205020404" pitchFamily="49" charset="0"/>
-              </a:rPr>
-              <a:t>    ----------------------------------------</a:t>
-            </a:r>
-          </a:p>
-          <a:p>
-            <a:r>
-              <a:rPr lang="en-GB" sz="1200" b="1" dirty="0">
-                <a:latin typeface="Courier New" panose="02070309020205020404" pitchFamily="49" charset="0"/>
-                <a:cs typeface="Courier New" panose="02070309020205020404" pitchFamily="49" charset="0"/>
-              </a:rPr>
-              <a:t>    </a:t>
-            </a:r>
-          </a:p>
-          <a:p>
-            <a:r>
-              <a:rPr lang="en-GB" sz="1200" b="1" dirty="0">
-                <a:latin typeface="Courier New" panose="02070309020205020404" pitchFamily="49" charset="0"/>
-                <a:cs typeface="Courier New" panose="02070309020205020404" pitchFamily="49" charset="0"/>
-              </a:rPr>
-              <a:t>    ------------------PORTC-----------------</a:t>
-            </a:r>
-          </a:p>
-          <a:p>
-            <a:r>
-              <a:rPr lang="en-GB" sz="1200" b="1" dirty="0">
-                <a:latin typeface="Courier New" panose="02070309020205020404" pitchFamily="49" charset="0"/>
-                <a:cs typeface="Courier New" panose="02070309020205020404" pitchFamily="49" charset="0"/>
-              </a:rPr>
-              <a:t>    Bit#:  -X---6---5---4---3---2---1---0---</a:t>
-            </a:r>
-          </a:p>
-          <a:p>
-            <a:r>
-              <a:rPr lang="en-GB" sz="1200" b="1" dirty="0">
-                <a:latin typeface="Courier New" panose="02070309020205020404" pitchFamily="49" charset="0"/>
-                <a:cs typeface="Courier New" panose="02070309020205020404" pitchFamily="49" charset="0"/>
-              </a:rPr>
-              <a:t>    IO:    -^-------------------------------</a:t>
-            </a:r>
-          </a:p>
-          <a:p>
-            <a:r>
-              <a:rPr lang="en-GB" sz="1200" b="1" dirty="0">
-                <a:latin typeface="Courier New" panose="02070309020205020404" pitchFamily="49" charset="0"/>
-                <a:cs typeface="Courier New" panose="02070309020205020404" pitchFamily="49" charset="0"/>
-              </a:rPr>
-              <a:t>    -----VDDIO2----------------------------- </a:t>
-            </a:r>
-            <a:endParaRPr lang="en-GB" sz="1200" b="1" dirty="0" smtClean="0">
-              <a:latin typeface="Courier New" panose="02070309020205020404" pitchFamily="49" charset="0"/>
-              <a:cs typeface="Courier New" panose="02070309020205020404" pitchFamily="49" charset="0"/>
-            </a:endParaRPr>
-          </a:p>
-          <a:p>
-            <a:r>
-              <a:rPr lang="en-GB" sz="1200" b="1" dirty="0">
-                <a:latin typeface="Courier New" panose="02070309020205020404" pitchFamily="49" charset="0"/>
-                <a:cs typeface="Courier New" panose="02070309020205020404" pitchFamily="49" charset="0"/>
-              </a:rPr>
-              <a:t> </a:t>
-            </a:r>
-            <a:r>
-              <a:rPr lang="en-GB" sz="1200" b="1" dirty="0" smtClean="0">
-                <a:latin typeface="Courier New" panose="02070309020205020404" pitchFamily="49" charset="0"/>
-                <a:cs typeface="Courier New" panose="02070309020205020404" pitchFamily="49" charset="0"/>
-              </a:rPr>
-              <a:t>   You </a:t>
-            </a:r>
-            <a:r>
-              <a:rPr lang="en-GB" sz="1200" b="1" dirty="0">
-                <a:latin typeface="Courier New" panose="02070309020205020404" pitchFamily="49" charset="0"/>
-                <a:cs typeface="Courier New" panose="02070309020205020404" pitchFamily="49" charset="0"/>
-              </a:rPr>
-              <a:t>must apply correct Voltage</a:t>
-            </a:r>
-          </a:p>
-          <a:p>
-            <a:r>
-              <a:rPr lang="en-GB" sz="1200" b="1" dirty="0">
-                <a:latin typeface="Courier New" panose="02070309020205020404" pitchFamily="49" charset="0"/>
-                <a:cs typeface="Courier New" panose="02070309020205020404" pitchFamily="49" charset="0"/>
-              </a:rPr>
-              <a:t/>
-            </a:r>
-            <a:br>
-              <a:rPr lang="en-GB" sz="1200" b="1" dirty="0">
-                <a:latin typeface="Courier New" panose="02070309020205020404" pitchFamily="49" charset="0"/>
-                <a:cs typeface="Courier New" panose="02070309020205020404" pitchFamily="49" charset="0"/>
-              </a:rPr>
-            </a:br>
-            <a:endParaRPr lang="en-GB" sz="1200" b="1" dirty="0">
-              <a:latin typeface="Courier New" panose="02070309020205020404" pitchFamily="49" charset="0"/>
-              <a:cs typeface="Courier New" panose="02070309020205020404" pitchFamily="49" charset="0"/>
-            </a:endParaRPr>
-          </a:p>
-        </p:txBody>
-      </p:sp>
-    </p:spTree>
-  </p:cSld>
-  <p:clrMapOvr>
-    <a:masterClrMapping/>
-  </p:clrMapOvr>
-  <mc:AlternateContent xmlns:mc="http://schemas.openxmlformats.org/markup-compatibility/2006" xmlns:p14="http://schemas.microsoft.com/office/powerpoint/2010/main">
-    <mc:Choice Requires="p14">
-      <p:transition spd="slow" p14:dur="2000"/>
-    </mc:Choice>
-    <mc:Fallback xmlns="">
-      <p:transition spd="slow"/>
     </mc:Fallback>
   </mc:AlternateContent>
   <p:timing>
@@ -23393,7 +24026,7 @@
   <a:extraClrSchemeLst/>
   <a:extLst>
     <a:ext uri="{05A4C25C-085E-4340-85A3-A5531E510DB2}">
-      <thm15:themeFamily xmlns:thm15="http://schemas.microsoft.com/office/thememl/2012/main" xmlns="" name="GCstudioThemeLight" id="{4C740F94-33C0-4EEC-9234-F56C348A0987}" vid="{A43F8B96-90D8-489D-B80F-92F9D6F351CC}"/>
+      <thm15:themeFamily xmlns="" xmlns:thm15="http://schemas.microsoft.com/office/thememl/2012/main" name="GCstudioThemeLight" id="{4C740F94-33C0-4EEC-9234-F56C348A0987}" vid="{A43F8B96-90D8-489D-B80F-92F9D6F351CC}"/>
     </a:ext>
   </a:extLst>
 </a:theme>
